--- a/Chap/Misc/SimplyWebHosting.pptx
+++ b/Chap/Misc/SimplyWebHosting.pptx
@@ -11,29 +11,31 @@
     <p:sldId id="259" r:id="rId5"/>
     <p:sldId id="260" r:id="rId6"/>
     <p:sldId id="262" r:id="rId7"/>
-    <p:sldId id="263" r:id="rId8"/>
-    <p:sldId id="266" r:id="rId9"/>
-    <p:sldId id="264" r:id="rId10"/>
-    <p:sldId id="267" r:id="rId11"/>
-    <p:sldId id="268" r:id="rId12"/>
-    <p:sldId id="269" r:id="rId13"/>
-    <p:sldId id="270" r:id="rId14"/>
-    <p:sldId id="271" r:id="rId15"/>
-    <p:sldId id="275" r:id="rId16"/>
-    <p:sldId id="277" r:id="rId17"/>
-    <p:sldId id="272" r:id="rId18"/>
-    <p:sldId id="280" r:id="rId19"/>
-    <p:sldId id="282" r:id="rId20"/>
-    <p:sldId id="273" r:id="rId21"/>
-    <p:sldId id="274" r:id="rId22"/>
-    <p:sldId id="276" r:id="rId23"/>
-    <p:sldId id="278" r:id="rId24"/>
-    <p:sldId id="281" r:id="rId25"/>
-    <p:sldId id="284" r:id="rId26"/>
-    <p:sldId id="279" r:id="rId27"/>
-    <p:sldId id="285" r:id="rId28"/>
-    <p:sldId id="286" r:id="rId29"/>
-    <p:sldId id="287" r:id="rId30"/>
+    <p:sldId id="288" r:id="rId8"/>
+    <p:sldId id="289" r:id="rId9"/>
+    <p:sldId id="290" r:id="rId10"/>
+    <p:sldId id="264" r:id="rId11"/>
+    <p:sldId id="269" r:id="rId12"/>
+    <p:sldId id="270" r:id="rId13"/>
+    <p:sldId id="292" r:id="rId14"/>
+    <p:sldId id="275" r:id="rId15"/>
+    <p:sldId id="277" r:id="rId16"/>
+    <p:sldId id="272" r:id="rId17"/>
+    <p:sldId id="280" r:id="rId18"/>
+    <p:sldId id="282" r:id="rId19"/>
+    <p:sldId id="273" r:id="rId20"/>
+    <p:sldId id="274" r:id="rId21"/>
+    <p:sldId id="276" r:id="rId22"/>
+    <p:sldId id="278" r:id="rId23"/>
+    <p:sldId id="281" r:id="rId24"/>
+    <p:sldId id="284" r:id="rId25"/>
+    <p:sldId id="279" r:id="rId26"/>
+    <p:sldId id="285" r:id="rId27"/>
+    <p:sldId id="286" r:id="rId28"/>
+    <p:sldId id="293" r:id="rId29"/>
+    <p:sldId id="294" r:id="rId30"/>
+    <p:sldId id="295" r:id="rId31"/>
+    <p:sldId id="287" r:id="rId32"/>
   </p:sldIdLst>
   <p:sldSz cx="12192000" cy="6858000"/>
   <p:notesSz cx="6858000" cy="9144000"/>
@@ -287,7 +289,7 @@
           <a:p>
             <a:fld id="{9D51ED84-EFBF-424E-91FC-6D43C27A5285}" type="datetimeFigureOut">
               <a:rPr lang="da-DK" smtClean="0"/>
-              <a:t>23-04-2023</a:t>
+              <a:t>14-04-2024</a:t>
             </a:fld>
             <a:endParaRPr lang="da-DK"/>
           </a:p>
@@ -497,7 +499,7 @@
           <a:p>
             <a:fld id="{9D51ED84-EFBF-424E-91FC-6D43C27A5285}" type="datetimeFigureOut">
               <a:rPr lang="da-DK" smtClean="0"/>
-              <a:t>23-04-2023</a:t>
+              <a:t>14-04-2024</a:t>
             </a:fld>
             <a:endParaRPr lang="da-DK"/>
           </a:p>
@@ -717,7 +719,7 @@
           <a:p>
             <a:fld id="{9D51ED84-EFBF-424E-91FC-6D43C27A5285}" type="datetimeFigureOut">
               <a:rPr lang="da-DK" smtClean="0"/>
-              <a:t>23-04-2023</a:t>
+              <a:t>14-04-2024</a:t>
             </a:fld>
             <a:endParaRPr lang="da-DK"/>
           </a:p>
@@ -927,7 +929,7 @@
           <a:p>
             <a:fld id="{9D51ED84-EFBF-424E-91FC-6D43C27A5285}" type="datetimeFigureOut">
               <a:rPr lang="da-DK" smtClean="0"/>
-              <a:t>23-04-2023</a:t>
+              <a:t>14-04-2024</a:t>
             </a:fld>
             <a:endParaRPr lang="da-DK"/>
           </a:p>
@@ -1214,7 +1216,7 @@
           <a:p>
             <a:fld id="{9D51ED84-EFBF-424E-91FC-6D43C27A5285}" type="datetimeFigureOut">
               <a:rPr lang="da-DK" smtClean="0"/>
-              <a:t>23-04-2023</a:t>
+              <a:t>14-04-2024</a:t>
             </a:fld>
             <a:endParaRPr lang="da-DK"/>
           </a:p>
@@ -1491,7 +1493,7 @@
           <a:p>
             <a:fld id="{9D51ED84-EFBF-424E-91FC-6D43C27A5285}" type="datetimeFigureOut">
               <a:rPr lang="da-DK" smtClean="0"/>
-              <a:t>23-04-2023</a:t>
+              <a:t>14-04-2024</a:t>
             </a:fld>
             <a:endParaRPr lang="da-DK"/>
           </a:p>
@@ -1915,7 +1917,7 @@
           <a:p>
             <a:fld id="{9D51ED84-EFBF-424E-91FC-6D43C27A5285}" type="datetimeFigureOut">
               <a:rPr lang="da-DK" smtClean="0"/>
-              <a:t>23-04-2023</a:t>
+              <a:t>14-04-2024</a:t>
             </a:fld>
             <a:endParaRPr lang="da-DK"/>
           </a:p>
@@ -2068,7 +2070,7 @@
           <a:p>
             <a:fld id="{9D51ED84-EFBF-424E-91FC-6D43C27A5285}" type="datetimeFigureOut">
               <a:rPr lang="da-DK" smtClean="0"/>
-              <a:t>23-04-2023</a:t>
+              <a:t>14-04-2024</a:t>
             </a:fld>
             <a:endParaRPr lang="da-DK"/>
           </a:p>
@@ -2193,7 +2195,7 @@
           <a:p>
             <a:fld id="{9D51ED84-EFBF-424E-91FC-6D43C27A5285}" type="datetimeFigureOut">
               <a:rPr lang="da-DK" smtClean="0"/>
-              <a:t>23-04-2023</a:t>
+              <a:t>14-04-2024</a:t>
             </a:fld>
             <a:endParaRPr lang="da-DK"/>
           </a:p>
@@ -2516,7 +2518,7 @@
           <a:p>
             <a:fld id="{9D51ED84-EFBF-424E-91FC-6D43C27A5285}" type="datetimeFigureOut">
               <a:rPr lang="da-DK" smtClean="0"/>
-              <a:t>23-04-2023</a:t>
+              <a:t>14-04-2024</a:t>
             </a:fld>
             <a:endParaRPr lang="da-DK"/>
           </a:p>
@@ -2816,7 +2818,7 @@
           <a:p>
             <a:fld id="{9D51ED84-EFBF-424E-91FC-6D43C27A5285}" type="datetimeFigureOut">
               <a:rPr lang="da-DK" smtClean="0"/>
-              <a:t>23-04-2023</a:t>
+              <a:t>14-04-2024</a:t>
             </a:fld>
             <a:endParaRPr lang="da-DK"/>
           </a:p>
@@ -3069,7 +3071,7 @@
           <a:p>
             <a:fld id="{9D51ED84-EFBF-424E-91FC-6D43C27A5285}" type="datetimeFigureOut">
               <a:rPr lang="da-DK" smtClean="0"/>
-              <a:t>23-04-2023</a:t>
+              <a:t>14-04-2024</a:t>
             </a:fld>
             <a:endParaRPr lang="da-DK"/>
           </a:p>
@@ -3554,12 +3556,8 @@
           <a:lstStyle/>
           <a:p>
             <a:r>
-              <a:rPr lang="en-US" dirty="0" err="1"/>
-              <a:t>Databaser</a:t>
-            </a:r>
-            <a:r>
-              <a:rPr lang="en-US" dirty="0"/>
-              <a:t> </a:t>
+              <a:rPr lang="en-US"/>
+              <a:t>Database </a:t>
             </a:r>
             <a:r>
               <a:rPr lang="en-US" dirty="0" err="1"/>
@@ -3617,10 +3615,10 @@
       </p:grpSpPr>
       <p:pic>
         <p:nvPicPr>
-          <p:cNvPr id="3" name="Billede 2">
-            <a:extLst>
-              <a:ext uri="{FF2B5EF4-FFF2-40B4-BE49-F238E27FC236}">
-                <a16:creationId xmlns:a16="http://schemas.microsoft.com/office/drawing/2014/main" id="{2660D774-14A6-13E2-6232-162CFF1A4954}"/>
+          <p:cNvPr id="4" name="Billede 3">
+            <a:extLst>
+              <a:ext uri="{FF2B5EF4-FFF2-40B4-BE49-F238E27FC236}">
+                <a16:creationId xmlns:a16="http://schemas.microsoft.com/office/drawing/2014/main" id="{6655CFCD-B37B-F2DD-C665-9F92D546B007}"/>
               </a:ext>
             </a:extLst>
           </p:cNvPr>
@@ -3637,92 +3635,122 @@
         </p:blipFill>
         <p:spPr>
           <a:xfrm>
-            <a:off x="7872978" y="1413510"/>
-            <a:ext cx="3952036" cy="2818856"/>
+            <a:off x="3416411" y="156754"/>
+            <a:ext cx="4941168" cy="6614160"/>
           </a:xfrm>
           <a:prstGeom prst="rect">
             <a:avLst/>
           </a:prstGeom>
         </p:spPr>
       </p:pic>
-      <p:pic>
-        <p:nvPicPr>
-          <p:cNvPr id="2" name="Billede 1">
-            <a:extLst>
-              <a:ext uri="{FF2B5EF4-FFF2-40B4-BE49-F238E27FC236}">
-                <a16:creationId xmlns:a16="http://schemas.microsoft.com/office/drawing/2014/main" id="{189B8525-B6C9-66B9-B443-1058AD947459}"/>
-              </a:ext>
-            </a:extLst>
-          </p:cNvPr>
-          <p:cNvPicPr>
-            <a:picLocks noChangeAspect="1"/>
-          </p:cNvPicPr>
+      <p:sp>
+        <p:nvSpPr>
+          <p:cNvPr id="5" name="Rektangel 4">
+            <a:extLst>
+              <a:ext uri="{FF2B5EF4-FFF2-40B4-BE49-F238E27FC236}">
+                <a16:creationId xmlns:a16="http://schemas.microsoft.com/office/drawing/2014/main" id="{2DCE434B-6F3C-6FC4-5FA9-EB3466E71056}"/>
+              </a:ext>
+            </a:extLst>
+          </p:cNvPr>
+          <p:cNvSpPr/>
           <p:nvPr/>
-        </p:nvPicPr>
-        <p:blipFill>
-          <a:blip r:embed="rId3"/>
-          <a:stretch>
-            <a:fillRect/>
-          </a:stretch>
-        </p:blipFill>
+        </p:nvSpPr>
         <p:spPr>
           <a:xfrm>
-            <a:off x="366986" y="1380898"/>
-            <a:ext cx="7085620" cy="3700602"/>
+            <a:off x="3770811" y="1234441"/>
+            <a:ext cx="4586768" cy="298268"/>
           </a:xfrm>
           <a:prstGeom prst="rect">
             <a:avLst/>
           </a:prstGeom>
-        </p:spPr>
-      </p:pic>
-      <p:cxnSp>
-        <p:nvCxnSpPr>
-          <p:cNvPr id="4" name="Lige pilforbindelse 3">
-            <a:extLst>
-              <a:ext uri="{FF2B5EF4-FFF2-40B4-BE49-F238E27FC236}">
-                <a16:creationId xmlns:a16="http://schemas.microsoft.com/office/drawing/2014/main" id="{A27DAAE0-3300-B75B-F369-59A0D1E25C76}"/>
-              </a:ext>
-            </a:extLst>
-          </p:cNvPr>
-          <p:cNvCxnSpPr>
-            <a:cxnSpLocks/>
-          </p:cNvCxnSpPr>
-          <p:nvPr/>
-        </p:nvCxnSpPr>
-        <p:spPr>
-          <a:xfrm flipV="1">
-            <a:off x="3860800" y="2575339"/>
-            <a:ext cx="4227443" cy="1303131"/>
-          </a:xfrm>
-          <a:prstGeom prst="straightConnector1">
-            <a:avLst/>
-          </a:prstGeom>
-          <a:ln w="38100">
+          <a:noFill/>
+          <a:ln w="76200">
             <a:solidFill>
-              <a:srgbClr val="00B050"/>
+              <a:srgbClr val="FF0000"/>
             </a:solidFill>
-            <a:tailEnd type="triangle" w="lg" len="lg"/>
           </a:ln>
         </p:spPr>
         <p:style>
-          <a:lnRef idx="1">
-            <a:schemeClr val="accent1"/>
+          <a:lnRef idx="2">
+            <a:schemeClr val="accent1">
+              <a:shade val="15000"/>
+            </a:schemeClr>
           </a:lnRef>
-          <a:fillRef idx="0">
+          <a:fillRef idx="1">
             <a:schemeClr val="accent1"/>
           </a:fillRef>
           <a:effectRef idx="0">
             <a:schemeClr val="accent1"/>
           </a:effectRef>
           <a:fontRef idx="minor">
-            <a:schemeClr val="tx1"/>
+            <a:schemeClr val="lt1"/>
           </a:fontRef>
         </p:style>
-      </p:cxnSp>
+        <p:txBody>
+          <a:bodyPr rtlCol="0" anchor="ctr"/>
+          <a:lstStyle/>
+          <a:p>
+            <a:pPr algn="ctr"/>
+            <a:endParaRPr lang="da-DK"/>
+          </a:p>
+        </p:txBody>
+      </p:sp>
+      <p:sp>
+        <p:nvSpPr>
+          <p:cNvPr id="6" name="Rektangel 5">
+            <a:extLst>
+              <a:ext uri="{FF2B5EF4-FFF2-40B4-BE49-F238E27FC236}">
+                <a16:creationId xmlns:a16="http://schemas.microsoft.com/office/drawing/2014/main" id="{4C7F60AA-7BC5-BF0D-E3A7-32A736F188E9}"/>
+              </a:ext>
+            </a:extLst>
+          </p:cNvPr>
+          <p:cNvSpPr/>
+          <p:nvPr/>
+        </p:nvSpPr>
+        <p:spPr>
+          <a:xfrm>
+            <a:off x="4571999" y="1935481"/>
+            <a:ext cx="2329544" cy="298268"/>
+          </a:xfrm>
+          <a:prstGeom prst="rect">
+            <a:avLst/>
+          </a:prstGeom>
+          <a:noFill/>
+          <a:ln w="76200">
+            <a:solidFill>
+              <a:srgbClr val="FF0000"/>
+            </a:solidFill>
+          </a:ln>
+        </p:spPr>
+        <p:style>
+          <a:lnRef idx="2">
+            <a:schemeClr val="accent1">
+              <a:shade val="15000"/>
+            </a:schemeClr>
+          </a:lnRef>
+          <a:fillRef idx="1">
+            <a:schemeClr val="accent1"/>
+          </a:fillRef>
+          <a:effectRef idx="0">
+            <a:schemeClr val="accent1"/>
+          </a:effectRef>
+          <a:fontRef idx="minor">
+            <a:schemeClr val="lt1"/>
+          </a:fontRef>
+        </p:style>
+        <p:txBody>
+          <a:bodyPr rtlCol="0" anchor="ctr"/>
+          <a:lstStyle/>
+          <a:p>
+            <a:pPr algn="ctr"/>
+            <a:endParaRPr lang="da-DK"/>
+          </a:p>
+        </p:txBody>
+      </p:sp>
     </p:spTree>
     <p:extLst>
       <p:ext uri="{BB962C8B-B14F-4D97-AF65-F5344CB8AC3E}">
-        <p14:creationId xmlns:p14="http://schemas.microsoft.com/office/powerpoint/2010/main" val="2624969288"/>
+        <p14:creationId xmlns:p14="http://schemas.microsoft.com/office/powerpoint/2010/main" val="1098808722"/>
       </p:ext>
     </p:extLst>
   </p:cSld>
@@ -3761,100 +3789,421 @@
           <a:chExt cx="0" cy="0"/>
         </a:xfrm>
       </p:grpSpPr>
-      <p:pic>
-        <p:nvPicPr>
-          <p:cNvPr id="5" name="Billede 4">
-            <a:extLst>
-              <a:ext uri="{FF2B5EF4-FFF2-40B4-BE49-F238E27FC236}">
-                <a16:creationId xmlns:a16="http://schemas.microsoft.com/office/drawing/2014/main" id="{47BD54BA-1535-66DB-0BCD-30E68E0AA60C}"/>
-              </a:ext>
-            </a:extLst>
-          </p:cNvPr>
-          <p:cNvPicPr>
-            <a:picLocks noChangeAspect="1"/>
-          </p:cNvPicPr>
-          <p:nvPr/>
-        </p:nvPicPr>
-        <p:blipFill>
-          <a:blip r:embed="rId2"/>
-          <a:stretch>
-            <a:fillRect/>
-          </a:stretch>
-        </p:blipFill>
+      <p:sp>
+        <p:nvSpPr>
+          <p:cNvPr id="2" name="Titel 1">
+            <a:extLst>
+              <a:ext uri="{FF2B5EF4-FFF2-40B4-BE49-F238E27FC236}">
+                <a16:creationId xmlns:a16="http://schemas.microsoft.com/office/drawing/2014/main" id="{67A9A95C-72F0-4B2E-00E3-1AC450CF6306}"/>
+              </a:ext>
+            </a:extLst>
+          </p:cNvPr>
+          <p:cNvSpPr>
+            <a:spLocks noGrp="1"/>
+          </p:cNvSpPr>
+          <p:nvPr>
+            <p:ph type="title"/>
+          </p:nvPr>
+        </p:nvSpPr>
+        <p:spPr/>
+        <p:txBody>
+          <a:bodyPr/>
+          <a:lstStyle/>
+          <a:p>
+            <a:r>
+              <a:rPr lang="en-US" dirty="0"/>
+              <a:t>Web-apps </a:t>
+            </a:r>
+            <a:r>
+              <a:rPr lang="en-US" dirty="0" err="1"/>
+              <a:t>på</a:t>
+            </a:r>
+            <a:r>
+              <a:rPr lang="en-US" dirty="0"/>
+              <a:t> </a:t>
+            </a:r>
+            <a:r>
+              <a:rPr lang="en-US" b="1" i="1" dirty="0"/>
+              <a:t>Simply</a:t>
+            </a:r>
+            <a:endParaRPr lang="da-DK" b="1" i="1" dirty="0"/>
+          </a:p>
+        </p:txBody>
+      </p:sp>
+      <p:sp>
+        <p:nvSpPr>
+          <p:cNvPr id="3" name="Pladsholder til indhold 2">
+            <a:extLst>
+              <a:ext uri="{FF2B5EF4-FFF2-40B4-BE49-F238E27FC236}">
+                <a16:creationId xmlns:a16="http://schemas.microsoft.com/office/drawing/2014/main" id="{9C6A03F5-A404-2EDA-F3F9-2FC7992107BF}"/>
+              </a:ext>
+            </a:extLst>
+          </p:cNvPr>
+          <p:cNvSpPr>
+            <a:spLocks noGrp="1"/>
+          </p:cNvSpPr>
+          <p:nvPr>
+            <p:ph idx="1"/>
+          </p:nvPr>
+        </p:nvSpPr>
         <p:spPr>
           <a:xfrm>
-            <a:off x="461555" y="505888"/>
-            <a:ext cx="4523784" cy="5515298"/>
+            <a:off x="838199" y="1825625"/>
+            <a:ext cx="10963275" cy="4351338"/>
           </a:xfrm>
-          <a:prstGeom prst="rect">
-            <a:avLst/>
-          </a:prstGeom>
         </p:spPr>
-      </p:pic>
-      <p:pic>
-        <p:nvPicPr>
-          <p:cNvPr id="7" name="Billede 6">
-            <a:extLst>
-              <a:ext uri="{FF2B5EF4-FFF2-40B4-BE49-F238E27FC236}">
-                <a16:creationId xmlns:a16="http://schemas.microsoft.com/office/drawing/2014/main" id="{E3203B34-0E53-4F1E-AC7A-A609606802A3}"/>
-              </a:ext>
-            </a:extLst>
-          </p:cNvPr>
-          <p:cNvPicPr>
-            <a:picLocks noChangeAspect="1"/>
-          </p:cNvPicPr>
-          <p:nvPr/>
-        </p:nvPicPr>
-        <p:blipFill>
-          <a:blip r:embed="rId3"/>
-          <a:stretch>
-            <a:fillRect/>
-          </a:stretch>
-        </p:blipFill>
-        <p:spPr>
-          <a:xfrm>
-            <a:off x="5817327" y="505888"/>
-            <a:ext cx="6153013" cy="2396085"/>
-          </a:xfrm>
-          <a:prstGeom prst="rect">
-            <a:avLst/>
-          </a:prstGeom>
-        </p:spPr>
-      </p:pic>
-      <p:pic>
-        <p:nvPicPr>
-          <p:cNvPr id="9" name="Billede 8">
-            <a:extLst>
-              <a:ext uri="{FF2B5EF4-FFF2-40B4-BE49-F238E27FC236}">
-                <a16:creationId xmlns:a16="http://schemas.microsoft.com/office/drawing/2014/main" id="{2F31EF6A-ADB4-215B-CE56-D7D6D69EB2BD}"/>
-              </a:ext>
-            </a:extLst>
-          </p:cNvPr>
-          <p:cNvPicPr>
-            <a:picLocks noChangeAspect="1"/>
-          </p:cNvPicPr>
-          <p:nvPr/>
-        </p:nvPicPr>
-        <p:blipFill>
-          <a:blip r:embed="rId4"/>
-          <a:stretch>
-            <a:fillRect/>
-          </a:stretch>
-        </p:blipFill>
-        <p:spPr>
-          <a:xfrm>
-            <a:off x="5817327" y="3737236"/>
-            <a:ext cx="6153013" cy="1100647"/>
-          </a:xfrm>
-          <a:prstGeom prst="rect">
-            <a:avLst/>
-          </a:prstGeom>
-        </p:spPr>
-      </p:pic>
+        <p:txBody>
+          <a:bodyPr/>
+          <a:lstStyle/>
+          <a:p>
+            <a:r>
+              <a:rPr lang="en-US" dirty="0"/>
+              <a:t>Under </a:t>
+            </a:r>
+            <a:r>
+              <a:rPr lang="en-US" b="1" dirty="0"/>
+              <a:t>Website</a:t>
+            </a:r>
+            <a:r>
+              <a:rPr lang="en-US" dirty="0"/>
+              <a:t>, </a:t>
+            </a:r>
+            <a:r>
+              <a:rPr lang="en-US" dirty="0" err="1"/>
+              <a:t>vælg</a:t>
+            </a:r>
+            <a:r>
+              <a:rPr lang="en-US" dirty="0"/>
+              <a:t> </a:t>
+            </a:r>
+            <a:r>
+              <a:rPr lang="en-US" b="1" dirty="0" err="1"/>
+              <a:t>Subdomæner</a:t>
+            </a:r>
+            <a:r>
+              <a:rPr lang="en-US" dirty="0"/>
+              <a:t>, </a:t>
+            </a:r>
+            <a:r>
+              <a:rPr lang="en-US" dirty="0" err="1"/>
+              <a:t>og</a:t>
+            </a:r>
+            <a:r>
+              <a:rPr lang="en-US" dirty="0"/>
+              <a:t> </a:t>
+            </a:r>
+            <a:r>
+              <a:rPr lang="en-US" dirty="0" err="1"/>
+              <a:t>vælg</a:t>
+            </a:r>
+            <a:r>
+              <a:rPr lang="en-US" dirty="0"/>
+              <a:t> </a:t>
+            </a:r>
+            <a:r>
+              <a:rPr lang="en-US" b="1" dirty="0" err="1"/>
+              <a:t>Opret</a:t>
+            </a:r>
+            <a:r>
+              <a:rPr lang="en-US" b="1" dirty="0"/>
+              <a:t> </a:t>
+            </a:r>
+            <a:r>
+              <a:rPr lang="en-US" b="1" dirty="0" err="1"/>
+              <a:t>nyt</a:t>
+            </a:r>
+            <a:r>
+              <a:rPr lang="en-US" b="1" dirty="0"/>
+              <a:t> </a:t>
+            </a:r>
+            <a:r>
+              <a:rPr lang="en-US" b="1" dirty="0" err="1"/>
+              <a:t>subdomæne</a:t>
+            </a:r>
+            <a:endParaRPr lang="en-US" b="1" dirty="0"/>
+          </a:p>
+          <a:p>
+            <a:r>
+              <a:rPr lang="en-US" dirty="0" err="1"/>
+              <a:t>Indtast</a:t>
+            </a:r>
+            <a:r>
+              <a:rPr lang="en-US" dirty="0"/>
+              <a:t> </a:t>
+            </a:r>
+            <a:r>
+              <a:rPr lang="en-US" dirty="0" err="1"/>
+              <a:t>navn</a:t>
+            </a:r>
+            <a:r>
+              <a:rPr lang="en-US" dirty="0"/>
+              <a:t> </a:t>
+            </a:r>
+            <a:r>
+              <a:rPr lang="en-US" dirty="0" err="1"/>
+              <a:t>på</a:t>
+            </a:r>
+            <a:r>
+              <a:rPr lang="en-US" dirty="0"/>
+              <a:t> </a:t>
+            </a:r>
+            <a:r>
+              <a:rPr lang="en-US" dirty="0" err="1"/>
+              <a:t>subdomæne</a:t>
+            </a:r>
+            <a:r>
+              <a:rPr lang="en-US" dirty="0"/>
+              <a:t>, </a:t>
+            </a:r>
+            <a:r>
+              <a:rPr lang="en-US" dirty="0" err="1"/>
+              <a:t>og</a:t>
+            </a:r>
+            <a:r>
+              <a:rPr lang="en-US" dirty="0"/>
+              <a:t> </a:t>
+            </a:r>
+            <a:r>
+              <a:rPr lang="en-US" dirty="0" err="1"/>
+              <a:t>vælg</a:t>
+            </a:r>
+            <a:r>
+              <a:rPr lang="en-US" dirty="0"/>
+              <a:t> </a:t>
+            </a:r>
+            <a:r>
+              <a:rPr lang="en-US" dirty="0" err="1"/>
+              <a:t>mappe</a:t>
+            </a:r>
+            <a:r>
+              <a:rPr lang="en-US" dirty="0"/>
+              <a:t> (</a:t>
+            </a:r>
+            <a:r>
+              <a:rPr lang="en-US" dirty="0" err="1"/>
+              <a:t>typisk</a:t>
+            </a:r>
+            <a:r>
+              <a:rPr lang="en-US" dirty="0"/>
+              <a:t> </a:t>
+            </a:r>
+            <a:r>
+              <a:rPr lang="en-US" dirty="0" err="1"/>
+              <a:t>samme</a:t>
+            </a:r>
+            <a:r>
+              <a:rPr lang="en-US" dirty="0"/>
+              <a:t> </a:t>
+            </a:r>
+            <a:r>
+              <a:rPr lang="en-US" dirty="0" err="1"/>
+              <a:t>navn</a:t>
+            </a:r>
+            <a:r>
+              <a:rPr lang="en-US" dirty="0"/>
+              <a:t> </a:t>
+            </a:r>
+            <a:r>
+              <a:rPr lang="en-US" dirty="0" err="1"/>
+              <a:t>som</a:t>
+            </a:r>
+            <a:r>
+              <a:rPr lang="en-US" dirty="0"/>
+              <a:t> </a:t>
+            </a:r>
+            <a:r>
+              <a:rPr lang="en-US" dirty="0" err="1"/>
+              <a:t>navnet</a:t>
+            </a:r>
+            <a:r>
+              <a:rPr lang="en-US" dirty="0"/>
+              <a:t> </a:t>
+            </a:r>
+            <a:r>
+              <a:rPr lang="en-US" dirty="0" err="1"/>
+              <a:t>på</a:t>
+            </a:r>
+            <a:r>
+              <a:rPr lang="en-US" dirty="0"/>
+              <a:t> </a:t>
+            </a:r>
+            <a:r>
+              <a:rPr lang="en-US" dirty="0" err="1"/>
+              <a:t>subdomæne</a:t>
+            </a:r>
+            <a:r>
+              <a:rPr lang="en-US" dirty="0"/>
+              <a:t>)</a:t>
+            </a:r>
+          </a:p>
+          <a:p>
+            <a:r>
+              <a:rPr lang="en-US" dirty="0" err="1"/>
+              <a:t>Subdomæne</a:t>
+            </a:r>
+            <a:r>
+              <a:rPr lang="en-US" dirty="0"/>
+              <a:t> </a:t>
+            </a:r>
+            <a:r>
+              <a:rPr lang="en-US" dirty="0" err="1"/>
+              <a:t>oprettes</a:t>
+            </a:r>
+            <a:r>
+              <a:rPr lang="en-US" dirty="0"/>
+              <a:t> (</a:t>
+            </a:r>
+            <a:r>
+              <a:rPr lang="en-US" dirty="0" err="1"/>
+              <a:t>kan</a:t>
+            </a:r>
+            <a:r>
+              <a:rPr lang="en-US" dirty="0"/>
+              <a:t> </a:t>
+            </a:r>
+            <a:r>
+              <a:rPr lang="en-US" dirty="0" err="1"/>
+              <a:t>tage</a:t>
+            </a:r>
+            <a:r>
+              <a:rPr lang="en-US" dirty="0"/>
+              <a:t> et par </a:t>
+            </a:r>
+            <a:r>
+              <a:rPr lang="en-US" dirty="0" err="1"/>
+              <a:t>minutter</a:t>
+            </a:r>
+            <a:r>
+              <a:rPr lang="en-US" dirty="0"/>
+              <a:t>)</a:t>
+            </a:r>
+          </a:p>
+          <a:p>
+            <a:r>
+              <a:rPr lang="en-US" dirty="0" err="1"/>
+              <a:t>Gå</a:t>
+            </a:r>
+            <a:r>
+              <a:rPr lang="en-US" dirty="0"/>
+              <a:t> </a:t>
+            </a:r>
+            <a:r>
+              <a:rPr lang="en-US" dirty="0" err="1"/>
+              <a:t>til</a:t>
+            </a:r>
+            <a:r>
+              <a:rPr lang="en-US" dirty="0"/>
+              <a:t> </a:t>
+            </a:r>
+            <a:r>
+              <a:rPr lang="en-US" b="1" dirty="0"/>
+              <a:t>File Manager</a:t>
+            </a:r>
+            <a:r>
+              <a:rPr lang="en-US"/>
+              <a:t>, klik på </a:t>
+            </a:r>
+            <a:r>
+              <a:rPr lang="en-US" b="1"/>
+              <a:t>Loginoplysninger</a:t>
+            </a:r>
+            <a:endParaRPr lang="en-US" b="1" dirty="0"/>
+          </a:p>
+          <a:p>
+            <a:r>
+              <a:rPr lang="en-US" dirty="0"/>
+              <a:t>Disse </a:t>
+            </a:r>
+            <a:r>
+              <a:rPr lang="en-US" dirty="0" err="1"/>
+              <a:t>oplysninger</a:t>
+            </a:r>
+            <a:r>
+              <a:rPr lang="en-US" dirty="0"/>
+              <a:t> </a:t>
+            </a:r>
+            <a:r>
+              <a:rPr lang="en-US" dirty="0" err="1"/>
+              <a:t>skal</a:t>
+            </a:r>
+            <a:r>
+              <a:rPr lang="en-US" dirty="0"/>
+              <a:t> </a:t>
+            </a:r>
+            <a:r>
+              <a:rPr lang="en-US" dirty="0" err="1"/>
+              <a:t>bruges</a:t>
+            </a:r>
+            <a:r>
+              <a:rPr lang="en-US" dirty="0"/>
+              <a:t> </a:t>
+            </a:r>
+            <a:r>
+              <a:rPr lang="en-US" dirty="0" err="1"/>
+              <a:t>ved</a:t>
+            </a:r>
+            <a:r>
+              <a:rPr lang="en-US" dirty="0"/>
+              <a:t> </a:t>
+            </a:r>
+            <a:r>
+              <a:rPr lang="en-US" dirty="0" err="1"/>
+              <a:t>publicering</a:t>
+            </a:r>
+            <a:r>
+              <a:rPr lang="en-US" dirty="0"/>
+              <a:t> </a:t>
+            </a:r>
+            <a:r>
+              <a:rPr lang="en-US" dirty="0" err="1"/>
+              <a:t>af</a:t>
+            </a:r>
+            <a:r>
+              <a:rPr lang="en-US" dirty="0"/>
+              <a:t> </a:t>
+            </a:r>
+            <a:r>
+              <a:rPr lang="en-US" dirty="0" err="1"/>
+              <a:t>en</a:t>
+            </a:r>
+            <a:r>
+              <a:rPr lang="en-US" dirty="0"/>
+              <a:t> app</a:t>
+            </a:r>
+          </a:p>
+          <a:p>
+            <a:r>
+              <a:rPr lang="en-US" dirty="0">
+                <a:solidFill>
+                  <a:srgbClr val="FF0000"/>
+                </a:solidFill>
+              </a:rPr>
+              <a:t>NB</a:t>
+            </a:r>
+            <a:r>
+              <a:rPr lang="en-US"/>
+              <a:t>: Mere end ét subdomæne kan give lidt udfordringer…  </a:t>
+            </a:r>
+            <a:r>
+              <a:rPr lang="en-US" dirty="0"/>
+              <a:t>(se </a:t>
+            </a:r>
+            <a:r>
+              <a:rPr lang="en-US" dirty="0" err="1"/>
+              <a:t>senere</a:t>
+            </a:r>
+            <a:r>
+              <a:rPr lang="en-US" dirty="0"/>
+              <a:t>) </a:t>
+            </a:r>
+            <a:endParaRPr lang="da-DK" dirty="0"/>
+          </a:p>
+        </p:txBody>
+      </p:sp>
     </p:spTree>
     <p:extLst>
       <p:ext uri="{BB962C8B-B14F-4D97-AF65-F5344CB8AC3E}">
-        <p14:creationId xmlns:p14="http://schemas.microsoft.com/office/powerpoint/2010/main" val="1288768751"/>
+        <p14:creationId xmlns:p14="http://schemas.microsoft.com/office/powerpoint/2010/main" val="3915654188"/>
       </p:ext>
     </p:extLst>
   </p:cSld>
@@ -3893,495 +4242,144 @@
           <a:chExt cx="0" cy="0"/>
         </a:xfrm>
       </p:grpSpPr>
-      <p:sp>
-        <p:nvSpPr>
-          <p:cNvPr id="2" name="Titel 1">
-            <a:extLst>
-              <a:ext uri="{FF2B5EF4-FFF2-40B4-BE49-F238E27FC236}">
-                <a16:creationId xmlns:a16="http://schemas.microsoft.com/office/drawing/2014/main" id="{67A9A95C-72F0-4B2E-00E3-1AC450CF6306}"/>
-              </a:ext>
-            </a:extLst>
-          </p:cNvPr>
-          <p:cNvSpPr>
-            <a:spLocks noGrp="1"/>
-          </p:cNvSpPr>
-          <p:nvPr>
-            <p:ph type="title"/>
-          </p:nvPr>
-        </p:nvSpPr>
-        <p:spPr/>
-        <p:txBody>
-          <a:bodyPr/>
+      <p:pic>
+        <p:nvPicPr>
+          <p:cNvPr id="5" name="Billede 4">
+            <a:extLst>
+              <a:ext uri="{FF2B5EF4-FFF2-40B4-BE49-F238E27FC236}">
+                <a16:creationId xmlns:a16="http://schemas.microsoft.com/office/drawing/2014/main" id="{DD2789AF-550E-8DBC-794E-575AA08E519E}"/>
+              </a:ext>
+            </a:extLst>
+          </p:cNvPr>
+          <p:cNvPicPr>
+            <a:picLocks noChangeAspect="1"/>
+          </p:cNvPicPr>
+          <p:nvPr/>
+        </p:nvPicPr>
+        <p:blipFill>
+          <a:blip r:embed="rId2"/>
+          <a:stretch>
+            <a:fillRect/>
+          </a:stretch>
+        </p:blipFill>
+        <p:spPr>
+          <a:xfrm>
+            <a:off x="379317" y="628650"/>
+            <a:ext cx="11433366" cy="5229214"/>
+          </a:xfrm>
+          <a:prstGeom prst="rect">
+            <a:avLst/>
+          </a:prstGeom>
+        </p:spPr>
+      </p:pic>
+      <p:sp>
+        <p:nvSpPr>
+          <p:cNvPr id="6" name="Rektangel 5">
+            <a:extLst>
+              <a:ext uri="{FF2B5EF4-FFF2-40B4-BE49-F238E27FC236}">
+                <a16:creationId xmlns:a16="http://schemas.microsoft.com/office/drawing/2014/main" id="{804637D8-8719-1214-A767-D054D4DFBC27}"/>
+              </a:ext>
+            </a:extLst>
+          </p:cNvPr>
+          <p:cNvSpPr/>
+          <p:nvPr/>
+        </p:nvSpPr>
+        <p:spPr>
+          <a:xfrm>
+            <a:off x="428626" y="2213067"/>
+            <a:ext cx="905691" cy="298268"/>
+          </a:xfrm>
+          <a:prstGeom prst="rect">
+            <a:avLst/>
+          </a:prstGeom>
+          <a:noFill/>
+          <a:ln w="76200">
+            <a:solidFill>
+              <a:srgbClr val="FF0000"/>
+            </a:solidFill>
+          </a:ln>
+        </p:spPr>
+        <p:style>
+          <a:lnRef idx="2">
+            <a:schemeClr val="accent1">
+              <a:shade val="15000"/>
+            </a:schemeClr>
+          </a:lnRef>
+          <a:fillRef idx="1">
+            <a:schemeClr val="accent1"/>
+          </a:fillRef>
+          <a:effectRef idx="0">
+            <a:schemeClr val="accent1"/>
+          </a:effectRef>
+          <a:fontRef idx="minor">
+            <a:schemeClr val="lt1"/>
+          </a:fontRef>
+        </p:style>
+        <p:txBody>
+          <a:bodyPr rtlCol="0" anchor="ctr"/>
           <a:lstStyle/>
           <a:p>
-            <a:r>
-              <a:rPr lang="en-US" dirty="0"/>
-              <a:t>Web-apps </a:t>
-            </a:r>
-            <a:r>
-              <a:rPr lang="en-US" dirty="0" err="1"/>
-              <a:t>på</a:t>
-            </a:r>
-            <a:r>
-              <a:rPr lang="en-US" dirty="0"/>
-              <a:t> </a:t>
-            </a:r>
-            <a:r>
-              <a:rPr lang="en-US" b="1" i="1" dirty="0"/>
-              <a:t>Simply</a:t>
-            </a:r>
-            <a:endParaRPr lang="da-DK" b="1" i="1" dirty="0"/>
-          </a:p>
-        </p:txBody>
-      </p:sp>
-      <p:sp>
-        <p:nvSpPr>
-          <p:cNvPr id="3" name="Pladsholder til indhold 2">
-            <a:extLst>
-              <a:ext uri="{FF2B5EF4-FFF2-40B4-BE49-F238E27FC236}">
-                <a16:creationId xmlns:a16="http://schemas.microsoft.com/office/drawing/2014/main" id="{9C6A03F5-A404-2EDA-F3F9-2FC7992107BF}"/>
-              </a:ext>
-            </a:extLst>
-          </p:cNvPr>
-          <p:cNvSpPr>
-            <a:spLocks noGrp="1"/>
-          </p:cNvSpPr>
-          <p:nvPr>
-            <p:ph idx="1"/>
-          </p:nvPr>
-        </p:nvSpPr>
-        <p:spPr/>
-        <p:txBody>
-          <a:bodyPr/>
+            <a:pPr algn="ctr"/>
+            <a:endParaRPr lang="da-DK"/>
+          </a:p>
+        </p:txBody>
+      </p:sp>
+      <p:sp>
+        <p:nvSpPr>
+          <p:cNvPr id="7" name="Rektangel 6">
+            <a:extLst>
+              <a:ext uri="{FF2B5EF4-FFF2-40B4-BE49-F238E27FC236}">
+                <a16:creationId xmlns:a16="http://schemas.microsoft.com/office/drawing/2014/main" id="{385CC715-C4A6-2C21-6454-BA503A456784}"/>
+              </a:ext>
+            </a:extLst>
+          </p:cNvPr>
+          <p:cNvSpPr/>
+          <p:nvPr/>
+        </p:nvSpPr>
+        <p:spPr>
+          <a:xfrm>
+            <a:off x="7708174" y="4775824"/>
+            <a:ext cx="2124891" cy="1082040"/>
+          </a:xfrm>
+          <a:prstGeom prst="rect">
+            <a:avLst/>
+          </a:prstGeom>
+          <a:noFill/>
+          <a:ln w="76200">
+            <a:solidFill>
+              <a:srgbClr val="FF0000"/>
+            </a:solidFill>
+          </a:ln>
+        </p:spPr>
+        <p:style>
+          <a:lnRef idx="2">
+            <a:schemeClr val="accent1">
+              <a:shade val="15000"/>
+            </a:schemeClr>
+          </a:lnRef>
+          <a:fillRef idx="1">
+            <a:schemeClr val="accent1"/>
+          </a:fillRef>
+          <a:effectRef idx="0">
+            <a:schemeClr val="accent1"/>
+          </a:effectRef>
+          <a:fontRef idx="minor">
+            <a:schemeClr val="lt1"/>
+          </a:fontRef>
+        </p:style>
+        <p:txBody>
+          <a:bodyPr rtlCol="0" anchor="ctr"/>
           <a:lstStyle/>
           <a:p>
-            <a:r>
-              <a:rPr lang="en-US" dirty="0"/>
-              <a:t>Under </a:t>
-            </a:r>
-            <a:r>
-              <a:rPr lang="en-US" b="1" dirty="0"/>
-              <a:t>Website</a:t>
-            </a:r>
-            <a:r>
-              <a:rPr lang="en-US" dirty="0"/>
-              <a:t>, </a:t>
-            </a:r>
-            <a:r>
-              <a:rPr lang="en-US" dirty="0" err="1"/>
-              <a:t>vælg</a:t>
-            </a:r>
-            <a:r>
-              <a:rPr lang="en-US" dirty="0"/>
-              <a:t> </a:t>
-            </a:r>
-            <a:r>
-              <a:rPr lang="en-US" b="1" dirty="0" err="1"/>
-              <a:t>Subdomæner</a:t>
-            </a:r>
-            <a:r>
-              <a:rPr lang="en-US" dirty="0"/>
-              <a:t>, </a:t>
-            </a:r>
-            <a:r>
-              <a:rPr lang="en-US" dirty="0" err="1"/>
-              <a:t>og</a:t>
-            </a:r>
-            <a:r>
-              <a:rPr lang="en-US" dirty="0"/>
-              <a:t> </a:t>
-            </a:r>
-            <a:r>
-              <a:rPr lang="en-US" dirty="0" err="1"/>
-              <a:t>vælg</a:t>
-            </a:r>
-            <a:r>
-              <a:rPr lang="en-US" dirty="0"/>
-              <a:t> </a:t>
-            </a:r>
-            <a:r>
-              <a:rPr lang="en-US" b="1" dirty="0" err="1"/>
-              <a:t>Opret</a:t>
-            </a:r>
-            <a:r>
-              <a:rPr lang="en-US" b="1" dirty="0"/>
-              <a:t> </a:t>
-            </a:r>
-            <a:r>
-              <a:rPr lang="en-US" b="1" dirty="0" err="1"/>
-              <a:t>nyt</a:t>
-            </a:r>
-            <a:r>
-              <a:rPr lang="en-US" b="1" dirty="0"/>
-              <a:t> </a:t>
-            </a:r>
-            <a:r>
-              <a:rPr lang="en-US" b="1" dirty="0" err="1"/>
-              <a:t>subdomæne</a:t>
-            </a:r>
-            <a:endParaRPr lang="en-US" b="1" dirty="0"/>
-          </a:p>
-          <a:p>
-            <a:r>
-              <a:rPr lang="en-US" dirty="0" err="1"/>
-              <a:t>Indtast</a:t>
-            </a:r>
-            <a:r>
-              <a:rPr lang="en-US" dirty="0"/>
-              <a:t> </a:t>
-            </a:r>
-            <a:r>
-              <a:rPr lang="en-US" dirty="0" err="1"/>
-              <a:t>navn</a:t>
-            </a:r>
-            <a:r>
-              <a:rPr lang="en-US" dirty="0"/>
-              <a:t> </a:t>
-            </a:r>
-            <a:r>
-              <a:rPr lang="en-US" dirty="0" err="1"/>
-              <a:t>på</a:t>
-            </a:r>
-            <a:r>
-              <a:rPr lang="en-US" dirty="0"/>
-              <a:t> </a:t>
-            </a:r>
-            <a:r>
-              <a:rPr lang="en-US" dirty="0" err="1"/>
-              <a:t>subdomæne</a:t>
-            </a:r>
-            <a:r>
-              <a:rPr lang="en-US" dirty="0"/>
-              <a:t>, </a:t>
-            </a:r>
-            <a:r>
-              <a:rPr lang="en-US" dirty="0" err="1"/>
-              <a:t>og</a:t>
-            </a:r>
-            <a:r>
-              <a:rPr lang="en-US" dirty="0"/>
-              <a:t> </a:t>
-            </a:r>
-            <a:r>
-              <a:rPr lang="en-US" dirty="0" err="1"/>
-              <a:t>vælg</a:t>
-            </a:r>
-            <a:r>
-              <a:rPr lang="en-US" dirty="0"/>
-              <a:t> </a:t>
-            </a:r>
-            <a:r>
-              <a:rPr lang="en-US" dirty="0" err="1"/>
-              <a:t>mappe</a:t>
-            </a:r>
-            <a:r>
-              <a:rPr lang="en-US" dirty="0"/>
-              <a:t> (</a:t>
-            </a:r>
-            <a:r>
-              <a:rPr lang="en-US" dirty="0" err="1"/>
-              <a:t>typisk</a:t>
-            </a:r>
-            <a:r>
-              <a:rPr lang="en-US" dirty="0"/>
-              <a:t> </a:t>
-            </a:r>
-            <a:r>
-              <a:rPr lang="en-US" dirty="0" err="1"/>
-              <a:t>samme</a:t>
-            </a:r>
-            <a:r>
-              <a:rPr lang="en-US" dirty="0"/>
-              <a:t> </a:t>
-            </a:r>
-            <a:r>
-              <a:rPr lang="en-US" dirty="0" err="1"/>
-              <a:t>navn</a:t>
-            </a:r>
-            <a:r>
-              <a:rPr lang="en-US" dirty="0"/>
-              <a:t> </a:t>
-            </a:r>
-            <a:r>
-              <a:rPr lang="en-US" dirty="0" err="1"/>
-              <a:t>som</a:t>
-            </a:r>
-            <a:r>
-              <a:rPr lang="en-US" dirty="0"/>
-              <a:t> </a:t>
-            </a:r>
-            <a:r>
-              <a:rPr lang="en-US" dirty="0" err="1"/>
-              <a:t>navnet</a:t>
-            </a:r>
-            <a:r>
-              <a:rPr lang="en-US" dirty="0"/>
-              <a:t> </a:t>
-            </a:r>
-            <a:r>
-              <a:rPr lang="en-US" dirty="0" err="1"/>
-              <a:t>på</a:t>
-            </a:r>
-            <a:r>
-              <a:rPr lang="en-US" dirty="0"/>
-              <a:t> </a:t>
-            </a:r>
-            <a:r>
-              <a:rPr lang="en-US" dirty="0" err="1"/>
-              <a:t>subdomæne</a:t>
-            </a:r>
-            <a:r>
-              <a:rPr lang="en-US" dirty="0"/>
-              <a:t>)</a:t>
-            </a:r>
-          </a:p>
-          <a:p>
-            <a:r>
-              <a:rPr lang="en-US" dirty="0" err="1"/>
-              <a:t>Subdomæne</a:t>
-            </a:r>
-            <a:r>
-              <a:rPr lang="en-US" dirty="0"/>
-              <a:t> </a:t>
-            </a:r>
-            <a:r>
-              <a:rPr lang="en-US" dirty="0" err="1"/>
-              <a:t>oprettes</a:t>
-            </a:r>
-            <a:r>
-              <a:rPr lang="en-US" dirty="0"/>
-              <a:t> (</a:t>
-            </a:r>
-            <a:r>
-              <a:rPr lang="en-US" dirty="0" err="1"/>
-              <a:t>kan</a:t>
-            </a:r>
-            <a:r>
-              <a:rPr lang="en-US" dirty="0"/>
-              <a:t> </a:t>
-            </a:r>
-            <a:r>
-              <a:rPr lang="en-US" dirty="0" err="1"/>
-              <a:t>tage</a:t>
-            </a:r>
-            <a:r>
-              <a:rPr lang="en-US" dirty="0"/>
-              <a:t> et par </a:t>
-            </a:r>
-            <a:r>
-              <a:rPr lang="en-US" dirty="0" err="1"/>
-              <a:t>minutter</a:t>
-            </a:r>
-            <a:r>
-              <a:rPr lang="en-US" dirty="0"/>
-              <a:t>)</a:t>
-            </a:r>
-          </a:p>
-          <a:p>
-            <a:r>
-              <a:rPr lang="en-US" dirty="0" err="1"/>
-              <a:t>Gå</a:t>
-            </a:r>
-            <a:r>
-              <a:rPr lang="en-US" dirty="0"/>
-              <a:t> </a:t>
-            </a:r>
-            <a:r>
-              <a:rPr lang="en-US" dirty="0" err="1"/>
-              <a:t>til</a:t>
-            </a:r>
-            <a:r>
-              <a:rPr lang="en-US" dirty="0"/>
-              <a:t> </a:t>
-            </a:r>
-            <a:r>
-              <a:rPr lang="en-US" b="1" dirty="0"/>
-              <a:t>File Manager</a:t>
-            </a:r>
-            <a:r>
-              <a:rPr lang="en-US" dirty="0"/>
-              <a:t>, </a:t>
-            </a:r>
-            <a:r>
-              <a:rPr lang="en-US" dirty="0" err="1"/>
-              <a:t>vælg</a:t>
-            </a:r>
-            <a:r>
-              <a:rPr lang="en-US" dirty="0"/>
-              <a:t> </a:t>
-            </a:r>
-            <a:r>
-              <a:rPr lang="en-US" b="1" dirty="0" err="1"/>
-              <a:t>forbind</a:t>
-            </a:r>
-            <a:r>
-              <a:rPr lang="en-US" b="1" dirty="0"/>
-              <a:t> med FTP</a:t>
-            </a:r>
-          </a:p>
-          <a:p>
-            <a:r>
-              <a:rPr lang="en-US" dirty="0"/>
-              <a:t>Disse </a:t>
-            </a:r>
-            <a:r>
-              <a:rPr lang="en-US" dirty="0" err="1"/>
-              <a:t>oplysninger</a:t>
-            </a:r>
-            <a:r>
-              <a:rPr lang="en-US" dirty="0"/>
-              <a:t> </a:t>
-            </a:r>
-            <a:r>
-              <a:rPr lang="en-US" dirty="0" err="1"/>
-              <a:t>skal</a:t>
-            </a:r>
-            <a:r>
-              <a:rPr lang="en-US" dirty="0"/>
-              <a:t> </a:t>
-            </a:r>
-            <a:r>
-              <a:rPr lang="en-US" dirty="0" err="1"/>
-              <a:t>bruges</a:t>
-            </a:r>
-            <a:r>
-              <a:rPr lang="en-US" dirty="0"/>
-              <a:t> </a:t>
-            </a:r>
-            <a:r>
-              <a:rPr lang="en-US" dirty="0" err="1"/>
-              <a:t>ved</a:t>
-            </a:r>
-            <a:r>
-              <a:rPr lang="en-US" dirty="0"/>
-              <a:t> </a:t>
-            </a:r>
-            <a:r>
-              <a:rPr lang="en-US" dirty="0" err="1"/>
-              <a:t>publicering</a:t>
-            </a:r>
-            <a:r>
-              <a:rPr lang="en-US" dirty="0"/>
-              <a:t> </a:t>
-            </a:r>
-            <a:r>
-              <a:rPr lang="en-US" dirty="0" err="1"/>
-              <a:t>af</a:t>
-            </a:r>
-            <a:r>
-              <a:rPr lang="en-US" dirty="0"/>
-              <a:t> </a:t>
-            </a:r>
-            <a:r>
-              <a:rPr lang="en-US" dirty="0" err="1"/>
-              <a:t>en</a:t>
-            </a:r>
-            <a:r>
-              <a:rPr lang="en-US" dirty="0"/>
-              <a:t> app</a:t>
-            </a:r>
-          </a:p>
-          <a:p>
-            <a:r>
-              <a:rPr lang="en-US" dirty="0">
-                <a:solidFill>
-                  <a:srgbClr val="FF0000"/>
-                </a:solidFill>
-              </a:rPr>
-              <a:t>NB: </a:t>
-            </a:r>
-            <a:r>
-              <a:rPr lang="en-US" dirty="0" err="1">
-                <a:solidFill>
-                  <a:srgbClr val="FF0000"/>
-                </a:solidFill>
-              </a:rPr>
-              <a:t>Opret</a:t>
-            </a:r>
-            <a:r>
-              <a:rPr lang="en-US" dirty="0">
-                <a:solidFill>
-                  <a:srgbClr val="FF0000"/>
-                </a:solidFill>
-              </a:rPr>
-              <a:t> </a:t>
-            </a:r>
-            <a:r>
-              <a:rPr lang="en-US" dirty="0" err="1">
-                <a:solidFill>
-                  <a:srgbClr val="FF0000"/>
-                </a:solidFill>
-              </a:rPr>
-              <a:t>kun</a:t>
-            </a:r>
-            <a:r>
-              <a:rPr lang="en-US" dirty="0">
-                <a:solidFill>
-                  <a:srgbClr val="FF0000"/>
-                </a:solidFill>
-              </a:rPr>
-              <a:t> </a:t>
-            </a:r>
-            <a:r>
-              <a:rPr lang="en-US" dirty="0" err="1">
-                <a:solidFill>
-                  <a:srgbClr val="FF0000"/>
-                </a:solidFill>
-              </a:rPr>
-              <a:t>ét</a:t>
-            </a:r>
-            <a:r>
-              <a:rPr lang="en-US" dirty="0">
-                <a:solidFill>
-                  <a:srgbClr val="FF0000"/>
-                </a:solidFill>
-              </a:rPr>
-              <a:t> </a:t>
-            </a:r>
-            <a:r>
-              <a:rPr lang="en-US" dirty="0" err="1">
-                <a:solidFill>
-                  <a:srgbClr val="FF0000"/>
-                </a:solidFill>
-              </a:rPr>
-              <a:t>subdomæne</a:t>
-            </a:r>
-            <a:r>
-              <a:rPr lang="en-US" dirty="0">
-                <a:solidFill>
-                  <a:srgbClr val="FF0000"/>
-                </a:solidFill>
-              </a:rPr>
-              <a:t>!! (se </a:t>
-            </a:r>
-            <a:r>
-              <a:rPr lang="en-US" dirty="0" err="1">
-                <a:solidFill>
-                  <a:srgbClr val="FF0000"/>
-                </a:solidFill>
-              </a:rPr>
-              <a:t>senere</a:t>
-            </a:r>
-            <a:r>
-              <a:rPr lang="en-US" dirty="0">
-                <a:solidFill>
-                  <a:srgbClr val="FF0000"/>
-                </a:solidFill>
-              </a:rPr>
-              <a:t>)</a:t>
-            </a:r>
-            <a:r>
-              <a:rPr lang="en-US" dirty="0"/>
-              <a:t> </a:t>
-            </a:r>
-            <a:endParaRPr lang="da-DK" dirty="0"/>
+            <a:pPr algn="ctr"/>
+            <a:endParaRPr lang="da-DK"/>
           </a:p>
         </p:txBody>
       </p:sp>
     </p:spTree>
     <p:extLst>
       <p:ext uri="{BB962C8B-B14F-4D97-AF65-F5344CB8AC3E}">
-        <p14:creationId xmlns:p14="http://schemas.microsoft.com/office/powerpoint/2010/main" val="3915654188"/>
+        <p14:creationId xmlns:p14="http://schemas.microsoft.com/office/powerpoint/2010/main" val="2073324674"/>
       </p:ext>
     </p:extLst>
   </p:cSld>
@@ -4422,10 +4420,10 @@
       </p:grpSpPr>
       <p:pic>
         <p:nvPicPr>
-          <p:cNvPr id="4" name="Billede 3">
-            <a:extLst>
-              <a:ext uri="{FF2B5EF4-FFF2-40B4-BE49-F238E27FC236}">
-                <a16:creationId xmlns:a16="http://schemas.microsoft.com/office/drawing/2014/main" id="{D0AA9D08-DF5B-6195-67CE-1EBA755C7E0A}"/>
+          <p:cNvPr id="5" name="Billede 4">
+            <a:extLst>
+              <a:ext uri="{FF2B5EF4-FFF2-40B4-BE49-F238E27FC236}">
+                <a16:creationId xmlns:a16="http://schemas.microsoft.com/office/drawing/2014/main" id="{D6F9DA3D-06EF-AB57-F4D6-A21D2C005C8F}"/>
               </a:ext>
             </a:extLst>
           </p:cNvPr>
@@ -4442,18 +4440,70 @@
         </p:blipFill>
         <p:spPr>
           <a:xfrm>
-            <a:off x="822959" y="390047"/>
-            <a:ext cx="9527178" cy="5924888"/>
+            <a:off x="1404257" y="826396"/>
+            <a:ext cx="8672512" cy="4911735"/>
           </a:xfrm>
           <a:prstGeom prst="rect">
             <a:avLst/>
           </a:prstGeom>
         </p:spPr>
       </p:pic>
+      <p:sp>
+        <p:nvSpPr>
+          <p:cNvPr id="6" name="Rektangel 5">
+            <a:extLst>
+              <a:ext uri="{FF2B5EF4-FFF2-40B4-BE49-F238E27FC236}">
+                <a16:creationId xmlns:a16="http://schemas.microsoft.com/office/drawing/2014/main" id="{C8C0EF9B-0599-2553-AB5C-70912D1E4E29}"/>
+              </a:ext>
+            </a:extLst>
+          </p:cNvPr>
+          <p:cNvSpPr/>
+          <p:nvPr/>
+        </p:nvSpPr>
+        <p:spPr>
+          <a:xfrm>
+            <a:off x="1404257" y="3703048"/>
+            <a:ext cx="1710418" cy="1032237"/>
+          </a:xfrm>
+          <a:prstGeom prst="rect">
+            <a:avLst/>
+          </a:prstGeom>
+          <a:noFill/>
+          <a:ln w="76200">
+            <a:solidFill>
+              <a:srgbClr val="FF0000"/>
+            </a:solidFill>
+          </a:ln>
+        </p:spPr>
+        <p:style>
+          <a:lnRef idx="2">
+            <a:schemeClr val="accent1">
+              <a:shade val="15000"/>
+            </a:schemeClr>
+          </a:lnRef>
+          <a:fillRef idx="1">
+            <a:schemeClr val="accent1"/>
+          </a:fillRef>
+          <a:effectRef idx="0">
+            <a:schemeClr val="accent1"/>
+          </a:effectRef>
+          <a:fontRef idx="minor">
+            <a:schemeClr val="lt1"/>
+          </a:fontRef>
+        </p:style>
+        <p:txBody>
+          <a:bodyPr rtlCol="0" anchor="ctr"/>
+          <a:lstStyle/>
+          <a:p>
+            <a:pPr algn="ctr"/>
+            <a:endParaRPr lang="da-DK"/>
+          </a:p>
+        </p:txBody>
+      </p:sp>
     </p:spTree>
     <p:extLst>
       <p:ext uri="{BB962C8B-B14F-4D97-AF65-F5344CB8AC3E}">
-        <p14:creationId xmlns:p14="http://schemas.microsoft.com/office/powerpoint/2010/main" val="2073324674"/>
+        <p14:creationId xmlns:p14="http://schemas.microsoft.com/office/powerpoint/2010/main" val="3997929149"/>
       </p:ext>
     </p:extLst>
   </p:cSld>
@@ -4494,10 +4544,10 @@
       </p:grpSpPr>
       <p:pic>
         <p:nvPicPr>
-          <p:cNvPr id="3" name="Billede 2">
-            <a:extLst>
-              <a:ext uri="{FF2B5EF4-FFF2-40B4-BE49-F238E27FC236}">
-                <a16:creationId xmlns:a16="http://schemas.microsoft.com/office/drawing/2014/main" id="{DE4857CB-FCBB-A82F-EB4A-04F1192EDDFD}"/>
+          <p:cNvPr id="4" name="Billede 3">
+            <a:extLst>
+              <a:ext uri="{FF2B5EF4-FFF2-40B4-BE49-F238E27FC236}">
+                <a16:creationId xmlns:a16="http://schemas.microsoft.com/office/drawing/2014/main" id="{AAA0A163-7E51-149F-4D67-095F6772B6E9}"/>
               </a:ext>
             </a:extLst>
           </p:cNvPr>
@@ -4514,48 +4564,122 @@
         </p:blipFill>
         <p:spPr>
           <a:xfrm>
-            <a:off x="687976" y="459891"/>
-            <a:ext cx="11133909" cy="2029333"/>
+            <a:off x="627017" y="460856"/>
+            <a:ext cx="8560526" cy="3125655"/>
           </a:xfrm>
           <a:prstGeom prst="rect">
             <a:avLst/>
           </a:prstGeom>
         </p:spPr>
       </p:pic>
-      <p:pic>
-        <p:nvPicPr>
-          <p:cNvPr id="8" name="Billede 7">
-            <a:extLst>
-              <a:ext uri="{FF2B5EF4-FFF2-40B4-BE49-F238E27FC236}">
-                <a16:creationId xmlns:a16="http://schemas.microsoft.com/office/drawing/2014/main" id="{FE0EB38A-DA21-382F-BCC6-141A1C000524}"/>
-              </a:ext>
-            </a:extLst>
-          </p:cNvPr>
-          <p:cNvPicPr>
-            <a:picLocks noChangeAspect="1"/>
-          </p:cNvPicPr>
+      <p:sp>
+        <p:nvSpPr>
+          <p:cNvPr id="5" name="Rektangel 4">
+            <a:extLst>
+              <a:ext uri="{FF2B5EF4-FFF2-40B4-BE49-F238E27FC236}">
+                <a16:creationId xmlns:a16="http://schemas.microsoft.com/office/drawing/2014/main" id="{9A6E7984-5A9B-056D-36F2-5A5D2DBAD8D8}"/>
+              </a:ext>
+            </a:extLst>
+          </p:cNvPr>
+          <p:cNvSpPr/>
           <p:nvPr/>
-        </p:nvPicPr>
-        <p:blipFill>
-          <a:blip r:embed="rId3"/>
-          <a:stretch>
-            <a:fillRect/>
-          </a:stretch>
-        </p:blipFill>
+        </p:nvSpPr>
         <p:spPr>
           <a:xfrm>
-            <a:off x="391885" y="2706418"/>
-            <a:ext cx="6932431" cy="3802014"/>
+            <a:off x="627017" y="3250202"/>
+            <a:ext cx="1710418" cy="336309"/>
           </a:xfrm>
           <a:prstGeom prst="rect">
             <a:avLst/>
           </a:prstGeom>
+          <a:noFill/>
+          <a:ln w="76200">
+            <a:solidFill>
+              <a:srgbClr val="FF0000"/>
+            </a:solidFill>
+          </a:ln>
         </p:spPr>
-      </p:pic>
+        <p:style>
+          <a:lnRef idx="2">
+            <a:schemeClr val="accent1">
+              <a:shade val="15000"/>
+            </a:schemeClr>
+          </a:lnRef>
+          <a:fillRef idx="1">
+            <a:schemeClr val="accent1"/>
+          </a:fillRef>
+          <a:effectRef idx="0">
+            <a:schemeClr val="accent1"/>
+          </a:effectRef>
+          <a:fontRef idx="minor">
+            <a:schemeClr val="lt1"/>
+          </a:fontRef>
+        </p:style>
+        <p:txBody>
+          <a:bodyPr rtlCol="0" anchor="ctr"/>
+          <a:lstStyle/>
+          <a:p>
+            <a:pPr algn="ctr"/>
+            <a:endParaRPr lang="da-DK"/>
+          </a:p>
+        </p:txBody>
+      </p:sp>
+      <p:sp>
+        <p:nvSpPr>
+          <p:cNvPr id="6" name="Rektangel 5">
+            <a:extLst>
+              <a:ext uri="{FF2B5EF4-FFF2-40B4-BE49-F238E27FC236}">
+                <a16:creationId xmlns:a16="http://schemas.microsoft.com/office/drawing/2014/main" id="{C1927E0F-5D58-AD39-5DE3-30BFDF5AAB9D}"/>
+              </a:ext>
+            </a:extLst>
+          </p:cNvPr>
+          <p:cNvSpPr/>
+          <p:nvPr/>
+        </p:nvSpPr>
+        <p:spPr>
+          <a:xfrm>
+            <a:off x="6213565" y="1273356"/>
+            <a:ext cx="1710418" cy="336309"/>
+          </a:xfrm>
+          <a:prstGeom prst="rect">
+            <a:avLst/>
+          </a:prstGeom>
+          <a:noFill/>
+          <a:ln w="76200">
+            <a:solidFill>
+              <a:srgbClr val="FF0000"/>
+            </a:solidFill>
+          </a:ln>
+        </p:spPr>
+        <p:style>
+          <a:lnRef idx="2">
+            <a:schemeClr val="accent1">
+              <a:shade val="15000"/>
+            </a:schemeClr>
+          </a:lnRef>
+          <a:fillRef idx="1">
+            <a:schemeClr val="accent1"/>
+          </a:fillRef>
+          <a:effectRef idx="0">
+            <a:schemeClr val="accent1"/>
+          </a:effectRef>
+          <a:fontRef idx="minor">
+            <a:schemeClr val="lt1"/>
+          </a:fontRef>
+        </p:style>
+        <p:txBody>
+          <a:bodyPr rtlCol="0" anchor="ctr"/>
+          <a:lstStyle/>
+          <a:p>
+            <a:pPr algn="ctr"/>
+            <a:endParaRPr lang="da-DK"/>
+          </a:p>
+        </p:txBody>
+      </p:sp>
     </p:spTree>
     <p:extLst>
       <p:ext uri="{BB962C8B-B14F-4D97-AF65-F5344CB8AC3E}">
-        <p14:creationId xmlns:p14="http://schemas.microsoft.com/office/powerpoint/2010/main" val="2737997997"/>
+        <p14:creationId xmlns:p14="http://schemas.microsoft.com/office/powerpoint/2010/main" val="1089412984"/>
       </p:ext>
     </p:extLst>
   </p:cSld>
@@ -4596,10 +4720,10 @@
       </p:grpSpPr>
       <p:pic>
         <p:nvPicPr>
-          <p:cNvPr id="3" name="Billede 2">
-            <a:extLst>
-              <a:ext uri="{FF2B5EF4-FFF2-40B4-BE49-F238E27FC236}">
-                <a16:creationId xmlns:a16="http://schemas.microsoft.com/office/drawing/2014/main" id="{FAEF4CF7-23A5-FAFD-7BAA-2ADCB8CAF577}"/>
+          <p:cNvPr id="5" name="Billede 4">
+            <a:extLst>
+              <a:ext uri="{FF2B5EF4-FFF2-40B4-BE49-F238E27FC236}">
+                <a16:creationId xmlns:a16="http://schemas.microsoft.com/office/drawing/2014/main" id="{C2743EF4-6BF9-CE62-69DE-CBA9E6A4CCE0}"/>
               </a:ext>
             </a:extLst>
           </p:cNvPr>
@@ -4616,8 +4740,8 @@
         </p:blipFill>
         <p:spPr>
           <a:xfrm>
-            <a:off x="971006" y="635672"/>
-            <a:ext cx="8549231" cy="4805823"/>
+            <a:off x="1371600" y="695325"/>
+            <a:ext cx="9448800" cy="5467350"/>
           </a:xfrm>
           <a:prstGeom prst="rect">
             <a:avLst/>
@@ -4627,7 +4751,7 @@
     </p:spTree>
     <p:extLst>
       <p:ext uri="{BB962C8B-B14F-4D97-AF65-F5344CB8AC3E}">
-        <p14:creationId xmlns:p14="http://schemas.microsoft.com/office/powerpoint/2010/main" val="1089412984"/>
+        <p14:creationId xmlns:p14="http://schemas.microsoft.com/office/powerpoint/2010/main" val="4070601487"/>
       </p:ext>
     </p:extLst>
   </p:cSld>
@@ -4666,40 +4790,213 @@
           <a:chExt cx="0" cy="0"/>
         </a:xfrm>
       </p:grpSpPr>
-      <p:pic>
-        <p:nvPicPr>
-          <p:cNvPr id="6" name="Billede 5">
-            <a:extLst>
-              <a:ext uri="{FF2B5EF4-FFF2-40B4-BE49-F238E27FC236}">
-                <a16:creationId xmlns:a16="http://schemas.microsoft.com/office/drawing/2014/main" id="{F6B22958-F2E3-3AA0-6369-7EB6674B5ECE}"/>
-              </a:ext>
-            </a:extLst>
-          </p:cNvPr>
-          <p:cNvPicPr>
-            <a:picLocks noChangeAspect="1"/>
-          </p:cNvPicPr>
-          <p:nvPr/>
-        </p:nvPicPr>
-        <p:blipFill>
-          <a:blip r:embed="rId2"/>
-          <a:stretch>
-            <a:fillRect/>
-          </a:stretch>
-        </p:blipFill>
-        <p:spPr>
-          <a:xfrm>
-            <a:off x="1441268" y="672265"/>
-            <a:ext cx="8603337" cy="5513469"/>
-          </a:xfrm>
-          <a:prstGeom prst="rect">
-            <a:avLst/>
-          </a:prstGeom>
-        </p:spPr>
-      </p:pic>
+      <p:sp>
+        <p:nvSpPr>
+          <p:cNvPr id="2" name="Titel 1">
+            <a:extLst>
+              <a:ext uri="{FF2B5EF4-FFF2-40B4-BE49-F238E27FC236}">
+                <a16:creationId xmlns:a16="http://schemas.microsoft.com/office/drawing/2014/main" id="{67A9A95C-72F0-4B2E-00E3-1AC450CF6306}"/>
+              </a:ext>
+            </a:extLst>
+          </p:cNvPr>
+          <p:cNvSpPr>
+            <a:spLocks noGrp="1"/>
+          </p:cNvSpPr>
+          <p:nvPr>
+            <p:ph type="title"/>
+          </p:nvPr>
+        </p:nvSpPr>
+        <p:spPr/>
+        <p:txBody>
+          <a:bodyPr/>
+          <a:lstStyle/>
+          <a:p>
+            <a:r>
+              <a:rPr lang="en-US" dirty="0"/>
+              <a:t>Web-apps </a:t>
+            </a:r>
+            <a:r>
+              <a:rPr lang="en-US" dirty="0" err="1"/>
+              <a:t>på</a:t>
+            </a:r>
+            <a:r>
+              <a:rPr lang="en-US" dirty="0"/>
+              <a:t> </a:t>
+            </a:r>
+            <a:r>
+              <a:rPr lang="en-US" b="1" i="1" dirty="0"/>
+              <a:t>Simply</a:t>
+            </a:r>
+            <a:endParaRPr lang="da-DK" b="1" i="1" dirty="0"/>
+          </a:p>
+        </p:txBody>
+      </p:sp>
+      <p:sp>
+        <p:nvSpPr>
+          <p:cNvPr id="3" name="Pladsholder til indhold 2">
+            <a:extLst>
+              <a:ext uri="{FF2B5EF4-FFF2-40B4-BE49-F238E27FC236}">
+                <a16:creationId xmlns:a16="http://schemas.microsoft.com/office/drawing/2014/main" id="{9C6A03F5-A404-2EDA-F3F9-2FC7992107BF}"/>
+              </a:ext>
+            </a:extLst>
+          </p:cNvPr>
+          <p:cNvSpPr>
+            <a:spLocks noGrp="1"/>
+          </p:cNvSpPr>
+          <p:nvPr>
+            <p:ph idx="1"/>
+          </p:nvPr>
+        </p:nvSpPr>
+        <p:spPr/>
+        <p:txBody>
+          <a:bodyPr/>
+          <a:lstStyle/>
+          <a:p>
+            <a:r>
+              <a:rPr lang="en-US" dirty="0" err="1"/>
+              <a:t>Når</a:t>
+            </a:r>
+            <a:r>
+              <a:rPr lang="en-US" dirty="0"/>
+              <a:t> </a:t>
+            </a:r>
+            <a:r>
+              <a:rPr lang="en-US" dirty="0" err="1"/>
+              <a:t>subdomænet</a:t>
+            </a:r>
+            <a:r>
+              <a:rPr lang="en-US" dirty="0"/>
+              <a:t> er </a:t>
+            </a:r>
+            <a:r>
+              <a:rPr lang="en-US" dirty="0" err="1"/>
+              <a:t>klar</a:t>
+            </a:r>
+            <a:r>
+              <a:rPr lang="en-US" dirty="0"/>
+              <a:t>, </a:t>
+            </a:r>
+            <a:r>
+              <a:rPr lang="en-US" dirty="0" err="1"/>
+              <a:t>kan</a:t>
+            </a:r>
+            <a:r>
+              <a:rPr lang="en-US" dirty="0"/>
+              <a:t> </a:t>
+            </a:r>
+            <a:r>
+              <a:rPr lang="en-US" dirty="0" err="1"/>
+              <a:t>en</a:t>
+            </a:r>
+            <a:r>
+              <a:rPr lang="en-US" dirty="0"/>
+              <a:t> </a:t>
+            </a:r>
+            <a:r>
+              <a:rPr lang="en-US" i="1" dirty="0"/>
+              <a:t>Razor Pages </a:t>
+            </a:r>
+            <a:r>
+              <a:rPr lang="en-US" dirty="0"/>
+              <a:t>app </a:t>
+            </a:r>
+            <a:r>
+              <a:rPr lang="en-US" dirty="0" err="1"/>
+              <a:t>publiceres</a:t>
+            </a:r>
+            <a:r>
+              <a:rPr lang="en-US" dirty="0"/>
+              <a:t> (</a:t>
+            </a:r>
+            <a:r>
+              <a:rPr lang="en-US" b="1" dirty="0"/>
+              <a:t>Publish</a:t>
+            </a:r>
+            <a:r>
+              <a:rPr lang="en-US"/>
+              <a:t>) til </a:t>
+            </a:r>
+            <a:r>
+              <a:rPr lang="en-US" dirty="0" err="1"/>
+              <a:t>subdomænet</a:t>
+            </a:r>
+            <a:r>
+              <a:rPr lang="en-US" dirty="0"/>
+              <a:t>.</a:t>
+            </a:r>
+          </a:p>
+          <a:p>
+            <a:r>
+              <a:rPr lang="en-US" dirty="0" err="1"/>
+              <a:t>Lav</a:t>
+            </a:r>
+            <a:r>
+              <a:rPr lang="en-US" dirty="0"/>
+              <a:t> </a:t>
+            </a:r>
+            <a:r>
+              <a:rPr lang="en-US" dirty="0" err="1"/>
+              <a:t>en</a:t>
+            </a:r>
+            <a:r>
+              <a:rPr lang="en-US" dirty="0"/>
+              <a:t> </a:t>
+            </a:r>
+            <a:r>
+              <a:rPr lang="en-US" dirty="0" err="1"/>
+              <a:t>en</a:t>
+            </a:r>
+            <a:r>
+              <a:rPr lang="en-US" dirty="0"/>
+              <a:t> </a:t>
+            </a:r>
+            <a:r>
+              <a:rPr lang="en-US" i="1" dirty="0"/>
+              <a:t>Razor Pages </a:t>
+            </a:r>
+            <a:r>
+              <a:rPr lang="en-US" dirty="0"/>
+              <a:t>app </a:t>
+            </a:r>
+            <a:r>
+              <a:rPr lang="en-US" dirty="0" err="1"/>
+              <a:t>helt</a:t>
+            </a:r>
+            <a:r>
+              <a:rPr lang="en-US" dirty="0"/>
+              <a:t> </a:t>
+            </a:r>
+            <a:r>
+              <a:rPr lang="en-US" dirty="0" err="1"/>
+              <a:t>som</a:t>
+            </a:r>
+            <a:r>
+              <a:rPr lang="en-US" dirty="0"/>
+              <a:t> </a:t>
+            </a:r>
+            <a:r>
+              <a:rPr lang="en-US" dirty="0" err="1"/>
+              <a:t>sædvanligt</a:t>
+            </a:r>
+            <a:r>
+              <a:rPr lang="en-US" dirty="0"/>
+              <a:t> </a:t>
+            </a:r>
+            <a:r>
+              <a:rPr lang="en-US" dirty="0" err="1"/>
+              <a:t>i</a:t>
+            </a:r>
+            <a:r>
+              <a:rPr lang="en-US" dirty="0"/>
+              <a:t> Visual Studio</a:t>
+            </a:r>
+          </a:p>
+        </p:txBody>
+      </p:sp>
     </p:spTree>
     <p:extLst>
       <p:ext uri="{BB962C8B-B14F-4D97-AF65-F5344CB8AC3E}">
-        <p14:creationId xmlns:p14="http://schemas.microsoft.com/office/powerpoint/2010/main" val="4070601487"/>
+        <p14:creationId xmlns:p14="http://schemas.microsoft.com/office/powerpoint/2010/main" val="3711050204"/>
       </p:ext>
     </p:extLst>
   </p:cSld>
@@ -4773,9 +5070,21 @@
             </a:r>
             <a:r>
               <a:rPr lang="en-US" b="1" i="1" dirty="0"/>
-              <a:t>Simply</a:t>
-            </a:r>
-            <a:endParaRPr lang="da-DK" b="1" i="1" dirty="0"/>
+              <a:t>Simply </a:t>
+            </a:r>
+            <a:r>
+              <a:rPr lang="en-US" dirty="0"/>
+              <a:t>[</a:t>
+            </a:r>
+            <a:r>
+              <a:rPr lang="en-US" dirty="0" err="1"/>
+              <a:t>Publicering</a:t>
+            </a:r>
+            <a:r>
+              <a:rPr lang="en-US" dirty="0"/>
+              <a:t>, del 1]</a:t>
+            </a:r>
+            <a:endParaRPr lang="da-DK" dirty="0"/>
           </a:p>
         </p:txBody>
       </p:sp>
@@ -4806,19 +5115,85 @@
             </a:r>
             <a:r>
               <a:rPr lang="en-US" dirty="0"/>
+              <a:t> din app er </a:t>
+            </a:r>
+            <a:r>
+              <a:rPr lang="en-US" dirty="0" err="1"/>
+              <a:t>klar</a:t>
+            </a:r>
+            <a:r>
+              <a:rPr lang="en-US" dirty="0"/>
               <a:t> </a:t>
             </a:r>
             <a:r>
               <a:rPr lang="en-US" dirty="0" err="1"/>
-              <a:t>subdomænet</a:t>
-            </a:r>
-            <a:r>
-              <a:rPr lang="en-US" dirty="0"/>
-              <a:t> er </a:t>
-            </a:r>
-            <a:r>
-              <a:rPr lang="en-US" dirty="0" err="1"/>
-              <a:t>klar</a:t>
+              <a:t>til</a:t>
+            </a:r>
+            <a:r>
+              <a:rPr lang="en-US" dirty="0"/>
+              <a:t> </a:t>
+            </a:r>
+            <a:r>
+              <a:rPr lang="en-US" dirty="0" err="1"/>
+              <a:t>publicering</a:t>
+            </a:r>
+            <a:r>
+              <a:rPr lang="en-US" dirty="0"/>
+              <a:t>:</a:t>
+            </a:r>
+          </a:p>
+          <a:p>
+            <a:pPr lvl="1"/>
+            <a:r>
+              <a:rPr lang="en-US" dirty="0"/>
+              <a:t>Under </a:t>
+            </a:r>
+            <a:r>
+              <a:rPr lang="en-US" b="1" dirty="0"/>
+              <a:t>Build</a:t>
+            </a:r>
+            <a:r>
+              <a:rPr lang="en-US" dirty="0"/>
+              <a:t> menu, </a:t>
+            </a:r>
+            <a:r>
+              <a:rPr lang="en-US" dirty="0" err="1"/>
+              <a:t>vælg</a:t>
+            </a:r>
+            <a:r>
+              <a:rPr lang="en-US" dirty="0"/>
+              <a:t> </a:t>
+            </a:r>
+            <a:r>
+              <a:rPr lang="en-US" b="1" dirty="0"/>
+              <a:t>Publish (</a:t>
+            </a:r>
+            <a:r>
+              <a:rPr lang="en-US" b="1" dirty="0" err="1"/>
+              <a:t>navn</a:t>
+            </a:r>
+            <a:r>
+              <a:rPr lang="en-US" b="1" dirty="0"/>
+              <a:t> </a:t>
+            </a:r>
+            <a:r>
+              <a:rPr lang="en-US" b="1" dirty="0" err="1"/>
+              <a:t>på</a:t>
+            </a:r>
+            <a:r>
+              <a:rPr lang="en-US" b="1" dirty="0"/>
+              <a:t> din app)</a:t>
+            </a:r>
+          </a:p>
+          <a:p>
+            <a:pPr lvl="1"/>
+            <a:r>
+              <a:rPr lang="en-US" dirty="0"/>
+              <a:t>Som </a:t>
+            </a:r>
+            <a:r>
+              <a:rPr lang="en-US" b="1" dirty="0"/>
+              <a:t>Target</a:t>
             </a:r>
             <a:r>
               <a:rPr lang="en-US" dirty="0"/>
@@ -4826,6 +5201,77 @@
             </a:r>
             <a:r>
               <a:rPr lang="en-US" dirty="0" err="1"/>
+              <a:t>vælg</a:t>
+            </a:r>
+            <a:r>
+              <a:rPr lang="en-US" dirty="0"/>
+              <a:t> </a:t>
+            </a:r>
+            <a:r>
+              <a:rPr lang="en-US" b="1" dirty="0"/>
+              <a:t>FTP/FTPS Server</a:t>
+            </a:r>
+          </a:p>
+          <a:p>
+            <a:pPr lvl="1"/>
+            <a:r>
+              <a:rPr lang="en-US" dirty="0" err="1"/>
+              <a:t>Udfyld</a:t>
+            </a:r>
+            <a:r>
+              <a:rPr lang="en-US" dirty="0"/>
+              <a:t> de </a:t>
+            </a:r>
+            <a:r>
+              <a:rPr lang="en-US" dirty="0" err="1"/>
+              <a:t>nødvendige</a:t>
+            </a:r>
+            <a:r>
+              <a:rPr lang="en-US" dirty="0"/>
+              <a:t> information (</a:t>
+            </a:r>
+            <a:r>
+              <a:rPr lang="en-US" b="1" dirty="0"/>
+              <a:t>NB</a:t>
+            </a:r>
+            <a:r>
+              <a:rPr lang="en-US" dirty="0"/>
+              <a:t>: </a:t>
+            </a:r>
+            <a:r>
+              <a:rPr lang="en-US" b="1" dirty="0"/>
+              <a:t>Server</a:t>
+            </a:r>
+            <a:r>
+              <a:rPr lang="en-US" dirty="0"/>
+              <a:t>, </a:t>
+            </a:r>
+            <a:r>
+              <a:rPr lang="en-US" b="1" dirty="0"/>
+              <a:t>Username</a:t>
+            </a:r>
+            <a:r>
+              <a:rPr lang="en-US" dirty="0"/>
+              <a:t> </a:t>
+            </a:r>
+            <a:r>
+              <a:rPr lang="en-US" dirty="0" err="1"/>
+              <a:t>og</a:t>
+            </a:r>
+            <a:r>
+              <a:rPr lang="en-US" dirty="0"/>
+              <a:t> </a:t>
+            </a:r>
+            <a:r>
+              <a:rPr lang="en-US" b="1" dirty="0"/>
+              <a:t>Password</a:t>
+            </a:r>
+            <a:r>
+              <a:rPr lang="en-US" dirty="0"/>
+              <a:t> </a:t>
+            </a:r>
+            <a:r>
+              <a:rPr lang="en-US" dirty="0" err="1"/>
               <a:t>kan</a:t>
             </a:r>
             <a:r>
@@ -4834,125 +5280,150 @@
             </a:r>
             <a:r>
               <a:rPr lang="en-US" dirty="0" err="1"/>
+              <a:t>hentes</a:t>
+            </a:r>
+            <a:r>
+              <a:rPr lang="en-US" dirty="0"/>
+              <a:t> </a:t>
+            </a:r>
+            <a:r>
+              <a:rPr lang="en-US" err="1"/>
+              <a:t>fra</a:t>
+            </a:r>
+            <a:r>
+              <a:rPr lang="en-US"/>
+              <a:t> </a:t>
+            </a:r>
+            <a:r>
+              <a:rPr lang="en-US" b="1"/>
+              <a:t>File Manager </a:t>
+            </a:r>
+            <a:r>
+              <a:rPr lang="en-US"/>
+              <a:t>(klik på </a:t>
+            </a:r>
+            <a:r>
+              <a:rPr lang="en-US" b="1"/>
+              <a:t>Loginoplysninger</a:t>
+            </a:r>
+            <a:r>
+              <a:rPr lang="en-US"/>
+              <a:t>))</a:t>
+            </a:r>
+            <a:endParaRPr lang="en-US" dirty="0"/>
+          </a:p>
+          <a:p>
+            <a:pPr lvl="1"/>
+            <a:r>
+              <a:rPr lang="en-US" dirty="0" err="1"/>
+              <a:t>Afprøv</a:t>
+            </a:r>
+            <a:r>
+              <a:rPr lang="en-US" dirty="0"/>
+              <a:t> </a:t>
+            </a:r>
+            <a:r>
+              <a:rPr lang="en-US" dirty="0" err="1"/>
+              <a:t>forbindelsen</a:t>
+            </a:r>
+            <a:r>
+              <a:rPr lang="en-US" dirty="0"/>
+              <a:t>. </a:t>
+            </a:r>
+            <a:r>
+              <a:rPr lang="en-US" dirty="0" err="1"/>
+              <a:t>Når</a:t>
+            </a:r>
+            <a:r>
+              <a:rPr lang="en-US" dirty="0"/>
+              <a:t> alt er OK, </a:t>
+            </a:r>
+            <a:r>
+              <a:rPr lang="en-US" dirty="0" err="1"/>
+              <a:t>tryk</a:t>
+            </a:r>
+            <a:r>
+              <a:rPr lang="en-US" dirty="0"/>
+              <a:t> </a:t>
+            </a:r>
+            <a:r>
+              <a:rPr lang="en-US" b="1" dirty="0"/>
+              <a:t>Finish</a:t>
+            </a:r>
+          </a:p>
+          <a:p>
+            <a:pPr lvl="1"/>
+            <a:r>
+              <a:rPr lang="en-US" dirty="0"/>
+              <a:t>Der </a:t>
+            </a:r>
+            <a:r>
+              <a:rPr lang="en-US" dirty="0" err="1"/>
+              <a:t>oprettes</a:t>
+            </a:r>
+            <a:r>
+              <a:rPr lang="en-US" dirty="0"/>
+              <a:t> </a:t>
+            </a:r>
+            <a:r>
+              <a:rPr lang="en-US" dirty="0" err="1"/>
               <a:t>en</a:t>
             </a:r>
             <a:r>
               <a:rPr lang="en-US" dirty="0"/>
+              <a:t> “publish profile”. </a:t>
+            </a:r>
+            <a:r>
+              <a:rPr lang="en-US" dirty="0" err="1"/>
+              <a:t>Når</a:t>
+            </a:r>
+            <a:r>
+              <a:rPr lang="en-US" dirty="0"/>
               <a:t> </a:t>
             </a:r>
             <a:r>
-              <a:rPr lang="en-US" i="1" dirty="0"/>
-              <a:t>Razor Pages </a:t>
-            </a:r>
-            <a:r>
-              <a:rPr lang="en-US" dirty="0"/>
-              <a:t>app </a:t>
-            </a:r>
-            <a:r>
-              <a:rPr lang="en-US" dirty="0" err="1"/>
-              <a:t>publiceres</a:t>
-            </a:r>
-            <a:r>
-              <a:rPr lang="en-US" dirty="0"/>
-              <a:t> (</a:t>
-            </a:r>
-            <a:r>
-              <a:rPr lang="en-US" b="1" dirty="0"/>
-              <a:t>Publish</a:t>
-            </a:r>
-            <a:r>
-              <a:rPr lang="en-US" dirty="0"/>
-              <a:t>) </a:t>
-            </a:r>
-            <a:r>
-              <a:rPr lang="en-US" dirty="0" err="1"/>
-              <a:t>på</a:t>
-            </a:r>
-            <a:r>
-              <a:rPr lang="en-US" dirty="0"/>
+              <a:rPr lang="en-US" dirty="0" err="1"/>
+              <a:t>færdig</a:t>
+            </a:r>
+            <a:r>
+              <a:rPr lang="en-US" dirty="0"/>
+              <a:t>, </a:t>
+            </a:r>
+            <a:r>
+              <a:rPr lang="en-US" err="1"/>
+              <a:t>tryk</a:t>
+            </a:r>
+            <a:r>
+              <a:rPr lang="en-US"/>
               <a:t> </a:t>
             </a:r>
             <a:r>
-              <a:rPr lang="en-US" dirty="0" err="1"/>
-              <a:t>subdomænet</a:t>
-            </a:r>
-            <a:r>
-              <a:rPr lang="en-US" dirty="0"/>
-              <a:t>.</a:t>
-            </a:r>
-          </a:p>
-          <a:p>
-            <a:r>
-              <a:rPr lang="en-US" dirty="0" err="1"/>
-              <a:t>Lav</a:t>
-            </a:r>
-            <a:r>
-              <a:rPr lang="en-US" dirty="0"/>
-              <a:t> </a:t>
-            </a:r>
-            <a:r>
-              <a:rPr lang="en-US" dirty="0" err="1"/>
-              <a:t>en</a:t>
-            </a:r>
-            <a:r>
-              <a:rPr lang="en-US" dirty="0"/>
-              <a:t> </a:t>
-            </a:r>
-            <a:r>
-              <a:rPr lang="en-US" dirty="0" err="1"/>
-              <a:t>en</a:t>
-            </a:r>
-            <a:r>
-              <a:rPr lang="en-US" dirty="0"/>
-              <a:t> </a:t>
-            </a:r>
-            <a:r>
-              <a:rPr lang="en-US" i="1" dirty="0"/>
-              <a:t>Razor Pages </a:t>
-            </a:r>
-            <a:r>
-              <a:rPr lang="en-US" dirty="0"/>
-              <a:t>app </a:t>
-            </a:r>
-            <a:r>
-              <a:rPr lang="en-US" dirty="0" err="1"/>
-              <a:t>helt</a:t>
-            </a:r>
-            <a:r>
-              <a:rPr lang="en-US" dirty="0"/>
-              <a:t> </a:t>
-            </a:r>
-            <a:r>
-              <a:rPr lang="en-US" dirty="0" err="1"/>
-              <a:t>som</a:t>
-            </a:r>
-            <a:r>
-              <a:rPr lang="en-US" dirty="0"/>
-              <a:t> </a:t>
-            </a:r>
-            <a:r>
-              <a:rPr lang="en-US" dirty="0" err="1"/>
-              <a:t>sædvanligt</a:t>
-            </a:r>
-            <a:r>
-              <a:rPr lang="en-US" dirty="0"/>
-              <a:t> </a:t>
-            </a:r>
-            <a:r>
-              <a:rPr lang="en-US" dirty="0" err="1"/>
-              <a:t>i</a:t>
-            </a:r>
-            <a:r>
-              <a:rPr lang="en-US" dirty="0"/>
-              <a:t> Visual Studio</a:t>
-            </a:r>
+              <a:rPr lang="en-US" b="1"/>
+              <a:t>Close</a:t>
+            </a:r>
+          </a:p>
+          <a:p>
+            <a:pPr lvl="1"/>
+            <a:r>
+              <a:rPr lang="en-US" b="1">
+                <a:solidFill>
+                  <a:srgbClr val="FF0000"/>
+                </a:solidFill>
+              </a:rPr>
+              <a:t>NB: fortsætter på næste slide</a:t>
+            </a:r>
+            <a:endParaRPr lang="en-US" dirty="0">
+              <a:solidFill>
+                <a:srgbClr val="FF0000"/>
+              </a:solidFill>
+            </a:endParaRPr>
           </a:p>
         </p:txBody>
       </p:sp>
     </p:spTree>
     <p:extLst>
       <p:ext uri="{BB962C8B-B14F-4D97-AF65-F5344CB8AC3E}">
-        <p14:creationId xmlns:p14="http://schemas.microsoft.com/office/powerpoint/2010/main" val="3711050204"/>
+        <p14:creationId xmlns:p14="http://schemas.microsoft.com/office/powerpoint/2010/main" val="2933042778"/>
       </p:ext>
     </p:extLst>
   </p:cSld>
@@ -5038,7 +5509,11 @@
             </a:r>
             <a:r>
               <a:rPr lang="en-US" dirty="0"/>
-              <a:t>, del 1]</a:t>
+              <a:t>, </a:t>
+            </a:r>
+            <a:r>
+              <a:rPr lang="en-US"/>
+              <a:t>del 2]</a:t>
             </a:r>
             <a:endParaRPr lang="da-DK" dirty="0"/>
           </a:p>
@@ -5106,11 +5581,11 @@
             </a:r>
             <a:r>
               <a:rPr lang="en-US" b="1" dirty="0"/>
-              <a:t>Build</a:t>
-            </a:r>
-            <a:r>
-              <a:rPr lang="en-US" dirty="0"/>
-              <a:t> menu, </a:t>
+              <a:t>More Actions</a:t>
+            </a:r>
+            <a:r>
+              <a:rPr lang="en-US" dirty="0"/>
+              <a:t>, </a:t>
             </a:r>
             <a:r>
               <a:rPr lang="en-US" dirty="0" err="1"/>
@@ -5122,89 +5597,225 @@
             </a:r>
             <a:r>
               <a:rPr lang="en-US" b="1" dirty="0"/>
-              <a:t>Publish (</a:t>
-            </a:r>
-            <a:r>
-              <a:rPr lang="en-US" b="1" dirty="0" err="1"/>
-              <a:t>navn</a:t>
+              <a:t>Edit</a:t>
+            </a:r>
+          </a:p>
+          <a:p>
+            <a:pPr lvl="2"/>
+            <a:r>
+              <a:rPr lang="en-US" dirty="0" err="1"/>
+              <a:t>Sæt</a:t>
+            </a:r>
+            <a:r>
+              <a:rPr lang="en-US" dirty="0"/>
+              <a:t> </a:t>
             </a:r>
             <a:r>
               <a:rPr lang="en-US" b="1" dirty="0"/>
+              <a:t>Deployment Mode </a:t>
+            </a:r>
+            <a:r>
+              <a:rPr lang="en-US" dirty="0" err="1"/>
+              <a:t>til</a:t>
+            </a:r>
+            <a:r>
+              <a:rPr lang="en-US" dirty="0"/>
               <a:t> </a:t>
             </a:r>
             <a:r>
-              <a:rPr lang="en-US" b="1" dirty="0" err="1"/>
+              <a:rPr lang="en-US" b="1" dirty="0"/>
+              <a:t>Self-contained</a:t>
+            </a:r>
+          </a:p>
+          <a:p>
+            <a:pPr lvl="2"/>
+            <a:r>
+              <a:rPr lang="en-US" dirty="0" err="1"/>
+              <a:t>Vælg</a:t>
+            </a:r>
+            <a:r>
+              <a:rPr lang="en-US" dirty="0"/>
+              <a:t> </a:t>
+            </a:r>
+            <a:r>
+              <a:rPr lang="en-US" b="1" dirty="0"/>
+              <a:t>Delete all existing files prior to publish</a:t>
+            </a:r>
+          </a:p>
+          <a:p>
+            <a:pPr lvl="2"/>
+            <a:r>
+              <a:rPr lang="en-US" dirty="0" err="1"/>
+              <a:t>Tryk</a:t>
+            </a:r>
+            <a:r>
+              <a:rPr lang="en-US" dirty="0"/>
+              <a:t> </a:t>
+            </a:r>
+            <a:r>
+              <a:rPr lang="en-US" b="1" dirty="0"/>
+              <a:t>Save</a:t>
+            </a:r>
+          </a:p>
+          <a:p>
+            <a:pPr lvl="1"/>
+            <a:r>
+              <a:rPr lang="en-US" dirty="0"/>
+              <a:t>Nu er app </a:t>
+            </a:r>
+            <a:r>
+              <a:rPr lang="en-US" dirty="0" err="1"/>
+              <a:t>klar</a:t>
+            </a:r>
+            <a:r>
+              <a:rPr lang="en-US" dirty="0"/>
+              <a:t> </a:t>
+            </a:r>
+            <a:r>
+              <a:rPr lang="en-US" dirty="0" err="1"/>
+              <a:t>til</a:t>
+            </a:r>
+            <a:r>
+              <a:rPr lang="en-US" dirty="0"/>
+              <a:t> at </a:t>
+            </a:r>
+            <a:r>
+              <a:rPr lang="en-US" dirty="0" err="1"/>
+              <a:t>blive</a:t>
+            </a:r>
+            <a:r>
+              <a:rPr lang="en-US" dirty="0"/>
+              <a:t> </a:t>
+            </a:r>
+            <a:r>
+              <a:rPr lang="en-US" dirty="0" err="1"/>
+              <a:t>publiceret</a:t>
+            </a:r>
+            <a:endParaRPr lang="en-US" dirty="0"/>
+          </a:p>
+          <a:p>
+            <a:pPr lvl="1"/>
+            <a:r>
+              <a:rPr lang="en-US" dirty="0" err="1"/>
+              <a:t>Tryk</a:t>
+            </a:r>
+            <a:r>
+              <a:rPr lang="en-US" dirty="0"/>
+              <a:t> </a:t>
+            </a:r>
+            <a:r>
+              <a:rPr lang="en-US" dirty="0" err="1"/>
               <a:t>på</a:t>
             </a:r>
             <a:r>
+              <a:rPr lang="en-US" dirty="0"/>
+              <a:t> </a:t>
+            </a:r>
+            <a:r>
               <a:rPr lang="en-US" b="1" dirty="0"/>
-              <a:t> din app)</a:t>
+              <a:t>Publish</a:t>
+            </a:r>
+            <a:r>
+              <a:rPr lang="en-US" dirty="0"/>
+              <a:t>-</a:t>
+            </a:r>
+            <a:r>
+              <a:rPr lang="en-US" dirty="0" err="1"/>
+              <a:t>knappen</a:t>
+            </a:r>
+            <a:r>
+              <a:rPr lang="en-US" dirty="0"/>
+              <a:t> (</a:t>
+            </a:r>
+            <a:r>
+              <a:rPr lang="en-US" dirty="0" err="1"/>
+              <a:t>øverste</a:t>
+            </a:r>
+            <a:r>
+              <a:rPr lang="en-US" dirty="0"/>
+              <a:t> </a:t>
+            </a:r>
+            <a:r>
+              <a:rPr lang="en-US" dirty="0" err="1"/>
+              <a:t>højre</a:t>
+            </a:r>
+            <a:r>
+              <a:rPr lang="en-US" dirty="0"/>
+              <a:t> </a:t>
+            </a:r>
+            <a:r>
+              <a:rPr lang="en-US" dirty="0" err="1"/>
+              <a:t>hjørne</a:t>
+            </a:r>
+            <a:r>
+              <a:rPr lang="en-US" dirty="0"/>
+              <a:t>)</a:t>
             </a:r>
           </a:p>
           <a:p>
             <a:pPr lvl="1"/>
             <a:r>
               <a:rPr lang="en-US" dirty="0"/>
-              <a:t>Som </a:t>
-            </a:r>
-            <a:r>
-              <a:rPr lang="en-US" b="1" dirty="0"/>
-              <a:t>Target</a:t>
-            </a:r>
-            <a:r>
-              <a:rPr lang="en-US" dirty="0"/>
-              <a:t>, </a:t>
-            </a:r>
-            <a:r>
-              <a:rPr lang="en-US" dirty="0" err="1"/>
-              <a:t>vælg</a:t>
+              <a:t>Appen </a:t>
+            </a:r>
+            <a:r>
+              <a:rPr lang="en-US" dirty="0" err="1"/>
+              <a:t>bliver</a:t>
             </a:r>
             <a:r>
               <a:rPr lang="en-US" dirty="0"/>
               <a:t> </a:t>
             </a:r>
             <a:r>
-              <a:rPr lang="en-US" b="1" dirty="0"/>
-              <a:t>FTP/FTPS Server</a:t>
+              <a:rPr lang="en-US" dirty="0" err="1"/>
+              <a:t>publiceret</a:t>
+            </a:r>
+            <a:r>
+              <a:rPr lang="en-US" dirty="0"/>
+              <a:t> (</a:t>
+            </a:r>
+            <a:r>
+              <a:rPr lang="en-US" dirty="0" err="1"/>
+              <a:t>kan</a:t>
+            </a:r>
+            <a:r>
+              <a:rPr lang="en-US" dirty="0"/>
+              <a:t> </a:t>
+            </a:r>
+            <a:r>
+              <a:rPr lang="en-US" dirty="0" err="1"/>
+              <a:t>tage</a:t>
+            </a:r>
+            <a:r>
+              <a:rPr lang="en-US" dirty="0"/>
+              <a:t> </a:t>
+            </a:r>
+            <a:r>
+              <a:rPr lang="en-US" dirty="0" err="1"/>
+              <a:t>flere</a:t>
+            </a:r>
+            <a:r>
+              <a:rPr lang="en-US" dirty="0"/>
+              <a:t> </a:t>
+            </a:r>
+            <a:r>
+              <a:rPr lang="en-US" dirty="0" err="1"/>
+              <a:t>minutter</a:t>
+            </a:r>
+            <a:r>
+              <a:rPr lang="en-US" dirty="0"/>
+              <a:t>)</a:t>
             </a:r>
           </a:p>
           <a:p>
             <a:pPr lvl="1"/>
             <a:r>
-              <a:rPr lang="en-US" dirty="0" err="1"/>
-              <a:t>Udfyld</a:t>
-            </a:r>
-            <a:r>
-              <a:rPr lang="en-US" dirty="0"/>
-              <a:t> de </a:t>
-            </a:r>
-            <a:r>
-              <a:rPr lang="en-US" dirty="0" err="1"/>
-              <a:t>nødvendige</a:t>
-            </a:r>
-            <a:r>
-              <a:rPr lang="en-US" dirty="0"/>
-              <a:t> information (</a:t>
-            </a:r>
-            <a:r>
-              <a:rPr lang="en-US" b="1" dirty="0"/>
-              <a:t>NB</a:t>
-            </a:r>
-            <a:r>
-              <a:rPr lang="en-US" dirty="0"/>
-              <a:t>: </a:t>
-            </a:r>
-            <a:r>
-              <a:rPr lang="en-US" b="1" dirty="0"/>
-              <a:t>Server</a:t>
-            </a:r>
-            <a:r>
-              <a:rPr lang="en-US" dirty="0"/>
-              <a:t>, </a:t>
-            </a:r>
-            <a:r>
-              <a:rPr lang="en-US" b="1" dirty="0"/>
-              <a:t>Username</a:t>
+              <a:rPr lang="en-US" dirty="0"/>
+              <a:t>Appen er </a:t>
+            </a:r>
+            <a:r>
+              <a:rPr lang="en-US" dirty="0" err="1"/>
+              <a:t>klar</a:t>
             </a:r>
             <a:r>
               <a:rPr lang="en-US" dirty="0"/>
@@ -5212,15 +5823,15 @@
             </a:r>
             <a:r>
               <a:rPr lang="en-US" dirty="0" err="1"/>
-              <a:t>og</a:t>
+              <a:t>til</a:t>
             </a:r>
             <a:r>
               <a:rPr lang="en-US" dirty="0"/>
               <a:t> </a:t>
             </a:r>
             <a:r>
-              <a:rPr lang="en-US" b="1" dirty="0"/>
-              <a:t>Password</a:t>
+              <a:rPr lang="en-US" dirty="0" err="1"/>
+              <a:t>brug</a:t>
             </a:r>
             <a:r>
               <a:rPr lang="en-US" dirty="0"/>
@@ -5228,158 +5839,46 @@
             </a:r>
             <a:r>
               <a:rPr lang="en-US" dirty="0" err="1"/>
-              <a:t>kan</a:t>
+              <a:t>på</a:t>
             </a:r>
             <a:r>
               <a:rPr lang="en-US" dirty="0"/>
               <a:t> </a:t>
             </a:r>
             <a:r>
-              <a:rPr lang="en-US" dirty="0" err="1"/>
-              <a:t>hentes</a:t>
-            </a:r>
-            <a:r>
-              <a:rPr lang="en-US" dirty="0"/>
-              <a:t> </a:t>
-            </a:r>
-            <a:r>
-              <a:rPr lang="en-US" dirty="0" err="1"/>
-              <a:t>fra</a:t>
-            </a:r>
-            <a:r>
-              <a:rPr lang="en-US" dirty="0"/>
-              <a:t> </a:t>
-            </a:r>
-            <a:r>
-              <a:rPr lang="en-US" b="1" dirty="0" err="1"/>
-              <a:t>Kom</a:t>
-            </a:r>
-            <a:r>
-              <a:rPr lang="en-US" b="1" dirty="0"/>
-              <a:t> </a:t>
-            </a:r>
-            <a:r>
-              <a:rPr lang="en-US" b="1" dirty="0" err="1"/>
-              <a:t>nemt</a:t>
-            </a:r>
-            <a:r>
-              <a:rPr lang="en-US" b="1" dirty="0"/>
-              <a:t> </a:t>
-            </a:r>
-            <a:r>
-              <a:rPr lang="en-US" b="1" dirty="0" err="1"/>
-              <a:t>i</a:t>
-            </a:r>
-            <a:r>
-              <a:rPr lang="en-US" b="1" dirty="0"/>
-              <a:t> gang / Din </a:t>
-            </a:r>
-            <a:r>
-              <a:rPr lang="en-US" b="1" dirty="0" err="1"/>
-              <a:t>Hjemmeside</a:t>
-            </a:r>
-            <a:r>
-              <a:rPr lang="en-US" dirty="0"/>
-              <a:t>)</a:t>
-            </a:r>
-          </a:p>
-          <a:p>
-            <a:pPr lvl="1"/>
-            <a:r>
-              <a:rPr lang="en-US" dirty="0" err="1"/>
-              <a:t>Afprøv</a:t>
-            </a:r>
-            <a:r>
-              <a:rPr lang="en-US" dirty="0"/>
-              <a:t> </a:t>
-            </a:r>
-            <a:r>
-              <a:rPr lang="en-US" dirty="0" err="1"/>
-              <a:t>forbindelsen</a:t>
-            </a:r>
-            <a:r>
-              <a:rPr lang="en-US" dirty="0"/>
-              <a:t>. </a:t>
-            </a:r>
-            <a:r>
-              <a:rPr lang="en-US" dirty="0" err="1"/>
-              <a:t>Når</a:t>
-            </a:r>
-            <a:r>
-              <a:rPr lang="en-US" dirty="0"/>
-              <a:t> alt er OK, </a:t>
-            </a:r>
-            <a:r>
-              <a:rPr lang="en-US" dirty="0" err="1"/>
-              <a:t>tryk</a:t>
-            </a:r>
-            <a:r>
-              <a:rPr lang="en-US" dirty="0"/>
-              <a:t> </a:t>
-            </a:r>
-            <a:r>
-              <a:rPr lang="en-US" b="1" dirty="0"/>
-              <a:t>Finish</a:t>
-            </a:r>
-          </a:p>
-          <a:p>
-            <a:pPr lvl="1"/>
-            <a:r>
-              <a:rPr lang="en-US" dirty="0"/>
-              <a:t>Der </a:t>
-            </a:r>
-            <a:r>
-              <a:rPr lang="en-US" dirty="0" err="1"/>
-              <a:t>oprettes</a:t>
-            </a:r>
-            <a:r>
-              <a:rPr lang="en-US" dirty="0"/>
-              <a:t> </a:t>
-            </a:r>
-            <a:r>
-              <a:rPr lang="en-US" dirty="0" err="1"/>
-              <a:t>en</a:t>
-            </a:r>
-            <a:r>
-              <a:rPr lang="en-US" dirty="0"/>
-              <a:t> “publish profile”. </a:t>
-            </a:r>
-            <a:r>
-              <a:rPr lang="en-US" dirty="0" err="1"/>
-              <a:t>Når</a:t>
-            </a:r>
-            <a:r>
-              <a:rPr lang="en-US" dirty="0"/>
-              <a:t> </a:t>
-            </a:r>
-            <a:r>
-              <a:rPr lang="en-US" dirty="0" err="1"/>
-              <a:t>færdig</a:t>
-            </a:r>
-            <a:r>
-              <a:rPr lang="en-US" dirty="0"/>
-              <a:t>, </a:t>
-            </a:r>
-            <a:r>
-              <a:rPr lang="en-US" dirty="0" err="1"/>
-              <a:t>tryk</a:t>
-            </a:r>
-            <a:r>
-              <a:rPr lang="en-US" dirty="0"/>
-              <a:t> </a:t>
-            </a:r>
-            <a:r>
-              <a:rPr lang="en-US" b="1" dirty="0"/>
-              <a:t>Close</a:t>
-            </a:r>
-            <a:endParaRPr lang="en-US" dirty="0"/>
+              <a:rPr lang="en-US" i="1" dirty="0"/>
+              <a:t>(sub-</a:t>
+            </a:r>
+            <a:r>
+              <a:rPr lang="en-US" i="1" dirty="0" err="1"/>
+              <a:t>domæne</a:t>
+            </a:r>
+            <a:r>
+              <a:rPr lang="en-US" i="1" dirty="0"/>
+              <a:t>).(</a:t>
+            </a:r>
+            <a:r>
+              <a:rPr lang="en-US" i="1" dirty="0" err="1"/>
+              <a:t>domæne</a:t>
+            </a:r>
+            <a:r>
+              <a:rPr lang="en-US" i="1" dirty="0"/>
+              <a:t>).dk </a:t>
+            </a:r>
+            <a:r>
+              <a:rPr lang="en-US" dirty="0">
+                <a:sym typeface="Wingdings" panose="05000000000000000000" pitchFamily="2" charset="2"/>
+              </a:rPr>
+              <a:t>.</a:t>
+            </a:r>
+            <a:endParaRPr lang="da-DK" dirty="0"/>
           </a:p>
         </p:txBody>
       </p:sp>
     </p:spTree>
     <p:extLst>
       <p:ext uri="{BB962C8B-B14F-4D97-AF65-F5344CB8AC3E}">
-        <p14:creationId xmlns:p14="http://schemas.microsoft.com/office/powerpoint/2010/main" val="2933042778"/>
+        <p14:creationId xmlns:p14="http://schemas.microsoft.com/office/powerpoint/2010/main" val="3684688029"/>
       </p:ext>
     </p:extLst>
   </p:cSld>
@@ -5418,415 +5917,92 @@
           <a:chExt cx="0" cy="0"/>
         </a:xfrm>
       </p:grpSpPr>
-      <p:sp>
-        <p:nvSpPr>
-          <p:cNvPr id="2" name="Titel 1">
-            <a:extLst>
-              <a:ext uri="{FF2B5EF4-FFF2-40B4-BE49-F238E27FC236}">
-                <a16:creationId xmlns:a16="http://schemas.microsoft.com/office/drawing/2014/main" id="{67A9A95C-72F0-4B2E-00E3-1AC450CF6306}"/>
-              </a:ext>
-            </a:extLst>
-          </p:cNvPr>
-          <p:cNvSpPr>
-            <a:spLocks noGrp="1"/>
-          </p:cNvSpPr>
-          <p:nvPr>
-            <p:ph type="title"/>
-          </p:nvPr>
-        </p:nvSpPr>
-        <p:spPr/>
-        <p:txBody>
-          <a:bodyPr/>
+      <p:pic>
+        <p:nvPicPr>
+          <p:cNvPr id="4" name="Billede 3">
+            <a:extLst>
+              <a:ext uri="{FF2B5EF4-FFF2-40B4-BE49-F238E27FC236}">
+                <a16:creationId xmlns:a16="http://schemas.microsoft.com/office/drawing/2014/main" id="{E4AD4C3D-ADB7-75C5-05CB-8E34DEFF93E9}"/>
+              </a:ext>
+            </a:extLst>
+          </p:cNvPr>
+          <p:cNvPicPr>
+            <a:picLocks noChangeAspect="1"/>
+          </p:cNvPicPr>
+          <p:nvPr/>
+        </p:nvPicPr>
+        <p:blipFill>
+          <a:blip r:embed="rId2"/>
+          <a:stretch>
+            <a:fillRect/>
+          </a:stretch>
+        </p:blipFill>
+        <p:spPr>
+          <a:xfrm>
+            <a:off x="1368394" y="616404"/>
+            <a:ext cx="6042735" cy="4706030"/>
+          </a:xfrm>
+          <a:prstGeom prst="rect">
+            <a:avLst/>
+          </a:prstGeom>
+        </p:spPr>
+      </p:pic>
+      <p:sp>
+        <p:nvSpPr>
+          <p:cNvPr id="5" name="Rektangel 4">
+            <a:extLst>
+              <a:ext uri="{FF2B5EF4-FFF2-40B4-BE49-F238E27FC236}">
+                <a16:creationId xmlns:a16="http://schemas.microsoft.com/office/drawing/2014/main" id="{5105A950-8072-44D7-BBB7-34E5859D44BB}"/>
+              </a:ext>
+            </a:extLst>
+          </p:cNvPr>
+          <p:cNvSpPr/>
+          <p:nvPr/>
+        </p:nvSpPr>
+        <p:spPr>
+          <a:xfrm>
+            <a:off x="3851910" y="2715441"/>
+            <a:ext cx="1850844" cy="336309"/>
+          </a:xfrm>
+          <a:prstGeom prst="rect">
+            <a:avLst/>
+          </a:prstGeom>
+          <a:noFill/>
+          <a:ln w="76200">
+            <a:solidFill>
+              <a:srgbClr val="FF0000"/>
+            </a:solidFill>
+          </a:ln>
+        </p:spPr>
+        <p:style>
+          <a:lnRef idx="2">
+            <a:schemeClr val="accent1">
+              <a:shade val="15000"/>
+            </a:schemeClr>
+          </a:lnRef>
+          <a:fillRef idx="1">
+            <a:schemeClr val="accent1"/>
+          </a:fillRef>
+          <a:effectRef idx="0">
+            <a:schemeClr val="accent1"/>
+          </a:effectRef>
+          <a:fontRef idx="minor">
+            <a:schemeClr val="lt1"/>
+          </a:fontRef>
+        </p:style>
+        <p:txBody>
+          <a:bodyPr rtlCol="0" anchor="ctr"/>
           <a:lstStyle/>
           <a:p>
-            <a:r>
-              <a:rPr lang="en-US" dirty="0"/>
-              <a:t>Web-apps </a:t>
-            </a:r>
-            <a:r>
-              <a:rPr lang="en-US" dirty="0" err="1"/>
-              <a:t>på</a:t>
-            </a:r>
-            <a:r>
-              <a:rPr lang="en-US" dirty="0"/>
-              <a:t> </a:t>
-            </a:r>
-            <a:r>
-              <a:rPr lang="en-US" b="1" i="1" dirty="0"/>
-              <a:t>Simply </a:t>
-            </a:r>
-            <a:r>
-              <a:rPr lang="en-US" dirty="0"/>
-              <a:t>[</a:t>
-            </a:r>
-            <a:r>
-              <a:rPr lang="en-US" dirty="0" err="1"/>
-              <a:t>Publicering</a:t>
-            </a:r>
-            <a:r>
-              <a:rPr lang="en-US" dirty="0"/>
-              <a:t>, del 1]</a:t>
-            </a:r>
-            <a:endParaRPr lang="da-DK" dirty="0"/>
-          </a:p>
-        </p:txBody>
-      </p:sp>
-      <p:sp>
-        <p:nvSpPr>
-          <p:cNvPr id="3" name="Pladsholder til indhold 2">
-            <a:extLst>
-              <a:ext uri="{FF2B5EF4-FFF2-40B4-BE49-F238E27FC236}">
-                <a16:creationId xmlns:a16="http://schemas.microsoft.com/office/drawing/2014/main" id="{9C6A03F5-A404-2EDA-F3F9-2FC7992107BF}"/>
-              </a:ext>
-            </a:extLst>
-          </p:cNvPr>
-          <p:cNvSpPr>
-            <a:spLocks noGrp="1"/>
-          </p:cNvSpPr>
-          <p:nvPr>
-            <p:ph idx="1"/>
-          </p:nvPr>
-        </p:nvSpPr>
-        <p:spPr/>
-        <p:txBody>
-          <a:bodyPr/>
-          <a:lstStyle/>
-          <a:p>
-            <a:r>
-              <a:rPr lang="en-US" dirty="0" err="1"/>
-              <a:t>Når</a:t>
-            </a:r>
-            <a:r>
-              <a:rPr lang="en-US" dirty="0"/>
-              <a:t> din app er </a:t>
-            </a:r>
-            <a:r>
-              <a:rPr lang="en-US" dirty="0" err="1"/>
-              <a:t>klar</a:t>
-            </a:r>
-            <a:r>
-              <a:rPr lang="en-US" dirty="0"/>
-              <a:t> </a:t>
-            </a:r>
-            <a:r>
-              <a:rPr lang="en-US" dirty="0" err="1"/>
-              <a:t>til</a:t>
-            </a:r>
-            <a:r>
-              <a:rPr lang="en-US" dirty="0"/>
-              <a:t> </a:t>
-            </a:r>
-            <a:r>
-              <a:rPr lang="en-US" dirty="0" err="1"/>
-              <a:t>publicering</a:t>
-            </a:r>
-            <a:r>
-              <a:rPr lang="en-US" dirty="0"/>
-              <a:t>:</a:t>
-            </a:r>
-          </a:p>
-          <a:p>
-            <a:pPr lvl="1"/>
-            <a:r>
-              <a:rPr lang="en-US" dirty="0"/>
-              <a:t>Under </a:t>
-            </a:r>
-            <a:r>
-              <a:rPr lang="en-US" b="1" dirty="0"/>
-              <a:t>More Actions</a:t>
-            </a:r>
-            <a:r>
-              <a:rPr lang="en-US" dirty="0"/>
-              <a:t>, </a:t>
-            </a:r>
-            <a:r>
-              <a:rPr lang="en-US" dirty="0" err="1"/>
-              <a:t>vælg</a:t>
-            </a:r>
-            <a:r>
-              <a:rPr lang="en-US" dirty="0"/>
-              <a:t> </a:t>
-            </a:r>
-            <a:r>
-              <a:rPr lang="en-US" b="1" dirty="0"/>
-              <a:t>Edit</a:t>
-            </a:r>
-          </a:p>
-          <a:p>
-            <a:pPr lvl="2"/>
-            <a:r>
-              <a:rPr lang="en-US" dirty="0" err="1"/>
-              <a:t>Sæt</a:t>
-            </a:r>
-            <a:r>
-              <a:rPr lang="en-US" dirty="0"/>
-              <a:t> </a:t>
-            </a:r>
-            <a:r>
-              <a:rPr lang="en-US" b="1" dirty="0"/>
-              <a:t>Deployment Mode </a:t>
-            </a:r>
-            <a:r>
-              <a:rPr lang="en-US" dirty="0" err="1"/>
-              <a:t>til</a:t>
-            </a:r>
-            <a:r>
-              <a:rPr lang="en-US" dirty="0"/>
-              <a:t> </a:t>
-            </a:r>
-            <a:r>
-              <a:rPr lang="en-US" b="1" dirty="0"/>
-              <a:t>Self-contained</a:t>
-            </a:r>
-          </a:p>
-          <a:p>
-            <a:pPr lvl="2"/>
-            <a:r>
-              <a:rPr lang="en-US" dirty="0" err="1"/>
-              <a:t>Vælg</a:t>
-            </a:r>
-            <a:r>
-              <a:rPr lang="en-US" dirty="0"/>
-              <a:t> </a:t>
-            </a:r>
-            <a:r>
-              <a:rPr lang="en-US" b="1" dirty="0"/>
-              <a:t>Delete all existing files prior to publish</a:t>
-            </a:r>
-          </a:p>
-          <a:p>
-            <a:pPr lvl="2"/>
-            <a:r>
-              <a:rPr lang="en-US" dirty="0" err="1"/>
-              <a:t>Tryk</a:t>
-            </a:r>
-            <a:r>
-              <a:rPr lang="en-US" dirty="0"/>
-              <a:t> </a:t>
-            </a:r>
-            <a:r>
-              <a:rPr lang="en-US" b="1" dirty="0"/>
-              <a:t>Save</a:t>
-            </a:r>
-          </a:p>
-          <a:p>
-            <a:pPr lvl="1"/>
-            <a:r>
-              <a:rPr lang="en-US" dirty="0"/>
-              <a:t>Nu er app </a:t>
-            </a:r>
-            <a:r>
-              <a:rPr lang="en-US" dirty="0" err="1"/>
-              <a:t>klar</a:t>
-            </a:r>
-            <a:r>
-              <a:rPr lang="en-US" dirty="0"/>
-              <a:t> </a:t>
-            </a:r>
-            <a:r>
-              <a:rPr lang="en-US" dirty="0" err="1"/>
-              <a:t>til</a:t>
-            </a:r>
-            <a:r>
-              <a:rPr lang="en-US" dirty="0"/>
-              <a:t> at </a:t>
-            </a:r>
-            <a:r>
-              <a:rPr lang="en-US" dirty="0" err="1"/>
-              <a:t>blive</a:t>
-            </a:r>
-            <a:r>
-              <a:rPr lang="en-US" dirty="0"/>
-              <a:t> </a:t>
-            </a:r>
-            <a:r>
-              <a:rPr lang="en-US" dirty="0" err="1"/>
-              <a:t>publiceret</a:t>
-            </a:r>
-            <a:endParaRPr lang="en-US" dirty="0"/>
-          </a:p>
-          <a:p>
-            <a:pPr lvl="1"/>
-            <a:r>
-              <a:rPr lang="en-US" dirty="0" err="1"/>
-              <a:t>Tryk</a:t>
-            </a:r>
-            <a:r>
-              <a:rPr lang="en-US" dirty="0"/>
-              <a:t> </a:t>
-            </a:r>
-            <a:r>
-              <a:rPr lang="en-US" dirty="0" err="1"/>
-              <a:t>på</a:t>
-            </a:r>
-            <a:r>
-              <a:rPr lang="en-US" dirty="0"/>
-              <a:t> </a:t>
-            </a:r>
-            <a:r>
-              <a:rPr lang="en-US" b="1" dirty="0"/>
-              <a:t>Publish</a:t>
-            </a:r>
-            <a:r>
-              <a:rPr lang="en-US" dirty="0"/>
-              <a:t>-</a:t>
-            </a:r>
-            <a:r>
-              <a:rPr lang="en-US" dirty="0" err="1"/>
-              <a:t>knappen</a:t>
-            </a:r>
-            <a:r>
-              <a:rPr lang="en-US" dirty="0"/>
-              <a:t> (</a:t>
-            </a:r>
-            <a:r>
-              <a:rPr lang="en-US" dirty="0" err="1"/>
-              <a:t>øverste</a:t>
-            </a:r>
-            <a:r>
-              <a:rPr lang="en-US" dirty="0"/>
-              <a:t> </a:t>
-            </a:r>
-            <a:r>
-              <a:rPr lang="en-US" dirty="0" err="1"/>
-              <a:t>højre</a:t>
-            </a:r>
-            <a:r>
-              <a:rPr lang="en-US" dirty="0"/>
-              <a:t> </a:t>
-            </a:r>
-            <a:r>
-              <a:rPr lang="en-US" dirty="0" err="1"/>
-              <a:t>hjørne</a:t>
-            </a:r>
-            <a:r>
-              <a:rPr lang="en-US" dirty="0"/>
-              <a:t>)</a:t>
-            </a:r>
-          </a:p>
-          <a:p>
-            <a:pPr lvl="1"/>
-            <a:r>
-              <a:rPr lang="en-US" dirty="0"/>
-              <a:t>Appen </a:t>
-            </a:r>
-            <a:r>
-              <a:rPr lang="en-US" dirty="0" err="1"/>
-              <a:t>bliver</a:t>
-            </a:r>
-            <a:r>
-              <a:rPr lang="en-US" dirty="0"/>
-              <a:t> </a:t>
-            </a:r>
-            <a:r>
-              <a:rPr lang="en-US" dirty="0" err="1"/>
-              <a:t>publiceret</a:t>
-            </a:r>
-            <a:r>
-              <a:rPr lang="en-US" dirty="0"/>
-              <a:t> (</a:t>
-            </a:r>
-            <a:r>
-              <a:rPr lang="en-US" dirty="0" err="1"/>
-              <a:t>kan</a:t>
-            </a:r>
-            <a:r>
-              <a:rPr lang="en-US" dirty="0"/>
-              <a:t> </a:t>
-            </a:r>
-            <a:r>
-              <a:rPr lang="en-US" dirty="0" err="1"/>
-              <a:t>tage</a:t>
-            </a:r>
-            <a:r>
-              <a:rPr lang="en-US" dirty="0"/>
-              <a:t> </a:t>
-            </a:r>
-            <a:r>
-              <a:rPr lang="en-US" dirty="0" err="1"/>
-              <a:t>flere</a:t>
-            </a:r>
-            <a:r>
-              <a:rPr lang="en-US" dirty="0"/>
-              <a:t> </a:t>
-            </a:r>
-            <a:r>
-              <a:rPr lang="en-US" dirty="0" err="1"/>
-              <a:t>minutter</a:t>
-            </a:r>
-            <a:r>
-              <a:rPr lang="en-US" dirty="0"/>
-              <a:t>)</a:t>
-            </a:r>
-          </a:p>
-          <a:p>
-            <a:pPr lvl="1"/>
-            <a:r>
-              <a:rPr lang="en-US" dirty="0"/>
-              <a:t>Appen er </a:t>
-            </a:r>
-            <a:r>
-              <a:rPr lang="en-US" dirty="0" err="1"/>
-              <a:t>klar</a:t>
-            </a:r>
-            <a:r>
-              <a:rPr lang="en-US" dirty="0"/>
-              <a:t> </a:t>
-            </a:r>
-            <a:r>
-              <a:rPr lang="en-US" dirty="0" err="1"/>
-              <a:t>til</a:t>
-            </a:r>
-            <a:r>
-              <a:rPr lang="en-US" dirty="0"/>
-              <a:t> </a:t>
-            </a:r>
-            <a:r>
-              <a:rPr lang="en-US" dirty="0" err="1"/>
-              <a:t>brug</a:t>
-            </a:r>
-            <a:r>
-              <a:rPr lang="en-US" dirty="0"/>
-              <a:t> </a:t>
-            </a:r>
-            <a:r>
-              <a:rPr lang="en-US" dirty="0" err="1"/>
-              <a:t>på</a:t>
-            </a:r>
-            <a:r>
-              <a:rPr lang="en-US" dirty="0"/>
-              <a:t> (sub-</a:t>
-            </a:r>
-            <a:r>
-              <a:rPr lang="en-US" dirty="0" err="1"/>
-              <a:t>domæne</a:t>
-            </a:r>
-            <a:r>
-              <a:rPr lang="en-US" dirty="0"/>
-              <a:t>).(</a:t>
-            </a:r>
-            <a:r>
-              <a:rPr lang="en-US" dirty="0" err="1"/>
-              <a:t>domæne</a:t>
-            </a:r>
-            <a:r>
-              <a:rPr lang="en-US" dirty="0"/>
-              <a:t>).dk </a:t>
-            </a:r>
-            <a:r>
-              <a:rPr lang="en-US" dirty="0">
-                <a:sym typeface="Wingdings" panose="05000000000000000000" pitchFamily="2" charset="2"/>
-              </a:rPr>
-              <a:t>.</a:t>
-            </a:r>
-            <a:endParaRPr lang="da-DK" dirty="0"/>
+            <a:pPr algn="ctr"/>
+            <a:endParaRPr lang="da-DK"/>
           </a:p>
         </p:txBody>
       </p:sp>
     </p:spTree>
     <p:extLst>
       <p:ext uri="{BB962C8B-B14F-4D97-AF65-F5344CB8AC3E}">
-        <p14:creationId xmlns:p14="http://schemas.microsoft.com/office/powerpoint/2010/main" val="3684688029"/>
+        <p14:creationId xmlns:p14="http://schemas.microsoft.com/office/powerpoint/2010/main" val="3754472957"/>
       </p:ext>
     </p:extLst>
   </p:cSld>
@@ -5991,8 +6167,39 @@
             </a:r>
             <a:r>
               <a:rPr lang="fr-FR" dirty="0"/>
-              <a:t>(ASP / ASP.NET)</a:t>
-            </a:r>
+              <a:t>(ASP / ASP.</a:t>
+            </a:r>
+            <a:r>
+              <a:rPr lang="fr-FR"/>
+              <a:t>NET)</a:t>
+            </a:r>
+          </a:p>
+          <a:p>
+            <a:r>
+              <a:rPr lang="fr-FR" b="1"/>
+              <a:t>NB</a:t>
+            </a:r>
+            <a:r>
+              <a:rPr lang="fr-FR"/>
+              <a:t>: </a:t>
+            </a:r>
+            <a:r>
+              <a:rPr lang="fr-FR" i="1"/>
+              <a:t>Basic Suite </a:t>
+            </a:r>
+            <a:r>
+              <a:rPr lang="fr-FR"/>
+              <a:t>er </a:t>
+            </a:r>
+            <a:r>
+              <a:rPr lang="fr-FR" u="sng"/>
+              <a:t>ikke</a:t>
+            </a:r>
+            <a:r>
+              <a:rPr lang="fr-FR"/>
+              <a:t> nok!</a:t>
+            </a:r>
+            <a:endParaRPr lang="fr-FR" dirty="0"/>
           </a:p>
           <a:p>
             <a:r>
@@ -6000,9 +6207,22 @@
               <a:t>Pris</a:t>
             </a:r>
             <a:r>
+              <a:rPr lang="fr-FR"/>
+              <a:t>: knap 600 kr for 3 år</a:t>
+            </a:r>
+            <a:r>
               <a:rPr lang="fr-FR" dirty="0"/>
-              <a:t>: ca. 300 kr/år, med rabatkode</a:t>
-            </a:r>
+              <a:t>, </a:t>
+            </a:r>
+            <a:r>
+              <a:rPr lang="fr-FR"/>
+              <a:t>med rabatkode </a:t>
+            </a:r>
+            <a:r>
+              <a:rPr lang="fr-FR" b="1"/>
+              <a:t>ZEALAND-24</a:t>
+            </a:r>
+            <a:endParaRPr lang="fr-FR" b="1" dirty="0"/>
           </a:p>
           <a:p>
             <a:r>
@@ -6085,7 +6305,7 @@
           <p:cNvPr id="3" name="Billede 2">
             <a:extLst>
               <a:ext uri="{FF2B5EF4-FFF2-40B4-BE49-F238E27FC236}">
-                <a16:creationId xmlns:a16="http://schemas.microsoft.com/office/drawing/2014/main" id="{9D3E25AD-C408-B7FF-12A5-97BD011C8FAA}"/>
+                <a16:creationId xmlns:a16="http://schemas.microsoft.com/office/drawing/2014/main" id="{FCD27C40-93D1-9C10-3723-968E57EA91E6}"/>
               </a:ext>
             </a:extLst>
           </p:cNvPr>
@@ -6102,18 +6322,70 @@
         </p:blipFill>
         <p:spPr>
           <a:xfrm>
-            <a:off x="596536" y="365325"/>
-            <a:ext cx="11123893" cy="3880104"/>
+            <a:off x="1730827" y="525360"/>
+            <a:ext cx="8359447" cy="5883604"/>
           </a:xfrm>
           <a:prstGeom prst="rect">
             <a:avLst/>
           </a:prstGeom>
         </p:spPr>
       </p:pic>
+      <p:sp>
+        <p:nvSpPr>
+          <p:cNvPr id="5" name="Rektangel 4">
+            <a:extLst>
+              <a:ext uri="{FF2B5EF4-FFF2-40B4-BE49-F238E27FC236}">
+                <a16:creationId xmlns:a16="http://schemas.microsoft.com/office/drawing/2014/main" id="{38B715CD-2641-2020-76F3-6DD25A21DB84}"/>
+              </a:ext>
+            </a:extLst>
+          </p:cNvPr>
+          <p:cNvSpPr/>
+          <p:nvPr/>
+        </p:nvSpPr>
+        <p:spPr>
+          <a:xfrm>
+            <a:off x="3480434" y="3467162"/>
+            <a:ext cx="3487783" cy="692542"/>
+          </a:xfrm>
+          <a:prstGeom prst="rect">
+            <a:avLst/>
+          </a:prstGeom>
+          <a:noFill/>
+          <a:ln w="76200">
+            <a:solidFill>
+              <a:srgbClr val="FF0000"/>
+            </a:solidFill>
+          </a:ln>
+        </p:spPr>
+        <p:style>
+          <a:lnRef idx="2">
+            <a:schemeClr val="accent1">
+              <a:shade val="15000"/>
+            </a:schemeClr>
+          </a:lnRef>
+          <a:fillRef idx="1">
+            <a:schemeClr val="accent1"/>
+          </a:fillRef>
+          <a:effectRef idx="0">
+            <a:schemeClr val="accent1"/>
+          </a:effectRef>
+          <a:fontRef idx="minor">
+            <a:schemeClr val="lt1"/>
+          </a:fontRef>
+        </p:style>
+        <p:txBody>
+          <a:bodyPr rtlCol="0" anchor="ctr"/>
+          <a:lstStyle/>
+          <a:p>
+            <a:pPr algn="ctr"/>
+            <a:endParaRPr lang="da-DK"/>
+          </a:p>
+        </p:txBody>
+      </p:sp>
     </p:spTree>
     <p:extLst>
       <p:ext uri="{BB962C8B-B14F-4D97-AF65-F5344CB8AC3E}">
-        <p14:creationId xmlns:p14="http://schemas.microsoft.com/office/powerpoint/2010/main" val="3754472957"/>
+        <p14:creationId xmlns:p14="http://schemas.microsoft.com/office/powerpoint/2010/main" val="2227397103"/>
       </p:ext>
     </p:extLst>
   </p:cSld>
@@ -6157,7 +6429,7 @@
           <p:cNvPr id="4" name="Billede 3">
             <a:extLst>
               <a:ext uri="{FF2B5EF4-FFF2-40B4-BE49-F238E27FC236}">
-                <a16:creationId xmlns:a16="http://schemas.microsoft.com/office/drawing/2014/main" id="{0BF065DA-2A98-1854-7958-6F7B74275594}"/>
+                <a16:creationId xmlns:a16="http://schemas.microsoft.com/office/drawing/2014/main" id="{76AA5291-620C-0A71-FA13-1EB25F6C00B2}"/>
               </a:ext>
             </a:extLst>
           </p:cNvPr>
@@ -6174,8 +6446,8 @@
         </p:blipFill>
         <p:spPr>
           <a:xfrm>
-            <a:off x="1467394" y="536909"/>
-            <a:ext cx="8371578" cy="5872599"/>
+            <a:off x="2024743" y="416828"/>
+            <a:ext cx="8475236" cy="5918657"/>
           </a:xfrm>
           <a:prstGeom prst="rect">
             <a:avLst/>
@@ -6185,7 +6457,7 @@
     </p:spTree>
     <p:extLst>
       <p:ext uri="{BB962C8B-B14F-4D97-AF65-F5344CB8AC3E}">
-        <p14:creationId xmlns:p14="http://schemas.microsoft.com/office/powerpoint/2010/main" val="2227397103"/>
+        <p14:creationId xmlns:p14="http://schemas.microsoft.com/office/powerpoint/2010/main" val="3032213519"/>
       </p:ext>
     </p:extLst>
   </p:cSld>
@@ -6226,10 +6498,10 @@
       </p:grpSpPr>
       <p:pic>
         <p:nvPicPr>
-          <p:cNvPr id="3" name="Billede 2">
-            <a:extLst>
-              <a:ext uri="{FF2B5EF4-FFF2-40B4-BE49-F238E27FC236}">
-                <a16:creationId xmlns:a16="http://schemas.microsoft.com/office/drawing/2014/main" id="{CED827DF-1639-B64F-293C-6C996E17AE4E}"/>
+          <p:cNvPr id="2" name="Billede 1">
+            <a:extLst>
+              <a:ext uri="{FF2B5EF4-FFF2-40B4-BE49-F238E27FC236}">
+                <a16:creationId xmlns:a16="http://schemas.microsoft.com/office/drawing/2014/main" id="{193976CB-35B1-7BC7-D881-571728E4114D}"/>
               </a:ext>
             </a:extLst>
           </p:cNvPr>
@@ -6246,18 +6518,232 @@
         </p:blipFill>
         <p:spPr>
           <a:xfrm>
-            <a:off x="1876698" y="745849"/>
-            <a:ext cx="7831646" cy="5493841"/>
+            <a:off x="6961371" y="492380"/>
+            <a:ext cx="5142034" cy="3590925"/>
           </a:xfrm>
           <a:prstGeom prst="rect">
             <a:avLst/>
           </a:prstGeom>
         </p:spPr>
       </p:pic>
+      <p:pic>
+        <p:nvPicPr>
+          <p:cNvPr id="14" name="Billede 13">
+            <a:extLst>
+              <a:ext uri="{FF2B5EF4-FFF2-40B4-BE49-F238E27FC236}">
+                <a16:creationId xmlns:a16="http://schemas.microsoft.com/office/drawing/2014/main" id="{73B9A7BC-57A8-43E9-25E3-0BA64B153388}"/>
+              </a:ext>
+            </a:extLst>
+          </p:cNvPr>
+          <p:cNvPicPr>
+            <a:picLocks noChangeAspect="1"/>
+          </p:cNvPicPr>
+          <p:nvPr/>
+        </p:nvPicPr>
+        <p:blipFill>
+          <a:blip r:embed="rId3"/>
+          <a:stretch>
+            <a:fillRect/>
+          </a:stretch>
+        </p:blipFill>
+        <p:spPr>
+          <a:xfrm>
+            <a:off x="588102" y="492380"/>
+            <a:ext cx="6244902" cy="4002060"/>
+          </a:xfrm>
+          <a:prstGeom prst="rect">
+            <a:avLst/>
+          </a:prstGeom>
+        </p:spPr>
+      </p:pic>
+      <p:cxnSp>
+        <p:nvCxnSpPr>
+          <p:cNvPr id="4" name="Lige pilforbindelse 3">
+            <a:extLst>
+              <a:ext uri="{FF2B5EF4-FFF2-40B4-BE49-F238E27FC236}">
+                <a16:creationId xmlns:a16="http://schemas.microsoft.com/office/drawing/2014/main" id="{7B64D63C-1C52-2A00-28EB-1C793B0480DE}"/>
+              </a:ext>
+            </a:extLst>
+          </p:cNvPr>
+          <p:cNvCxnSpPr>
+            <a:cxnSpLocks/>
+          </p:cNvCxnSpPr>
+          <p:nvPr/>
+        </p:nvCxnSpPr>
+        <p:spPr>
+          <a:xfrm flipV="1">
+            <a:off x="3078480" y="2739118"/>
+            <a:ext cx="4930684" cy="1162322"/>
+          </a:xfrm>
+          <a:prstGeom prst="straightConnector1">
+            <a:avLst/>
+          </a:prstGeom>
+          <a:ln w="38100">
+            <a:solidFill>
+              <a:srgbClr val="00B050"/>
+            </a:solidFill>
+            <a:tailEnd type="triangle" w="lg" len="lg"/>
+          </a:ln>
+        </p:spPr>
+        <p:style>
+          <a:lnRef idx="1">
+            <a:schemeClr val="accent1"/>
+          </a:lnRef>
+          <a:fillRef idx="0">
+            <a:schemeClr val="accent1"/>
+          </a:fillRef>
+          <a:effectRef idx="0">
+            <a:schemeClr val="accent1"/>
+          </a:effectRef>
+          <a:fontRef idx="minor">
+            <a:schemeClr val="tx1"/>
+          </a:fontRef>
+        </p:style>
+      </p:cxnSp>
+      <p:cxnSp>
+        <p:nvCxnSpPr>
+          <p:cNvPr id="8" name="Lige pilforbindelse 7">
+            <a:extLst>
+              <a:ext uri="{FF2B5EF4-FFF2-40B4-BE49-F238E27FC236}">
+                <a16:creationId xmlns:a16="http://schemas.microsoft.com/office/drawing/2014/main" id="{212319F9-B90F-4E45-4DB0-990FE30438A3}"/>
+              </a:ext>
+            </a:extLst>
+          </p:cNvPr>
+          <p:cNvCxnSpPr>
+            <a:cxnSpLocks/>
+          </p:cNvCxnSpPr>
+          <p:nvPr/>
+        </p:nvCxnSpPr>
+        <p:spPr>
+          <a:xfrm flipV="1">
+            <a:off x="3287486" y="3098346"/>
+            <a:ext cx="4721678" cy="1046934"/>
+          </a:xfrm>
+          <a:prstGeom prst="straightConnector1">
+            <a:avLst/>
+          </a:prstGeom>
+          <a:ln w="38100">
+            <a:solidFill>
+              <a:srgbClr val="00B050"/>
+            </a:solidFill>
+            <a:tailEnd type="triangle" w="lg" len="lg"/>
+          </a:ln>
+        </p:spPr>
+        <p:style>
+          <a:lnRef idx="1">
+            <a:schemeClr val="accent1"/>
+          </a:lnRef>
+          <a:fillRef idx="0">
+            <a:schemeClr val="accent1"/>
+          </a:fillRef>
+          <a:effectRef idx="0">
+            <a:schemeClr val="accent1"/>
+          </a:effectRef>
+          <a:fontRef idx="minor">
+            <a:schemeClr val="tx1"/>
+          </a:fontRef>
+        </p:style>
+      </p:cxnSp>
+      <p:cxnSp>
+        <p:nvCxnSpPr>
+          <p:cNvPr id="11" name="Lige pilforbindelse 10">
+            <a:extLst>
+              <a:ext uri="{FF2B5EF4-FFF2-40B4-BE49-F238E27FC236}">
+                <a16:creationId xmlns:a16="http://schemas.microsoft.com/office/drawing/2014/main" id="{B2E41CC3-DDDD-26F3-6D9B-79C000641553}"/>
+              </a:ext>
+            </a:extLst>
+          </p:cNvPr>
+          <p:cNvCxnSpPr>
+            <a:cxnSpLocks/>
+          </p:cNvCxnSpPr>
+          <p:nvPr/>
+        </p:nvCxnSpPr>
+        <p:spPr>
+          <a:xfrm flipV="1">
+            <a:off x="3130731" y="1432832"/>
+            <a:ext cx="4923337" cy="1959157"/>
+          </a:xfrm>
+          <a:prstGeom prst="straightConnector1">
+            <a:avLst/>
+          </a:prstGeom>
+          <a:ln w="38100">
+            <a:solidFill>
+              <a:srgbClr val="00B050"/>
+            </a:solidFill>
+            <a:tailEnd type="triangle" w="lg" len="lg"/>
+          </a:ln>
+        </p:spPr>
+        <p:style>
+          <a:lnRef idx="1">
+            <a:schemeClr val="accent1"/>
+          </a:lnRef>
+          <a:fillRef idx="0">
+            <a:schemeClr val="accent1"/>
+          </a:fillRef>
+          <a:effectRef idx="0">
+            <a:schemeClr val="accent1"/>
+          </a:effectRef>
+          <a:fontRef idx="minor">
+            <a:schemeClr val="tx1"/>
+          </a:fontRef>
+        </p:style>
+      </p:cxnSp>
+      <p:sp>
+        <p:nvSpPr>
+          <p:cNvPr id="9" name="Rektangel 8">
+            <a:extLst>
+              <a:ext uri="{FF2B5EF4-FFF2-40B4-BE49-F238E27FC236}">
+                <a16:creationId xmlns:a16="http://schemas.microsoft.com/office/drawing/2014/main" id="{BF6FFE2E-2B36-DD80-F8AA-17F4A74FE213}"/>
+              </a:ext>
+            </a:extLst>
+          </p:cNvPr>
+          <p:cNvSpPr/>
+          <p:nvPr/>
+        </p:nvSpPr>
+        <p:spPr>
+          <a:xfrm>
+            <a:off x="7950382" y="1530804"/>
+            <a:ext cx="1177290" cy="738088"/>
+          </a:xfrm>
+          <a:prstGeom prst="rect">
+            <a:avLst/>
+          </a:prstGeom>
+          <a:noFill/>
+          <a:ln w="76200">
+            <a:solidFill>
+              <a:srgbClr val="FF0000"/>
+            </a:solidFill>
+          </a:ln>
+        </p:spPr>
+        <p:style>
+          <a:lnRef idx="2">
+            <a:schemeClr val="accent1">
+              <a:shade val="15000"/>
+            </a:schemeClr>
+          </a:lnRef>
+          <a:fillRef idx="1">
+            <a:schemeClr val="accent1"/>
+          </a:fillRef>
+          <a:effectRef idx="0">
+            <a:schemeClr val="accent1"/>
+          </a:effectRef>
+          <a:fontRef idx="minor">
+            <a:schemeClr val="lt1"/>
+          </a:fontRef>
+        </p:style>
+        <p:txBody>
+          <a:bodyPr rtlCol="0" anchor="ctr"/>
+          <a:lstStyle/>
+          <a:p>
+            <a:pPr algn="ctr"/>
+            <a:endParaRPr lang="da-DK"/>
+          </a:p>
+        </p:txBody>
+      </p:sp>
     </p:spTree>
     <p:extLst>
       <p:ext uri="{BB962C8B-B14F-4D97-AF65-F5344CB8AC3E}">
-        <p14:creationId xmlns:p14="http://schemas.microsoft.com/office/powerpoint/2010/main" val="3032213519"/>
+        <p14:creationId xmlns:p14="http://schemas.microsoft.com/office/powerpoint/2010/main" val="3069241275"/>
       </p:ext>
     </p:extLst>
   </p:cSld>
@@ -6298,10 +6784,10 @@
       </p:grpSpPr>
       <p:pic>
         <p:nvPicPr>
-          <p:cNvPr id="14" name="Billede 13">
-            <a:extLst>
-              <a:ext uri="{FF2B5EF4-FFF2-40B4-BE49-F238E27FC236}">
-                <a16:creationId xmlns:a16="http://schemas.microsoft.com/office/drawing/2014/main" id="{73B9A7BC-57A8-43E9-25E3-0BA64B153388}"/>
+          <p:cNvPr id="4" name="Billede 3">
+            <a:extLst>
+              <a:ext uri="{FF2B5EF4-FFF2-40B4-BE49-F238E27FC236}">
+                <a16:creationId xmlns:a16="http://schemas.microsoft.com/office/drawing/2014/main" id="{4E7A5E85-003B-9748-9224-14FBD0AD0B94}"/>
               </a:ext>
             </a:extLst>
           </p:cNvPr>
@@ -6318,180 +6804,70 @@
         </p:blipFill>
         <p:spPr>
           <a:xfrm>
-            <a:off x="588102" y="492380"/>
-            <a:ext cx="6244902" cy="4002060"/>
+            <a:off x="1143000" y="668082"/>
+            <a:ext cx="10248900" cy="4970047"/>
           </a:xfrm>
           <a:prstGeom prst="rect">
             <a:avLst/>
           </a:prstGeom>
         </p:spPr>
       </p:pic>
-      <p:pic>
-        <p:nvPicPr>
-          <p:cNvPr id="3" name="Billede 2">
-            <a:extLst>
-              <a:ext uri="{FF2B5EF4-FFF2-40B4-BE49-F238E27FC236}">
-                <a16:creationId xmlns:a16="http://schemas.microsoft.com/office/drawing/2014/main" id="{CED827DF-1639-B64F-293C-6C996E17AE4E}"/>
-              </a:ext>
-            </a:extLst>
-          </p:cNvPr>
-          <p:cNvPicPr>
-            <a:picLocks noChangeAspect="1"/>
-          </p:cNvPicPr>
+      <p:sp>
+        <p:nvSpPr>
+          <p:cNvPr id="5" name="Rektangel 4">
+            <a:extLst>
+              <a:ext uri="{FF2B5EF4-FFF2-40B4-BE49-F238E27FC236}">
+                <a16:creationId xmlns:a16="http://schemas.microsoft.com/office/drawing/2014/main" id="{4C53914D-9288-E2DB-D625-0C092DABC5E9}"/>
+              </a:ext>
+            </a:extLst>
+          </p:cNvPr>
+          <p:cNvSpPr/>
           <p:nvPr/>
-        </p:nvPicPr>
-        <p:blipFill>
-          <a:blip r:embed="rId3"/>
-          <a:stretch>
-            <a:fillRect/>
-          </a:stretch>
-        </p:blipFill>
+        </p:nvSpPr>
         <p:spPr>
           <a:xfrm>
-            <a:off x="7375510" y="1041940"/>
-            <a:ext cx="4318388" cy="3029317"/>
+            <a:off x="4398918" y="1351189"/>
+            <a:ext cx="1177290" cy="547007"/>
           </a:xfrm>
           <a:prstGeom prst="rect">
             <a:avLst/>
           </a:prstGeom>
-        </p:spPr>
-      </p:pic>
-      <p:cxnSp>
-        <p:nvCxnSpPr>
-          <p:cNvPr id="4" name="Lige pilforbindelse 3">
-            <a:extLst>
-              <a:ext uri="{FF2B5EF4-FFF2-40B4-BE49-F238E27FC236}">
-                <a16:creationId xmlns:a16="http://schemas.microsoft.com/office/drawing/2014/main" id="{7B64D63C-1C52-2A00-28EB-1C793B0480DE}"/>
-              </a:ext>
-            </a:extLst>
-          </p:cNvPr>
-          <p:cNvCxnSpPr>
-            <a:cxnSpLocks/>
-          </p:cNvCxnSpPr>
-          <p:nvPr/>
-        </p:nvCxnSpPr>
-        <p:spPr>
-          <a:xfrm flipV="1">
-            <a:off x="3078480" y="2934789"/>
-            <a:ext cx="5138057" cy="966651"/>
-          </a:xfrm>
-          <a:prstGeom prst="straightConnector1">
-            <a:avLst/>
-          </a:prstGeom>
-          <a:ln w="38100">
+          <a:noFill/>
+          <a:ln w="76200">
             <a:solidFill>
-              <a:srgbClr val="00B050"/>
+              <a:srgbClr val="FF0000"/>
             </a:solidFill>
-            <a:tailEnd type="triangle" w="lg" len="lg"/>
           </a:ln>
         </p:spPr>
         <p:style>
-          <a:lnRef idx="1">
-            <a:schemeClr val="accent1"/>
+          <a:lnRef idx="2">
+            <a:schemeClr val="accent1">
+              <a:shade val="15000"/>
+            </a:schemeClr>
           </a:lnRef>
-          <a:fillRef idx="0">
+          <a:fillRef idx="1">
             <a:schemeClr val="accent1"/>
           </a:fillRef>
           <a:effectRef idx="0">
             <a:schemeClr val="accent1"/>
           </a:effectRef>
           <a:fontRef idx="minor">
-            <a:schemeClr val="tx1"/>
+            <a:schemeClr val="lt1"/>
           </a:fontRef>
         </p:style>
-      </p:cxnSp>
-      <p:cxnSp>
-        <p:nvCxnSpPr>
-          <p:cNvPr id="8" name="Lige pilforbindelse 7">
-            <a:extLst>
-              <a:ext uri="{FF2B5EF4-FFF2-40B4-BE49-F238E27FC236}">
-                <a16:creationId xmlns:a16="http://schemas.microsoft.com/office/drawing/2014/main" id="{212319F9-B90F-4E45-4DB0-990FE30438A3}"/>
-              </a:ext>
-            </a:extLst>
-          </p:cNvPr>
-          <p:cNvCxnSpPr>
-            <a:cxnSpLocks/>
-          </p:cNvCxnSpPr>
-          <p:nvPr/>
-        </p:nvCxnSpPr>
-        <p:spPr>
-          <a:xfrm flipV="1">
-            <a:off x="3287486" y="3243943"/>
-            <a:ext cx="4929051" cy="901337"/>
-          </a:xfrm>
-          <a:prstGeom prst="straightConnector1">
-            <a:avLst/>
-          </a:prstGeom>
-          <a:ln w="38100">
-            <a:solidFill>
-              <a:srgbClr val="00B050"/>
-            </a:solidFill>
-            <a:tailEnd type="triangle" w="lg" len="lg"/>
-          </a:ln>
-        </p:spPr>
-        <p:style>
-          <a:lnRef idx="1">
-            <a:schemeClr val="accent1"/>
-          </a:lnRef>
-          <a:fillRef idx="0">
-            <a:schemeClr val="accent1"/>
-          </a:fillRef>
-          <a:effectRef idx="0">
-            <a:schemeClr val="accent1"/>
-          </a:effectRef>
-          <a:fontRef idx="minor">
-            <a:schemeClr val="tx1"/>
-          </a:fontRef>
-        </p:style>
-      </p:cxnSp>
-      <p:cxnSp>
-        <p:nvCxnSpPr>
-          <p:cNvPr id="11" name="Lige pilforbindelse 10">
-            <a:extLst>
-              <a:ext uri="{FF2B5EF4-FFF2-40B4-BE49-F238E27FC236}">
-                <a16:creationId xmlns:a16="http://schemas.microsoft.com/office/drawing/2014/main" id="{B2E41CC3-DDDD-26F3-6D9B-79C000641553}"/>
-              </a:ext>
-            </a:extLst>
-          </p:cNvPr>
-          <p:cNvCxnSpPr>
-            <a:cxnSpLocks/>
-          </p:cNvCxnSpPr>
-          <p:nvPr/>
-        </p:nvCxnSpPr>
-        <p:spPr>
-          <a:xfrm flipV="1">
-            <a:off x="3130731" y="1828800"/>
-            <a:ext cx="5116286" cy="1563189"/>
-          </a:xfrm>
-          <a:prstGeom prst="straightConnector1">
-            <a:avLst/>
-          </a:prstGeom>
-          <a:ln w="38100">
-            <a:solidFill>
-              <a:srgbClr val="00B050"/>
-            </a:solidFill>
-            <a:tailEnd type="triangle" w="lg" len="lg"/>
-          </a:ln>
-        </p:spPr>
-        <p:style>
-          <a:lnRef idx="1">
-            <a:schemeClr val="accent1"/>
-          </a:lnRef>
-          <a:fillRef idx="0">
-            <a:schemeClr val="accent1"/>
-          </a:fillRef>
-          <a:effectRef idx="0">
-            <a:schemeClr val="accent1"/>
-          </a:effectRef>
-          <a:fontRef idx="minor">
-            <a:schemeClr val="tx1"/>
-          </a:fontRef>
-        </p:style>
-      </p:cxnSp>
+        <p:txBody>
+          <a:bodyPr rtlCol="0" anchor="ctr"/>
+          <a:lstStyle/>
+          <a:p>
+            <a:pPr algn="ctr"/>
+            <a:endParaRPr lang="da-DK"/>
+          </a:p>
+        </p:txBody>
+      </p:sp>
     </p:spTree>
     <p:extLst>
       <p:ext uri="{BB962C8B-B14F-4D97-AF65-F5344CB8AC3E}">
-        <p14:creationId xmlns:p14="http://schemas.microsoft.com/office/powerpoint/2010/main" val="3069241275"/>
+        <p14:creationId xmlns:p14="http://schemas.microsoft.com/office/powerpoint/2010/main" val="107943323"/>
       </p:ext>
     </p:extLst>
   </p:cSld>
@@ -6535,7 +6911,7 @@
           <p:cNvPr id="3" name="Billede 2">
             <a:extLst>
               <a:ext uri="{FF2B5EF4-FFF2-40B4-BE49-F238E27FC236}">
-                <a16:creationId xmlns:a16="http://schemas.microsoft.com/office/drawing/2014/main" id="{696A5228-1DA2-C3A1-8757-C39AF2D1FAE5}"/>
+                <a16:creationId xmlns:a16="http://schemas.microsoft.com/office/drawing/2014/main" id="{452E7DA7-C92E-871A-8725-FC992672CADB}"/>
               </a:ext>
             </a:extLst>
           </p:cNvPr>
@@ -6552,18 +6928,174 @@
         </p:blipFill>
         <p:spPr>
           <a:xfrm>
-            <a:off x="1010194" y="524538"/>
-            <a:ext cx="10506891" cy="5456066"/>
+            <a:off x="3308236" y="400050"/>
+            <a:ext cx="4947130" cy="6057900"/>
           </a:xfrm>
           <a:prstGeom prst="rect">
             <a:avLst/>
           </a:prstGeom>
         </p:spPr>
       </p:pic>
+      <p:sp>
+        <p:nvSpPr>
+          <p:cNvPr id="4" name="Rektangel 3">
+            <a:extLst>
+              <a:ext uri="{FF2B5EF4-FFF2-40B4-BE49-F238E27FC236}">
+                <a16:creationId xmlns:a16="http://schemas.microsoft.com/office/drawing/2014/main" id="{179D9D1D-CB71-7258-668F-DED500CC993E}"/>
+              </a:ext>
+            </a:extLst>
+          </p:cNvPr>
+          <p:cNvSpPr/>
+          <p:nvPr/>
+        </p:nvSpPr>
+        <p:spPr>
+          <a:xfrm>
+            <a:off x="4629150" y="2261507"/>
+            <a:ext cx="3473904" cy="273503"/>
+          </a:xfrm>
+          <a:prstGeom prst="rect">
+            <a:avLst/>
+          </a:prstGeom>
+          <a:noFill/>
+          <a:ln w="76200">
+            <a:solidFill>
+              <a:srgbClr val="FF0000"/>
+            </a:solidFill>
+          </a:ln>
+        </p:spPr>
+        <p:style>
+          <a:lnRef idx="2">
+            <a:schemeClr val="accent1">
+              <a:shade val="15000"/>
+            </a:schemeClr>
+          </a:lnRef>
+          <a:fillRef idx="1">
+            <a:schemeClr val="accent1"/>
+          </a:fillRef>
+          <a:effectRef idx="0">
+            <a:schemeClr val="accent1"/>
+          </a:effectRef>
+          <a:fontRef idx="minor">
+            <a:schemeClr val="lt1"/>
+          </a:fontRef>
+        </p:style>
+        <p:txBody>
+          <a:bodyPr rtlCol="0" anchor="ctr"/>
+          <a:lstStyle/>
+          <a:p>
+            <a:pPr algn="ctr"/>
+            <a:endParaRPr lang="da-DK"/>
+          </a:p>
+        </p:txBody>
+      </p:sp>
+      <p:sp>
+        <p:nvSpPr>
+          <p:cNvPr id="5" name="Rektangel 4">
+            <a:extLst>
+              <a:ext uri="{FF2B5EF4-FFF2-40B4-BE49-F238E27FC236}">
+                <a16:creationId xmlns:a16="http://schemas.microsoft.com/office/drawing/2014/main" id="{ABE7DDBA-6602-C16A-45D0-599DDBD39192}"/>
+              </a:ext>
+            </a:extLst>
+          </p:cNvPr>
+          <p:cNvSpPr/>
+          <p:nvPr/>
+        </p:nvSpPr>
+        <p:spPr>
+          <a:xfrm>
+            <a:off x="4629150" y="3573235"/>
+            <a:ext cx="1890032" cy="273503"/>
+          </a:xfrm>
+          <a:prstGeom prst="rect">
+            <a:avLst/>
+          </a:prstGeom>
+          <a:noFill/>
+          <a:ln w="76200">
+            <a:solidFill>
+              <a:srgbClr val="FF0000"/>
+            </a:solidFill>
+          </a:ln>
+        </p:spPr>
+        <p:style>
+          <a:lnRef idx="2">
+            <a:schemeClr val="accent1">
+              <a:shade val="15000"/>
+            </a:schemeClr>
+          </a:lnRef>
+          <a:fillRef idx="1">
+            <a:schemeClr val="accent1"/>
+          </a:fillRef>
+          <a:effectRef idx="0">
+            <a:schemeClr val="accent1"/>
+          </a:effectRef>
+          <a:fontRef idx="minor">
+            <a:schemeClr val="lt1"/>
+          </a:fontRef>
+        </p:style>
+        <p:txBody>
+          <a:bodyPr rtlCol="0" anchor="ctr"/>
+          <a:lstStyle/>
+          <a:p>
+            <a:pPr algn="ctr"/>
+            <a:endParaRPr lang="da-DK"/>
+          </a:p>
+        </p:txBody>
+      </p:sp>
+      <p:sp>
+        <p:nvSpPr>
+          <p:cNvPr id="6" name="Rektangel 5">
+            <a:extLst>
+              <a:ext uri="{FF2B5EF4-FFF2-40B4-BE49-F238E27FC236}">
+                <a16:creationId xmlns:a16="http://schemas.microsoft.com/office/drawing/2014/main" id="{B463CBBA-E60B-EDA9-1979-84B585F7B13C}"/>
+              </a:ext>
+            </a:extLst>
+          </p:cNvPr>
+          <p:cNvSpPr/>
+          <p:nvPr/>
+        </p:nvSpPr>
+        <p:spPr>
+          <a:xfrm>
+            <a:off x="7018564" y="6113689"/>
+            <a:ext cx="590550" cy="273503"/>
+          </a:xfrm>
+          <a:prstGeom prst="rect">
+            <a:avLst/>
+          </a:prstGeom>
+          <a:noFill/>
+          <a:ln w="76200">
+            <a:solidFill>
+              <a:srgbClr val="FF0000"/>
+            </a:solidFill>
+          </a:ln>
+        </p:spPr>
+        <p:style>
+          <a:lnRef idx="2">
+            <a:schemeClr val="accent1">
+              <a:shade val="15000"/>
+            </a:schemeClr>
+          </a:lnRef>
+          <a:fillRef idx="1">
+            <a:schemeClr val="accent1"/>
+          </a:fillRef>
+          <a:effectRef idx="0">
+            <a:schemeClr val="accent1"/>
+          </a:effectRef>
+          <a:fontRef idx="minor">
+            <a:schemeClr val="lt1"/>
+          </a:fontRef>
+        </p:style>
+        <p:txBody>
+          <a:bodyPr rtlCol="0" anchor="ctr"/>
+          <a:lstStyle/>
+          <a:p>
+            <a:pPr algn="ctr"/>
+            <a:endParaRPr lang="da-DK"/>
+          </a:p>
+        </p:txBody>
+      </p:sp>
     </p:spTree>
     <p:extLst>
       <p:ext uri="{BB962C8B-B14F-4D97-AF65-F5344CB8AC3E}">
-        <p14:creationId xmlns:p14="http://schemas.microsoft.com/office/powerpoint/2010/main" val="107943323"/>
+        <p14:creationId xmlns:p14="http://schemas.microsoft.com/office/powerpoint/2010/main" val="2808058996"/>
       </p:ext>
     </p:extLst>
   </p:cSld>
@@ -6604,10 +7136,10 @@
       </p:grpSpPr>
       <p:pic>
         <p:nvPicPr>
-          <p:cNvPr id="8" name="Billede 7">
-            <a:extLst>
-              <a:ext uri="{FF2B5EF4-FFF2-40B4-BE49-F238E27FC236}">
-                <a16:creationId xmlns:a16="http://schemas.microsoft.com/office/drawing/2014/main" id="{6E48F85C-A6BC-A017-1AF0-44A592DA0781}"/>
+          <p:cNvPr id="3" name="Billede 2">
+            <a:extLst>
+              <a:ext uri="{FF2B5EF4-FFF2-40B4-BE49-F238E27FC236}">
+                <a16:creationId xmlns:a16="http://schemas.microsoft.com/office/drawing/2014/main" id="{3AC77E44-449F-72F1-3358-54D1BAD81E20}"/>
               </a:ext>
             </a:extLst>
           </p:cNvPr>
@@ -6624,18 +7156,70 @@
         </p:blipFill>
         <p:spPr>
           <a:xfrm>
-            <a:off x="1724298" y="497481"/>
-            <a:ext cx="7004159" cy="5742209"/>
+            <a:off x="1408339" y="661849"/>
+            <a:ext cx="9938657" cy="5435999"/>
           </a:xfrm>
           <a:prstGeom prst="rect">
             <a:avLst/>
           </a:prstGeom>
         </p:spPr>
       </p:pic>
+      <p:sp>
+        <p:nvSpPr>
+          <p:cNvPr id="5" name="Rektangel 4">
+            <a:extLst>
+              <a:ext uri="{FF2B5EF4-FFF2-40B4-BE49-F238E27FC236}">
+                <a16:creationId xmlns:a16="http://schemas.microsoft.com/office/drawing/2014/main" id="{F1ABE132-53E4-746E-85FC-C1DA97B6EDD6}"/>
+              </a:ext>
+            </a:extLst>
+          </p:cNvPr>
+          <p:cNvSpPr/>
+          <p:nvPr/>
+        </p:nvSpPr>
+        <p:spPr>
+          <a:xfrm>
+            <a:off x="10095139" y="1028701"/>
+            <a:ext cx="1143000" cy="393244"/>
+          </a:xfrm>
+          <a:prstGeom prst="rect">
+            <a:avLst/>
+          </a:prstGeom>
+          <a:noFill/>
+          <a:ln w="76200">
+            <a:solidFill>
+              <a:srgbClr val="FF0000"/>
+            </a:solidFill>
+          </a:ln>
+        </p:spPr>
+        <p:style>
+          <a:lnRef idx="2">
+            <a:schemeClr val="accent1">
+              <a:shade val="15000"/>
+            </a:schemeClr>
+          </a:lnRef>
+          <a:fillRef idx="1">
+            <a:schemeClr val="accent1"/>
+          </a:fillRef>
+          <a:effectRef idx="0">
+            <a:schemeClr val="accent1"/>
+          </a:effectRef>
+          <a:fontRef idx="minor">
+            <a:schemeClr val="lt1"/>
+          </a:fontRef>
+        </p:style>
+        <p:txBody>
+          <a:bodyPr rtlCol="0" anchor="ctr"/>
+          <a:lstStyle/>
+          <a:p>
+            <a:pPr algn="ctr"/>
+            <a:endParaRPr lang="da-DK"/>
+          </a:p>
+        </p:txBody>
+      </p:sp>
     </p:spTree>
     <p:extLst>
       <p:ext uri="{BB962C8B-B14F-4D97-AF65-F5344CB8AC3E}">
-        <p14:creationId xmlns:p14="http://schemas.microsoft.com/office/powerpoint/2010/main" val="2808058996"/>
+        <p14:creationId xmlns:p14="http://schemas.microsoft.com/office/powerpoint/2010/main" val="666766437"/>
       </p:ext>
     </p:extLst>
   </p:cSld>
@@ -6674,40 +7258,139 @@
           <a:chExt cx="0" cy="0"/>
         </a:xfrm>
       </p:grpSpPr>
-      <p:pic>
-        <p:nvPicPr>
-          <p:cNvPr id="4" name="Billede 3">
-            <a:extLst>
-              <a:ext uri="{FF2B5EF4-FFF2-40B4-BE49-F238E27FC236}">
-                <a16:creationId xmlns:a16="http://schemas.microsoft.com/office/drawing/2014/main" id="{B0F38500-4AFF-C8A8-C955-3702FD5AC486}"/>
-              </a:ext>
-            </a:extLst>
-          </p:cNvPr>
-          <p:cNvPicPr>
-            <a:picLocks noChangeAspect="1"/>
-          </p:cNvPicPr>
-          <p:nvPr/>
-        </p:nvPicPr>
-        <p:blipFill>
-          <a:blip r:embed="rId2"/>
-          <a:stretch>
-            <a:fillRect/>
-          </a:stretch>
-        </p:blipFill>
+      <p:sp>
+        <p:nvSpPr>
+          <p:cNvPr id="2" name="Titel 1">
+            <a:extLst>
+              <a:ext uri="{FF2B5EF4-FFF2-40B4-BE49-F238E27FC236}">
+                <a16:creationId xmlns:a16="http://schemas.microsoft.com/office/drawing/2014/main" id="{67A9A95C-72F0-4B2E-00E3-1AC450CF6306}"/>
+              </a:ext>
+            </a:extLst>
+          </p:cNvPr>
+          <p:cNvSpPr>
+            <a:spLocks noGrp="1"/>
+          </p:cNvSpPr>
+          <p:nvPr>
+            <p:ph type="title"/>
+          </p:nvPr>
+        </p:nvSpPr>
+        <p:spPr/>
+        <p:txBody>
+          <a:bodyPr/>
+          <a:lstStyle/>
+          <a:p>
+            <a:r>
+              <a:rPr lang="en-US" dirty="0"/>
+              <a:t>Web-apps </a:t>
+            </a:r>
+            <a:r>
+              <a:rPr lang="en-US" dirty="0" err="1"/>
+              <a:t>på</a:t>
+            </a:r>
+            <a:r>
+              <a:rPr lang="en-US" dirty="0"/>
+              <a:t> </a:t>
+            </a:r>
+            <a:r>
+              <a:rPr lang="en-US" b="1" i="1" dirty="0"/>
+              <a:t>Simply</a:t>
+            </a:r>
+            <a:endParaRPr lang="da-DK" b="1" i="1" dirty="0"/>
+          </a:p>
+        </p:txBody>
+      </p:sp>
+      <p:sp>
+        <p:nvSpPr>
+          <p:cNvPr id="3" name="Pladsholder til indhold 2">
+            <a:extLst>
+              <a:ext uri="{FF2B5EF4-FFF2-40B4-BE49-F238E27FC236}">
+                <a16:creationId xmlns:a16="http://schemas.microsoft.com/office/drawing/2014/main" id="{9C6A03F5-A404-2EDA-F3F9-2FC7992107BF}"/>
+              </a:ext>
+            </a:extLst>
+          </p:cNvPr>
+          <p:cNvSpPr>
+            <a:spLocks noGrp="1"/>
+          </p:cNvSpPr>
+          <p:nvPr>
+            <p:ph idx="1"/>
+          </p:nvPr>
+        </p:nvSpPr>
         <p:spPr>
           <a:xfrm>
-            <a:off x="1079862" y="710466"/>
-            <a:ext cx="10776857" cy="5196301"/>
+            <a:off x="838199" y="1825625"/>
+            <a:ext cx="10515599" cy="4351338"/>
           </a:xfrm>
-          <a:prstGeom prst="rect">
-            <a:avLst/>
-          </a:prstGeom>
         </p:spPr>
-      </p:pic>
+        <p:txBody>
+          <a:bodyPr/>
+          <a:lstStyle/>
+          <a:p>
+            <a:r>
+              <a:rPr lang="en-US">
+                <a:solidFill>
+                  <a:srgbClr val="FF0000"/>
+                </a:solidFill>
+              </a:rPr>
+              <a:t>NB</a:t>
+            </a:r>
+            <a:r>
+              <a:rPr lang="en-US"/>
+              <a:t>: Mere end ét subdomæne kan give lidt udfordringer… </a:t>
+            </a:r>
+          </a:p>
+          <a:p>
+            <a:r>
+              <a:rPr lang="en-US"/>
+              <a:t>Naturlig tanke: hver web-app kører på eget sub-domæne</a:t>
+            </a:r>
+          </a:p>
+          <a:p>
+            <a:r>
+              <a:rPr lang="en-US"/>
+              <a:t>Virker </a:t>
+            </a:r>
+            <a:r>
+              <a:rPr lang="en-US" u="sng"/>
+              <a:t>ikke</a:t>
+            </a:r>
+            <a:r>
+              <a:rPr lang="en-US"/>
+              <a:t> </a:t>
+            </a:r>
+            <a:r>
+              <a:rPr lang="en-US" i="1"/>
+              <a:t>out-of-the-box</a:t>
+            </a:r>
+            <a:r>
+              <a:rPr lang="en-US"/>
+              <a:t>!</a:t>
+            </a:r>
+            <a:endParaRPr lang="en-US" dirty="0"/>
+          </a:p>
+          <a:p>
+            <a:r>
+              <a:rPr lang="en-US"/>
+              <a:t>Den korte version: kun een web-app kan køre med hosting-modellen </a:t>
+            </a:r>
+            <a:r>
+              <a:rPr lang="en-US" b="1" i="1"/>
+              <a:t>inProcess</a:t>
+            </a:r>
+            <a:r>
+              <a:rPr lang="en-US"/>
+              <a:t> (default), alle andre skal køre </a:t>
+            </a:r>
+            <a:r>
+              <a:rPr lang="en-US" b="1" i="1"/>
+              <a:t>OutOfProcess</a:t>
+            </a:r>
+          </a:p>
+        </p:txBody>
+      </p:sp>
     </p:spTree>
     <p:extLst>
       <p:ext uri="{BB962C8B-B14F-4D97-AF65-F5344CB8AC3E}">
-        <p14:creationId xmlns:p14="http://schemas.microsoft.com/office/powerpoint/2010/main" val="666766437"/>
+        <p14:creationId xmlns:p14="http://schemas.microsoft.com/office/powerpoint/2010/main" val="2600088953"/>
       </p:ext>
     </p:extLst>
   </p:cSld>
@@ -6751,7 +7434,7 @@
           <p:cNvPr id="2" name="Titel 1">
             <a:extLst>
               <a:ext uri="{FF2B5EF4-FFF2-40B4-BE49-F238E27FC236}">
-                <a16:creationId xmlns:a16="http://schemas.microsoft.com/office/drawing/2014/main" id="{67A9A95C-72F0-4B2E-00E3-1AC450CF6306}"/>
+                <a16:creationId xmlns:a16="http://schemas.microsoft.com/office/drawing/2014/main" id="{81D42174-0178-E45D-343D-5DAC78B2762E}"/>
               </a:ext>
             </a:extLst>
           </p:cNvPr>
@@ -6783,7 +7466,7 @@
               <a:rPr lang="en-US" b="1" i="1" dirty="0"/>
               <a:t>Simply</a:t>
             </a:r>
-            <a:endParaRPr lang="da-DK" b="1" i="1" dirty="0"/>
+            <a:endParaRPr lang="da-DK" dirty="0"/>
           </a:p>
         </p:txBody>
       </p:sp>
@@ -6792,7 +7475,7 @@
           <p:cNvPr id="3" name="Pladsholder til indhold 2">
             <a:extLst>
               <a:ext uri="{FF2B5EF4-FFF2-40B4-BE49-F238E27FC236}">
-                <a16:creationId xmlns:a16="http://schemas.microsoft.com/office/drawing/2014/main" id="{9C6A03F5-A404-2EDA-F3F9-2FC7992107BF}"/>
+                <a16:creationId xmlns:a16="http://schemas.microsoft.com/office/drawing/2014/main" id="{FE58DE49-6CBF-C80D-90FE-982146EFCAEE}"/>
               </a:ext>
             </a:extLst>
           </p:cNvPr>
@@ -6806,7 +7489,7 @@
         <p:spPr>
           <a:xfrm>
             <a:off x="838200" y="1825625"/>
-            <a:ext cx="5395232" cy="4351338"/>
+            <a:ext cx="8452757" cy="4351338"/>
           </a:xfrm>
         </p:spPr>
         <p:txBody>
@@ -6814,220 +7497,49 @@
           <a:lstStyle/>
           <a:p>
             <a:r>
-              <a:rPr lang="en-US" dirty="0">
-                <a:solidFill>
-                  <a:srgbClr val="FF0000"/>
-                </a:solidFill>
-              </a:rPr>
-              <a:t>NB: </a:t>
-            </a:r>
-            <a:r>
-              <a:rPr lang="en-US" dirty="0" err="1">
-                <a:solidFill>
-                  <a:srgbClr val="FF0000"/>
-                </a:solidFill>
-              </a:rPr>
-              <a:t>Opret</a:t>
-            </a:r>
-            <a:r>
-              <a:rPr lang="en-US" dirty="0">
-                <a:solidFill>
-                  <a:srgbClr val="FF0000"/>
-                </a:solidFill>
-              </a:rPr>
-              <a:t> </a:t>
-            </a:r>
-            <a:r>
-              <a:rPr lang="en-US" dirty="0" err="1">
-                <a:solidFill>
-                  <a:srgbClr val="FF0000"/>
-                </a:solidFill>
-              </a:rPr>
-              <a:t>kun</a:t>
-            </a:r>
-            <a:r>
-              <a:rPr lang="en-US" dirty="0">
-                <a:solidFill>
-                  <a:srgbClr val="FF0000"/>
-                </a:solidFill>
-              </a:rPr>
-              <a:t> </a:t>
-            </a:r>
-            <a:r>
-              <a:rPr lang="en-US" dirty="0" err="1">
-                <a:solidFill>
-                  <a:srgbClr val="FF0000"/>
-                </a:solidFill>
-              </a:rPr>
-              <a:t>ét</a:t>
-            </a:r>
-            <a:r>
-              <a:rPr lang="en-US" dirty="0">
-                <a:solidFill>
-                  <a:srgbClr val="FF0000"/>
-                </a:solidFill>
-              </a:rPr>
-              <a:t> </a:t>
-            </a:r>
-            <a:r>
-              <a:rPr lang="en-US" dirty="0" err="1">
-                <a:solidFill>
-                  <a:srgbClr val="FF0000"/>
-                </a:solidFill>
-              </a:rPr>
-              <a:t>subdomæne</a:t>
-            </a:r>
-            <a:r>
-              <a:rPr lang="en-US" dirty="0">
-                <a:solidFill>
-                  <a:srgbClr val="FF0000"/>
-                </a:solidFill>
-              </a:rPr>
-              <a:t>!! </a:t>
-            </a:r>
-          </a:p>
-          <a:p>
-            <a:r>
-              <a:rPr lang="en-US" dirty="0"/>
-              <a:t>Det er (</a:t>
-            </a:r>
-            <a:r>
-              <a:rPr lang="en-US" dirty="0" err="1"/>
-              <a:t>tilsyneladende</a:t>
-            </a:r>
-            <a:r>
-              <a:rPr lang="en-US" dirty="0"/>
-              <a:t>) </a:t>
-            </a:r>
-            <a:r>
-              <a:rPr lang="en-US" u="sng" dirty="0" err="1"/>
-              <a:t>ikke</a:t>
-            </a:r>
-            <a:r>
-              <a:rPr lang="en-US" dirty="0"/>
-              <a:t> </a:t>
-            </a:r>
-            <a:r>
-              <a:rPr lang="en-US" dirty="0" err="1"/>
-              <a:t>sådan</a:t>
-            </a:r>
-            <a:r>
-              <a:rPr lang="en-US" dirty="0"/>
-              <a:t>, at man bare </a:t>
-            </a:r>
-            <a:r>
-              <a:rPr lang="en-US" dirty="0" err="1"/>
-              <a:t>kan</a:t>
-            </a:r>
-            <a:r>
-              <a:rPr lang="en-US" dirty="0"/>
-              <a:t> </a:t>
-            </a:r>
-            <a:r>
-              <a:rPr lang="en-US" dirty="0" err="1"/>
-              <a:t>oprette</a:t>
-            </a:r>
-            <a:r>
-              <a:rPr lang="en-US" dirty="0"/>
-              <a:t> </a:t>
-            </a:r>
-            <a:r>
-              <a:rPr lang="en-US" dirty="0" err="1"/>
-              <a:t>flere</a:t>
-            </a:r>
-            <a:r>
-              <a:rPr lang="en-US" dirty="0"/>
-              <a:t> sub-</a:t>
-            </a:r>
-            <a:r>
-              <a:rPr lang="en-US" dirty="0" err="1"/>
-              <a:t>domæner</a:t>
-            </a:r>
-            <a:r>
-              <a:rPr lang="en-US" dirty="0"/>
-              <a:t>, </a:t>
-            </a:r>
-            <a:r>
-              <a:rPr lang="en-US" dirty="0" err="1"/>
-              <a:t>og</a:t>
-            </a:r>
-            <a:r>
-              <a:rPr lang="en-US" dirty="0"/>
-              <a:t> </a:t>
-            </a:r>
-            <a:r>
-              <a:rPr lang="en-US" dirty="0" err="1"/>
-              <a:t>køre</a:t>
-            </a:r>
-            <a:r>
-              <a:rPr lang="en-US" dirty="0"/>
-              <a:t> </a:t>
-            </a:r>
-            <a:r>
-              <a:rPr lang="en-US" dirty="0" err="1"/>
-              <a:t>en</a:t>
-            </a:r>
-            <a:r>
-              <a:rPr lang="en-US" dirty="0"/>
-              <a:t> web-app </a:t>
-            </a:r>
-            <a:r>
-              <a:rPr lang="en-US" dirty="0" err="1"/>
-              <a:t>på</a:t>
-            </a:r>
-            <a:r>
-              <a:rPr lang="en-US" dirty="0"/>
-              <a:t> </a:t>
-            </a:r>
-            <a:r>
-              <a:rPr lang="en-US" dirty="0" err="1"/>
-              <a:t>hvert</a:t>
-            </a:r>
-            <a:r>
-              <a:rPr lang="en-US" dirty="0"/>
-              <a:t> sub-</a:t>
-            </a:r>
-            <a:r>
-              <a:rPr lang="en-US" dirty="0" err="1"/>
-              <a:t>domæne</a:t>
-            </a:r>
-            <a:r>
-              <a:rPr lang="en-US" dirty="0"/>
-              <a:t>!</a:t>
-            </a:r>
-          </a:p>
-          <a:p>
-            <a:r>
-              <a:rPr lang="en-US" dirty="0" err="1"/>
-              <a:t>Jeg</a:t>
-            </a:r>
-            <a:r>
-              <a:rPr lang="en-US" dirty="0"/>
-              <a:t> </a:t>
-            </a:r>
-            <a:r>
-              <a:rPr lang="en-US" dirty="0" err="1"/>
-              <a:t>prøvede</a:t>
-            </a:r>
-            <a:r>
-              <a:rPr lang="en-US" dirty="0"/>
-              <a:t>…</a:t>
-            </a:r>
+              <a:rPr lang="da-DK"/>
+              <a:t>Nemmeste </a:t>
+            </a:r>
+            <a:r>
+              <a:rPr lang="da-DK" dirty="0"/>
+              <a:t>løsning: </a:t>
+            </a:r>
+            <a:r>
+              <a:rPr lang="da-DK" b="1" dirty="0"/>
+              <a:t>lav ét sub-domæne, og publicer altid til dette! </a:t>
+            </a:r>
+          </a:p>
+          <a:p>
+            <a:r>
+              <a:rPr lang="da-DK" dirty="0"/>
+              <a:t>Man kan sagtens publicere flere apps til samme sub-domæne, de vil så ”bare” overskrive hinanden.</a:t>
+            </a:r>
+          </a:p>
+          <a:p>
+            <a:r>
+              <a:rPr lang="da-DK"/>
+              <a:t>Ingen tvungen sammenhæng mellem en apps navn og det sub-domæne den kører i</a:t>
+            </a:r>
+          </a:p>
+          <a:p>
+            <a:pPr marL="0" indent="0">
+              <a:buNone/>
+            </a:pPr>
             <a:endParaRPr lang="da-DK" dirty="0"/>
           </a:p>
         </p:txBody>
       </p:sp>
       <p:pic>
         <p:nvPicPr>
-          <p:cNvPr id="1026" name="Picture 2" descr="16. Same Goes For Your Feet. GIF - Youre Entering A World Of Pain Pain The  Big Lebowski - Discover &amp; Share GIFs">
-            <a:extLst>
-              <a:ext uri="{FF2B5EF4-FFF2-40B4-BE49-F238E27FC236}">
-                <a16:creationId xmlns:a16="http://schemas.microsoft.com/office/drawing/2014/main" id="{A7FC5E0F-A0F6-4423-0D4E-38DA9B3F9CED}"/>
+          <p:cNvPr id="4" name="Grafik 3" descr="Tommelfingeren opad med massiv udfyldning">
+            <a:extLst>
+              <a:ext uri="{FF2B5EF4-FFF2-40B4-BE49-F238E27FC236}">
+                <a16:creationId xmlns:a16="http://schemas.microsoft.com/office/drawing/2014/main" id="{365768C6-219B-25B7-5F51-A8E5DEA2F0D3}"/>
               </a:ext>
             </a:extLst>
           </p:cNvPr>
           <p:cNvPicPr>
-            <a:picLocks noChangeAspect="1" noChangeArrowheads="1"/>
+            <a:picLocks noChangeAspect="1"/>
           </p:cNvPicPr>
           <p:nvPr/>
         </p:nvPicPr>
@@ -7037,37 +7549,29 @@
               <a:ext uri="{28A0092B-C50C-407E-A947-70E740481C1C}">
                 <a14:useLocalDpi xmlns:a14="http://schemas.microsoft.com/office/drawing/2010/main" val="0"/>
               </a:ext>
+              <a:ext uri="{96DAC541-7B7A-43D3-8B79-37D633B846F1}">
+                <asvg:svgBlip xmlns:asvg="http://schemas.microsoft.com/office/drawing/2016/SVG/main" r:embed="rId3"/>
+              </a:ext>
             </a:extLst>
           </a:blip>
-          <a:srcRect/>
           <a:stretch>
             <a:fillRect/>
           </a:stretch>
         </p:blipFill>
-        <p:spPr bwMode="auto">
+        <p:spPr>
           <a:xfrm>
-            <a:off x="7319554" y="2301470"/>
-            <a:ext cx="4431574" cy="2366461"/>
+            <a:off x="9492341" y="1240971"/>
+            <a:ext cx="1349829" cy="1349829"/>
           </a:xfrm>
           <a:prstGeom prst="rect">
             <a:avLst/>
           </a:prstGeom>
-          <a:noFill/>
-          <a:extLst>
-            <a:ext uri="{909E8E84-426E-40DD-AFC4-6F175D3DCCD1}">
-              <a14:hiddenFill xmlns:a14="http://schemas.microsoft.com/office/drawing/2010/main">
-                <a:solidFill>
-                  <a:srgbClr val="FFFFFF"/>
-                </a:solidFill>
-              </a14:hiddenFill>
-            </a:ext>
-          </a:extLst>
         </p:spPr>
       </p:pic>
     </p:spTree>
     <p:extLst>
       <p:ext uri="{BB962C8B-B14F-4D97-AF65-F5344CB8AC3E}">
-        <p14:creationId xmlns:p14="http://schemas.microsoft.com/office/powerpoint/2010/main" val="2600088953"/>
+        <p14:creationId xmlns:p14="http://schemas.microsoft.com/office/powerpoint/2010/main" val="3885272486"/>
       </p:ext>
     </p:extLst>
   </p:cSld>
@@ -7166,7 +7670,7 @@
         <p:spPr>
           <a:xfrm>
             <a:off x="838200" y="1825625"/>
-            <a:ext cx="8452757" cy="4351338"/>
+            <a:ext cx="8452757" cy="2248354"/>
           </a:xfrm>
         </p:spPr>
         <p:txBody>
@@ -7174,46 +7678,253 @@
           <a:lstStyle/>
           <a:p>
             <a:r>
-              <a:rPr lang="da-DK" dirty="0"/>
-              <a:t>Ifølge den – i øvrigt flinke og dygtige – support, er </a:t>
-            </a:r>
-            <a:r>
-              <a:rPr lang="da-DK" dirty="0" err="1"/>
-              <a:t>ASP.Net</a:t>
-            </a:r>
-            <a:r>
-              <a:rPr lang="da-DK" dirty="0"/>
-              <a:t> Core apps sat op på en måde, så der kun kan køre en af gangen…</a:t>
-            </a:r>
-          </a:p>
-          <a:p>
-            <a:r>
-              <a:rPr lang="da-DK" dirty="0"/>
-              <a:t>Nemmeste løsning: </a:t>
-            </a:r>
-            <a:r>
-              <a:rPr lang="da-DK" b="1" dirty="0"/>
-              <a:t>lav ét sub-domæne, og publicer altid til dette! </a:t>
-            </a:r>
-          </a:p>
-          <a:p>
-            <a:r>
-              <a:rPr lang="da-DK" dirty="0"/>
-              <a:t>Man kan sagtens publicere flere apps til samme sub-domæne, de vil så ”bare” overskrive hinanden.</a:t>
-            </a:r>
-          </a:p>
-          <a:p>
-            <a:r>
-              <a:rPr lang="da-DK" dirty="0"/>
-              <a:t>Der kommer (måske) mere info om dette.</a:t>
-            </a:r>
-          </a:p>
-        </p:txBody>
-      </p:sp>
+              <a:rPr lang="da-DK"/>
+              <a:t>Alternativ løsning A: </a:t>
+            </a:r>
+            <a:r>
+              <a:rPr lang="da-DK" b="1"/>
+              <a:t>tilpas .csproj-filen i Visual Studio</a:t>
+            </a:r>
+          </a:p>
+          <a:p>
+            <a:r>
+              <a:rPr lang="da-DK"/>
+              <a:t>I dit RazorPages-projekt i Visual Studio:</a:t>
+            </a:r>
+          </a:p>
+          <a:p>
+            <a:pPr lvl="1"/>
+            <a:r>
+              <a:rPr lang="da-DK"/>
+              <a:t>Højreklik på projektet i </a:t>
+            </a:r>
+            <a:r>
+              <a:rPr lang="da-DK" b="1"/>
+              <a:t>Solution Explorer</a:t>
+            </a:r>
+          </a:p>
+          <a:p>
+            <a:pPr lvl="1"/>
+            <a:r>
+              <a:rPr lang="da-DK"/>
+              <a:t>Vælg </a:t>
+            </a:r>
+            <a:r>
+              <a:rPr lang="da-DK" b="1"/>
+              <a:t>Edit Project File</a:t>
+            </a:r>
+          </a:p>
+          <a:p>
+            <a:pPr lvl="1"/>
+            <a:r>
+              <a:rPr lang="da-DK"/>
+              <a:t>Tilføj to linjer til filen</a:t>
+            </a:r>
+            <a:endParaRPr lang="da-DK" dirty="0"/>
+          </a:p>
+        </p:txBody>
+      </p:sp>
+      <p:pic>
+        <p:nvPicPr>
+          <p:cNvPr id="5" name="Billede 4">
+            <a:extLst>
+              <a:ext uri="{FF2B5EF4-FFF2-40B4-BE49-F238E27FC236}">
+                <a16:creationId xmlns:a16="http://schemas.microsoft.com/office/drawing/2014/main" id="{E9886FBE-EFB9-1D1F-6C07-4AA85676A580}"/>
+              </a:ext>
+            </a:extLst>
+          </p:cNvPr>
+          <p:cNvPicPr>
+            <a:picLocks noChangeAspect="1"/>
+          </p:cNvPicPr>
+          <p:nvPr/>
+        </p:nvPicPr>
+        <p:blipFill>
+          <a:blip r:embed="rId2"/>
+          <a:stretch>
+            <a:fillRect/>
+          </a:stretch>
+        </p:blipFill>
+        <p:spPr>
+          <a:xfrm>
+            <a:off x="6902904" y="4648132"/>
+            <a:ext cx="4983615" cy="1844743"/>
+          </a:xfrm>
+          <a:prstGeom prst="rect">
+            <a:avLst/>
+          </a:prstGeom>
+        </p:spPr>
+      </p:pic>
+      <p:pic>
+        <p:nvPicPr>
+          <p:cNvPr id="7" name="Billede 6">
+            <a:extLst>
+              <a:ext uri="{FF2B5EF4-FFF2-40B4-BE49-F238E27FC236}">
+                <a16:creationId xmlns:a16="http://schemas.microsoft.com/office/drawing/2014/main" id="{AF42ECEA-C3BD-5BAB-FE22-4BD2846EBC1E}"/>
+              </a:ext>
+            </a:extLst>
+          </p:cNvPr>
+          <p:cNvPicPr>
+            <a:picLocks noChangeAspect="1"/>
+          </p:cNvPicPr>
+          <p:nvPr/>
+        </p:nvPicPr>
+        <p:blipFill>
+          <a:blip r:embed="rId3"/>
+          <a:stretch>
+            <a:fillRect/>
+          </a:stretch>
+        </p:blipFill>
+        <p:spPr>
+          <a:xfrm>
+            <a:off x="669472" y="4648131"/>
+            <a:ext cx="4081438" cy="1844743"/>
+          </a:xfrm>
+          <a:prstGeom prst="rect">
+            <a:avLst/>
+          </a:prstGeom>
+        </p:spPr>
+      </p:pic>
+      <p:sp>
+        <p:nvSpPr>
+          <p:cNvPr id="8" name="Rektangel 7">
+            <a:extLst>
+              <a:ext uri="{FF2B5EF4-FFF2-40B4-BE49-F238E27FC236}">
+                <a16:creationId xmlns:a16="http://schemas.microsoft.com/office/drawing/2014/main" id="{F8CC5950-9062-3EA1-BB9A-AAB62086CA80}"/>
+              </a:ext>
+            </a:extLst>
+          </p:cNvPr>
+          <p:cNvSpPr/>
+          <p:nvPr/>
+        </p:nvSpPr>
+        <p:spPr>
+          <a:xfrm>
+            <a:off x="7768317" y="5514975"/>
+            <a:ext cx="4118202" cy="326572"/>
+          </a:xfrm>
+          <a:prstGeom prst="rect">
+            <a:avLst/>
+          </a:prstGeom>
+          <a:noFill/>
+          <a:ln w="38100">
+            <a:solidFill>
+              <a:srgbClr val="FF0000"/>
+            </a:solidFill>
+          </a:ln>
+        </p:spPr>
+        <p:style>
+          <a:lnRef idx="2">
+            <a:schemeClr val="accent1">
+              <a:shade val="15000"/>
+            </a:schemeClr>
+          </a:lnRef>
+          <a:fillRef idx="1">
+            <a:schemeClr val="accent1"/>
+          </a:fillRef>
+          <a:effectRef idx="0">
+            <a:schemeClr val="accent1"/>
+          </a:effectRef>
+          <a:fontRef idx="minor">
+            <a:schemeClr val="lt1"/>
+          </a:fontRef>
+        </p:style>
+        <p:txBody>
+          <a:bodyPr rtlCol="0" anchor="ctr"/>
+          <a:lstStyle/>
+          <a:p>
+            <a:pPr algn="ctr"/>
+            <a:endParaRPr lang="da-DK"/>
+          </a:p>
+        </p:txBody>
+      </p:sp>
+      <p:sp>
+        <p:nvSpPr>
+          <p:cNvPr id="9" name="Pil: højre 8">
+            <a:extLst>
+              <a:ext uri="{FF2B5EF4-FFF2-40B4-BE49-F238E27FC236}">
+                <a16:creationId xmlns:a16="http://schemas.microsoft.com/office/drawing/2014/main" id="{56ED6203-3ED0-7BAB-4A97-52A42AF27C21}"/>
+              </a:ext>
+            </a:extLst>
+          </p:cNvPr>
+          <p:cNvSpPr/>
+          <p:nvPr/>
+        </p:nvSpPr>
+        <p:spPr>
+          <a:xfrm>
+            <a:off x="5106408" y="5170452"/>
+            <a:ext cx="1440997" cy="800100"/>
+          </a:xfrm>
+          <a:prstGeom prst="rightArrow">
+            <a:avLst/>
+          </a:prstGeom>
+        </p:spPr>
+        <p:style>
+          <a:lnRef idx="2">
+            <a:schemeClr val="accent1">
+              <a:shade val="15000"/>
+            </a:schemeClr>
+          </a:lnRef>
+          <a:fillRef idx="1">
+            <a:schemeClr val="accent1"/>
+          </a:fillRef>
+          <a:effectRef idx="0">
+            <a:schemeClr val="accent1"/>
+          </a:effectRef>
+          <a:fontRef idx="minor">
+            <a:schemeClr val="lt1"/>
+          </a:fontRef>
+        </p:style>
+        <p:txBody>
+          <a:bodyPr rtlCol="0" anchor="ctr"/>
+          <a:lstStyle/>
+          <a:p>
+            <a:pPr algn="ctr"/>
+            <a:endParaRPr lang="da-DK"/>
+          </a:p>
+        </p:txBody>
+      </p:sp>
+      <p:pic>
+        <p:nvPicPr>
+          <p:cNvPr id="11" name="Grafik 10" descr="Tommelfingeren opad med massiv udfyldning">
+            <a:extLst>
+              <a:ext uri="{FF2B5EF4-FFF2-40B4-BE49-F238E27FC236}">
+                <a16:creationId xmlns:a16="http://schemas.microsoft.com/office/drawing/2014/main" id="{2CE256F0-5D0D-7D4D-1E7C-1F3B9FCABDCA}"/>
+              </a:ext>
+            </a:extLst>
+          </p:cNvPr>
+          <p:cNvPicPr>
+            <a:picLocks noChangeAspect="1"/>
+          </p:cNvPicPr>
+          <p:nvPr/>
+        </p:nvPicPr>
+        <p:blipFill>
+          <a:blip r:embed="rId4">
+            <a:extLst>
+              <a:ext uri="{28A0092B-C50C-407E-A947-70E740481C1C}">
+                <a14:useLocalDpi xmlns:a14="http://schemas.microsoft.com/office/drawing/2010/main" val="0"/>
+              </a:ext>
+              <a:ext uri="{96DAC541-7B7A-43D3-8B79-37D633B846F1}">
+                <asvg:svgBlip xmlns:asvg="http://schemas.microsoft.com/office/drawing/2016/SVG/main" r:embed="rId5"/>
+              </a:ext>
+            </a:extLst>
+          </a:blip>
+          <a:stretch>
+            <a:fillRect/>
+          </a:stretch>
+        </p:blipFill>
+        <p:spPr>
+          <a:xfrm>
+            <a:off x="9492341" y="1240971"/>
+            <a:ext cx="1349829" cy="1349829"/>
+          </a:xfrm>
+          <a:prstGeom prst="rect">
+            <a:avLst/>
+          </a:prstGeom>
+        </p:spPr>
+      </p:pic>
     </p:spTree>
     <p:extLst>
       <p:ext uri="{BB962C8B-B14F-4D97-AF65-F5344CB8AC3E}">
-        <p14:creationId xmlns:p14="http://schemas.microsoft.com/office/powerpoint/2010/main" val="3885272486"/>
+        <p14:creationId xmlns:p14="http://schemas.microsoft.com/office/powerpoint/2010/main" val="2801685873"/>
       </p:ext>
     </p:extLst>
   </p:cSld>
@@ -7311,50 +8022,80 @@
         </p:nvSpPr>
         <p:spPr>
           <a:xfrm>
-            <a:off x="838200" y="1825625"/>
-            <a:ext cx="8452757" cy="4351338"/>
+            <a:off x="838201" y="1825624"/>
+            <a:ext cx="8158842" cy="4620080"/>
           </a:xfrm>
         </p:spPr>
         <p:txBody>
-          <a:bodyPr/>
+          <a:bodyPr>
+            <a:normAutofit/>
+          </a:bodyPr>
           <a:lstStyle/>
           <a:p>
             <a:r>
-              <a:rPr lang="da-DK" dirty="0"/>
-              <a:t>Lad være med at bruge for meget mental energi på </a:t>
-            </a:r>
-            <a:r>
-              <a:rPr lang="da-DK" dirty="0" err="1"/>
-              <a:t>Publish</a:t>
-            </a:r>
-            <a:r>
-              <a:rPr lang="da-DK" dirty="0"/>
-              <a:t>-aspektet her i starten</a:t>
-            </a:r>
-          </a:p>
-          <a:p>
-            <a:r>
-              <a:rPr lang="da-DK" dirty="0"/>
-              <a:t>Det er ikke et decideret krav, at apps kører hostet.</a:t>
-            </a:r>
-          </a:p>
-          <a:p>
-            <a:r>
-              <a:rPr lang="da-DK" dirty="0"/>
-              <a:t>Skal ikke ”tænkes ind fra </a:t>
-            </a:r>
-            <a:r>
               <a:rPr lang="da-DK"/>
-              <a:t>start”, når en app laves</a:t>
-            </a:r>
-            <a:endParaRPr lang="da-DK" dirty="0"/>
+              <a:t>Alternativ løsning B: </a:t>
+            </a:r>
+            <a:r>
+              <a:rPr lang="da-DK" b="1"/>
+              <a:t>tilpas web.config-filen på Simply.com</a:t>
+            </a:r>
+          </a:p>
+          <a:p>
+            <a:r>
+              <a:rPr lang="da-DK"/>
+              <a:t>I din publicerede web-app, brug </a:t>
+            </a:r>
+            <a:r>
+              <a:rPr lang="da-DK" b="1"/>
+              <a:t>File Manager</a:t>
+            </a:r>
+            <a:r>
+              <a:rPr lang="da-DK"/>
+              <a:t>:</a:t>
+            </a:r>
+          </a:p>
+          <a:p>
+            <a:pPr lvl="1"/>
+            <a:r>
+              <a:rPr lang="da-DK"/>
+              <a:t>Gå ned i mappen for din web-app</a:t>
+            </a:r>
+          </a:p>
+          <a:p>
+            <a:pPr lvl="1"/>
+            <a:r>
+              <a:rPr lang="da-DK"/>
+              <a:t>Find filen </a:t>
+            </a:r>
+            <a:r>
+              <a:rPr lang="da-DK" b="1"/>
+              <a:t>web.config </a:t>
+            </a:r>
+            <a:r>
+              <a:rPr lang="da-DK"/>
+              <a:t>(plejer at ligge sidst)</a:t>
+            </a:r>
+          </a:p>
+          <a:p>
+            <a:pPr lvl="1"/>
+            <a:r>
+              <a:rPr lang="da-DK"/>
+              <a:t>Redigér filen to steder (se figur på næste slide)</a:t>
+            </a:r>
+          </a:p>
+          <a:p>
+            <a:r>
+              <a:rPr lang="da-DK" b="1"/>
+              <a:t>NB: Skal gøres efter hver Publish!</a:t>
+            </a:r>
           </a:p>
         </p:txBody>
       </p:sp>
     </p:spTree>
     <p:extLst>
       <p:ext uri="{BB962C8B-B14F-4D97-AF65-F5344CB8AC3E}">
-        <p14:creationId xmlns:p14="http://schemas.microsoft.com/office/powerpoint/2010/main" val="1420059723"/>
+        <p14:creationId xmlns:p14="http://schemas.microsoft.com/office/powerpoint/2010/main" val="3677221490"/>
       </p:ext>
     </p:extLst>
   </p:cSld>
@@ -7395,10 +8136,10 @@
       </p:grpSpPr>
       <p:pic>
         <p:nvPicPr>
-          <p:cNvPr id="7" name="Billede 6">
-            <a:extLst>
-              <a:ext uri="{FF2B5EF4-FFF2-40B4-BE49-F238E27FC236}">
-                <a16:creationId xmlns:a16="http://schemas.microsoft.com/office/drawing/2014/main" id="{D28D8BBE-1BDE-F864-A116-5FA9FD50FD69}"/>
+          <p:cNvPr id="3" name="Billede 2">
+            <a:extLst>
+              <a:ext uri="{FF2B5EF4-FFF2-40B4-BE49-F238E27FC236}">
+                <a16:creationId xmlns:a16="http://schemas.microsoft.com/office/drawing/2014/main" id="{17E7CF05-E9DA-930D-372F-056425BEE518}"/>
               </a:ext>
             </a:extLst>
           </p:cNvPr>
@@ -7415,18 +8156,388 @@
         </p:blipFill>
         <p:spPr>
           <a:xfrm>
-            <a:off x="640080" y="630691"/>
-            <a:ext cx="10972800" cy="3592182"/>
+            <a:off x="701039" y="734780"/>
+            <a:ext cx="10955383" cy="4849724"/>
           </a:xfrm>
           <a:prstGeom prst="rect">
             <a:avLst/>
           </a:prstGeom>
         </p:spPr>
       </p:pic>
+      <p:sp>
+        <p:nvSpPr>
+          <p:cNvPr id="4" name="Rektangel 3">
+            <a:extLst>
+              <a:ext uri="{FF2B5EF4-FFF2-40B4-BE49-F238E27FC236}">
+                <a16:creationId xmlns:a16="http://schemas.microsoft.com/office/drawing/2014/main" id="{5928F32D-29B8-CCCB-6029-1F0569E80EA1}"/>
+              </a:ext>
+            </a:extLst>
+          </p:cNvPr>
+          <p:cNvSpPr/>
+          <p:nvPr/>
+        </p:nvSpPr>
+        <p:spPr>
+          <a:xfrm>
+            <a:off x="1485900" y="926645"/>
+            <a:ext cx="2711631" cy="346851"/>
+          </a:xfrm>
+          <a:prstGeom prst="rect">
+            <a:avLst/>
+          </a:prstGeom>
+          <a:noFill/>
+          <a:ln w="76200">
+            <a:solidFill>
+              <a:srgbClr val="FF0000"/>
+            </a:solidFill>
+          </a:ln>
+        </p:spPr>
+        <p:style>
+          <a:lnRef idx="2">
+            <a:schemeClr val="accent1">
+              <a:shade val="15000"/>
+            </a:schemeClr>
+          </a:lnRef>
+          <a:fillRef idx="1">
+            <a:schemeClr val="accent1"/>
+          </a:fillRef>
+          <a:effectRef idx="0">
+            <a:schemeClr val="accent1"/>
+          </a:effectRef>
+          <a:fontRef idx="minor">
+            <a:schemeClr val="lt1"/>
+          </a:fontRef>
+        </p:style>
+        <p:txBody>
+          <a:bodyPr rtlCol="0" anchor="ctr"/>
+          <a:lstStyle/>
+          <a:p>
+            <a:pPr algn="ctr"/>
+            <a:endParaRPr lang="da-DK"/>
+          </a:p>
+        </p:txBody>
+      </p:sp>
     </p:spTree>
     <p:extLst>
       <p:ext uri="{BB962C8B-B14F-4D97-AF65-F5344CB8AC3E}">
         <p14:creationId xmlns:p14="http://schemas.microsoft.com/office/powerpoint/2010/main" val="2863825526"/>
+      </p:ext>
+    </p:extLst>
+  </p:cSld>
+  <p:clrMapOvr>
+    <a:masterClrMapping/>
+  </p:clrMapOvr>
+  <mc:AlternateContent xmlns:mc="http://schemas.openxmlformats.org/markup-compatibility/2006" xmlns:p14="http://schemas.microsoft.com/office/powerpoint/2010/main">
+    <mc:Choice Requires="p14">
+      <p:transition spd="med" p14:dur="700">
+        <p:fade/>
+      </p:transition>
+    </mc:Choice>
+    <mc:Fallback xmlns="">
+      <p:transition spd="med">
+        <p:fade/>
+      </p:transition>
+    </mc:Fallback>
+  </mc:AlternateContent>
+</p:sld>
+</file>
+
+<file path=ppt/slides/slide30.xml><?xml version="1.0" encoding="utf-8"?>
+<p:sld xmlns:a="http://schemas.openxmlformats.org/drawingml/2006/main" xmlns:r="http://schemas.openxmlformats.org/officeDocument/2006/relationships" xmlns:p="http://schemas.openxmlformats.org/presentationml/2006/main">
+  <p:cSld>
+    <p:spTree>
+      <p:nvGrpSpPr>
+        <p:cNvPr id="1" name=""/>
+        <p:cNvGrpSpPr/>
+        <p:nvPr/>
+      </p:nvGrpSpPr>
+      <p:grpSpPr>
+        <a:xfrm>
+          <a:off x="0" y="0"/>
+          <a:ext cx="0" cy="0"/>
+          <a:chOff x="0" y="0"/>
+          <a:chExt cx="0" cy="0"/>
+        </a:xfrm>
+      </p:grpSpPr>
+      <p:pic>
+        <p:nvPicPr>
+          <p:cNvPr id="11" name="Billede 10">
+            <a:extLst>
+              <a:ext uri="{FF2B5EF4-FFF2-40B4-BE49-F238E27FC236}">
+                <a16:creationId xmlns:a16="http://schemas.microsoft.com/office/drawing/2014/main" id="{C4FC7F9E-576B-4B78-96D4-A742F86DF657}"/>
+              </a:ext>
+            </a:extLst>
+          </p:cNvPr>
+          <p:cNvPicPr>
+            <a:picLocks noChangeAspect="1"/>
+          </p:cNvPicPr>
+          <p:nvPr/>
+        </p:nvPicPr>
+        <p:blipFill>
+          <a:blip r:embed="rId2"/>
+          <a:stretch>
+            <a:fillRect/>
+          </a:stretch>
+        </p:blipFill>
+        <p:spPr>
+          <a:xfrm>
+            <a:off x="314324" y="862761"/>
+            <a:ext cx="11483760" cy="4248082"/>
+          </a:xfrm>
+          <a:prstGeom prst="rect">
+            <a:avLst/>
+          </a:prstGeom>
+        </p:spPr>
+      </p:pic>
+      <p:sp>
+        <p:nvSpPr>
+          <p:cNvPr id="4" name="Rektangel 3">
+            <a:extLst>
+              <a:ext uri="{FF2B5EF4-FFF2-40B4-BE49-F238E27FC236}">
+                <a16:creationId xmlns:a16="http://schemas.microsoft.com/office/drawing/2014/main" id="{5616838D-D1AA-A42E-F26C-1B092E7188F1}"/>
+              </a:ext>
+            </a:extLst>
+          </p:cNvPr>
+          <p:cNvSpPr/>
+          <p:nvPr/>
+        </p:nvSpPr>
+        <p:spPr>
+          <a:xfrm>
+            <a:off x="4506685" y="3196318"/>
+            <a:ext cx="2147208" cy="326572"/>
+          </a:xfrm>
+          <a:prstGeom prst="rect">
+            <a:avLst/>
+          </a:prstGeom>
+          <a:noFill/>
+          <a:ln w="38100">
+            <a:solidFill>
+              <a:srgbClr val="FF0000"/>
+            </a:solidFill>
+          </a:ln>
+        </p:spPr>
+        <p:style>
+          <a:lnRef idx="2">
+            <a:schemeClr val="accent1">
+              <a:shade val="15000"/>
+            </a:schemeClr>
+          </a:lnRef>
+          <a:fillRef idx="1">
+            <a:schemeClr val="accent1"/>
+          </a:fillRef>
+          <a:effectRef idx="0">
+            <a:schemeClr val="accent1"/>
+          </a:effectRef>
+          <a:fontRef idx="minor">
+            <a:schemeClr val="lt1"/>
+          </a:fontRef>
+        </p:style>
+        <p:txBody>
+          <a:bodyPr rtlCol="0" anchor="ctr"/>
+          <a:lstStyle/>
+          <a:p>
+            <a:pPr algn="ctr"/>
+            <a:endParaRPr lang="da-DK"/>
+          </a:p>
+        </p:txBody>
+      </p:sp>
+      <p:sp>
+        <p:nvSpPr>
+          <p:cNvPr id="5" name="Rektangel 4">
+            <a:extLst>
+              <a:ext uri="{FF2B5EF4-FFF2-40B4-BE49-F238E27FC236}">
+                <a16:creationId xmlns:a16="http://schemas.microsoft.com/office/drawing/2014/main" id="{50FB72D3-3638-A408-0640-1155C8034006}"/>
+              </a:ext>
+            </a:extLst>
+          </p:cNvPr>
+          <p:cNvSpPr/>
+          <p:nvPr/>
+        </p:nvSpPr>
+        <p:spPr>
+          <a:xfrm>
+            <a:off x="8900431" y="3671207"/>
+            <a:ext cx="2260148" cy="326572"/>
+          </a:xfrm>
+          <a:prstGeom prst="rect">
+            <a:avLst/>
+          </a:prstGeom>
+          <a:noFill/>
+          <a:ln w="38100">
+            <a:solidFill>
+              <a:srgbClr val="FF0000"/>
+            </a:solidFill>
+          </a:ln>
+        </p:spPr>
+        <p:style>
+          <a:lnRef idx="2">
+            <a:schemeClr val="accent1">
+              <a:shade val="15000"/>
+            </a:schemeClr>
+          </a:lnRef>
+          <a:fillRef idx="1">
+            <a:schemeClr val="accent1"/>
+          </a:fillRef>
+          <a:effectRef idx="0">
+            <a:schemeClr val="accent1"/>
+          </a:effectRef>
+          <a:fontRef idx="minor">
+            <a:schemeClr val="lt1"/>
+          </a:fontRef>
+        </p:style>
+        <p:txBody>
+          <a:bodyPr rtlCol="0" anchor="ctr"/>
+          <a:lstStyle/>
+          <a:p>
+            <a:pPr algn="ctr"/>
+            <a:endParaRPr lang="da-DK"/>
+          </a:p>
+        </p:txBody>
+      </p:sp>
+    </p:spTree>
+    <p:extLst>
+      <p:ext uri="{BB962C8B-B14F-4D97-AF65-F5344CB8AC3E}">
+        <p14:creationId xmlns:p14="http://schemas.microsoft.com/office/powerpoint/2010/main" val="1523910917"/>
+      </p:ext>
+    </p:extLst>
+  </p:cSld>
+  <p:clrMapOvr>
+    <a:masterClrMapping/>
+  </p:clrMapOvr>
+  <mc:AlternateContent xmlns:mc="http://schemas.openxmlformats.org/markup-compatibility/2006" xmlns:p14="http://schemas.microsoft.com/office/powerpoint/2010/main">
+    <mc:Choice Requires="p14">
+      <p:transition spd="med" p14:dur="700">
+        <p:fade/>
+      </p:transition>
+    </mc:Choice>
+    <mc:Fallback xmlns="">
+      <p:transition spd="med">
+        <p:fade/>
+      </p:transition>
+    </mc:Fallback>
+  </mc:AlternateContent>
+</p:sld>
+</file>
+
+<file path=ppt/slides/slide31.xml><?xml version="1.0" encoding="utf-8"?>
+<p:sld xmlns:a="http://schemas.openxmlformats.org/drawingml/2006/main" xmlns:r="http://schemas.openxmlformats.org/officeDocument/2006/relationships" xmlns:p="http://schemas.openxmlformats.org/presentationml/2006/main">
+  <p:cSld>
+    <p:spTree>
+      <p:nvGrpSpPr>
+        <p:cNvPr id="1" name=""/>
+        <p:cNvGrpSpPr/>
+        <p:nvPr/>
+      </p:nvGrpSpPr>
+      <p:grpSpPr>
+        <a:xfrm>
+          <a:off x="0" y="0"/>
+          <a:ext cx="0" cy="0"/>
+          <a:chOff x="0" y="0"/>
+          <a:chExt cx="0" cy="0"/>
+        </a:xfrm>
+      </p:grpSpPr>
+      <p:sp>
+        <p:nvSpPr>
+          <p:cNvPr id="2" name="Titel 1">
+            <a:extLst>
+              <a:ext uri="{FF2B5EF4-FFF2-40B4-BE49-F238E27FC236}">
+                <a16:creationId xmlns:a16="http://schemas.microsoft.com/office/drawing/2014/main" id="{81D42174-0178-E45D-343D-5DAC78B2762E}"/>
+              </a:ext>
+            </a:extLst>
+          </p:cNvPr>
+          <p:cNvSpPr>
+            <a:spLocks noGrp="1"/>
+          </p:cNvSpPr>
+          <p:nvPr>
+            <p:ph type="title"/>
+          </p:nvPr>
+        </p:nvSpPr>
+        <p:spPr/>
+        <p:txBody>
+          <a:bodyPr/>
+          <a:lstStyle/>
+          <a:p>
+            <a:r>
+              <a:rPr lang="en-US" dirty="0"/>
+              <a:t>Web-apps </a:t>
+            </a:r>
+            <a:r>
+              <a:rPr lang="en-US" dirty="0" err="1"/>
+              <a:t>på</a:t>
+            </a:r>
+            <a:r>
+              <a:rPr lang="en-US" dirty="0"/>
+              <a:t> </a:t>
+            </a:r>
+            <a:r>
+              <a:rPr lang="en-US" b="1" i="1" dirty="0"/>
+              <a:t>Simply</a:t>
+            </a:r>
+            <a:endParaRPr lang="da-DK" dirty="0"/>
+          </a:p>
+        </p:txBody>
+      </p:sp>
+      <p:sp>
+        <p:nvSpPr>
+          <p:cNvPr id="3" name="Pladsholder til indhold 2">
+            <a:extLst>
+              <a:ext uri="{FF2B5EF4-FFF2-40B4-BE49-F238E27FC236}">
+                <a16:creationId xmlns:a16="http://schemas.microsoft.com/office/drawing/2014/main" id="{FE58DE49-6CBF-C80D-90FE-982146EFCAEE}"/>
+              </a:ext>
+            </a:extLst>
+          </p:cNvPr>
+          <p:cNvSpPr>
+            <a:spLocks noGrp="1"/>
+          </p:cNvSpPr>
+          <p:nvPr>
+            <p:ph idx="1"/>
+          </p:nvPr>
+        </p:nvSpPr>
+        <p:spPr>
+          <a:xfrm>
+            <a:off x="838200" y="1825625"/>
+            <a:ext cx="8452757" cy="4351338"/>
+          </a:xfrm>
+        </p:spPr>
+        <p:txBody>
+          <a:bodyPr/>
+          <a:lstStyle/>
+          <a:p>
+            <a:r>
+              <a:rPr lang="da-DK" dirty="0"/>
+              <a:t>Lad være med at bruge for meget mental energi på </a:t>
+            </a:r>
+            <a:r>
+              <a:rPr lang="da-DK" b="1" err="1"/>
+              <a:t>Publish</a:t>
+            </a:r>
+            <a:r>
+              <a:rPr lang="da-DK"/>
+              <a:t>-aspektet i starten af projektet</a:t>
+            </a:r>
+            <a:endParaRPr lang="da-DK" dirty="0"/>
+          </a:p>
+          <a:p>
+            <a:r>
+              <a:rPr lang="da-DK" dirty="0"/>
+              <a:t>Det er ikke et decideret krav, at apps kører hostet.</a:t>
+            </a:r>
+          </a:p>
+          <a:p>
+            <a:r>
+              <a:rPr lang="da-DK" dirty="0"/>
+              <a:t>Skal ikke ”tænkes ind fra </a:t>
+            </a:r>
+            <a:r>
+              <a:rPr lang="da-DK"/>
+              <a:t>start”, når en app laves</a:t>
+            </a:r>
+            <a:endParaRPr lang="da-DK" dirty="0"/>
+          </a:p>
+        </p:txBody>
+      </p:sp>
+    </p:spTree>
+    <p:extLst>
+      <p:ext uri="{BB962C8B-B14F-4D97-AF65-F5344CB8AC3E}">
+        <p14:creationId xmlns:p14="http://schemas.microsoft.com/office/powerpoint/2010/main" val="1420059723"/>
       </p:ext>
     </p:extLst>
   </p:cSld>
@@ -7545,7 +8656,15 @@
             </a:r>
             <a:r>
               <a:rPr lang="en-US" dirty="0"/>
-              <a:t> MS SQL database…</a:t>
+              <a:t> </a:t>
+            </a:r>
+            <a:r>
+              <a:rPr lang="en-US" i="1" dirty="0"/>
+              <a:t>MS SQL </a:t>
+            </a:r>
+            <a:r>
+              <a:rPr lang="en-US" dirty="0"/>
+              <a:t>database…</a:t>
             </a:r>
           </a:p>
           <a:p>
@@ -7630,7 +8749,15 @@
             </a:r>
             <a:r>
               <a:rPr lang="en-US" dirty="0"/>
-              <a:t> med MS SQL database</a:t>
+              <a:t> med </a:t>
+            </a:r>
+            <a:r>
+              <a:rPr lang="en-US" i="1" dirty="0"/>
+              <a:t>MS SQL </a:t>
+            </a:r>
+            <a:r>
+              <a:rPr lang="en-US" dirty="0"/>
+              <a:t>database</a:t>
             </a:r>
           </a:p>
           <a:p>
@@ -7648,7 +8775,11 @@
             </a:r>
             <a:r>
               <a:rPr lang="en-US" dirty="0"/>
-              <a:t> database via Management Studio </a:t>
+              <a:t> database via </a:t>
+            </a:r>
+            <a:r>
+              <a:rPr lang="en-US" i="1" dirty="0"/>
+              <a:t>Management Studio </a:t>
             </a:r>
             <a:r>
               <a:rPr lang="en-US" dirty="0" err="1"/>
@@ -7664,7 +8795,11 @@
             </a:r>
             <a:r>
               <a:rPr lang="en-US" dirty="0"/>
-              <a:t> Visual Studio</a:t>
+              <a:t> </a:t>
+            </a:r>
+            <a:r>
+              <a:rPr lang="en-US" i="1" dirty="0"/>
+              <a:t>Visual Studio</a:t>
             </a:r>
           </a:p>
           <a:p>
@@ -7795,10 +8930,10 @@
       </p:grpSpPr>
       <p:pic>
         <p:nvPicPr>
-          <p:cNvPr id="3" name="Billede 2">
-            <a:extLst>
-              <a:ext uri="{FF2B5EF4-FFF2-40B4-BE49-F238E27FC236}">
-                <a16:creationId xmlns:a16="http://schemas.microsoft.com/office/drawing/2014/main" id="{5D61B45F-084C-C4F2-4193-3CDFD0194F73}"/>
+          <p:cNvPr id="4" name="Billede 3">
+            <a:extLst>
+              <a:ext uri="{FF2B5EF4-FFF2-40B4-BE49-F238E27FC236}">
+                <a16:creationId xmlns:a16="http://schemas.microsoft.com/office/drawing/2014/main" id="{5AB5181D-5B3D-7714-0ED2-4E5A72FA2D6E}"/>
               </a:ext>
             </a:extLst>
           </p:cNvPr>
@@ -7815,14 +8950,222 @@
         </p:blipFill>
         <p:spPr>
           <a:xfrm>
-            <a:off x="1010193" y="664601"/>
-            <a:ext cx="10258697" cy="5357803"/>
+            <a:off x="1014547" y="873269"/>
+            <a:ext cx="10802983" cy="3687064"/>
           </a:xfrm>
           <a:prstGeom prst="rect">
             <a:avLst/>
           </a:prstGeom>
         </p:spPr>
       </p:pic>
+      <p:sp>
+        <p:nvSpPr>
+          <p:cNvPr id="5" name="Rektangel 4">
+            <a:extLst>
+              <a:ext uri="{FF2B5EF4-FFF2-40B4-BE49-F238E27FC236}">
+                <a16:creationId xmlns:a16="http://schemas.microsoft.com/office/drawing/2014/main" id="{42732505-AB41-C80C-4796-95B752061591}"/>
+              </a:ext>
+            </a:extLst>
+          </p:cNvPr>
+          <p:cNvSpPr/>
+          <p:nvPr/>
+        </p:nvSpPr>
+        <p:spPr>
+          <a:xfrm>
+            <a:off x="1014547" y="4258421"/>
+            <a:ext cx="788127" cy="346851"/>
+          </a:xfrm>
+          <a:prstGeom prst="rect">
+            <a:avLst/>
+          </a:prstGeom>
+          <a:noFill/>
+          <a:ln w="76200">
+            <a:solidFill>
+              <a:srgbClr val="FF0000"/>
+            </a:solidFill>
+          </a:ln>
+        </p:spPr>
+        <p:style>
+          <a:lnRef idx="2">
+            <a:schemeClr val="accent1">
+              <a:shade val="15000"/>
+            </a:schemeClr>
+          </a:lnRef>
+          <a:fillRef idx="1">
+            <a:schemeClr val="accent1"/>
+          </a:fillRef>
+          <a:effectRef idx="0">
+            <a:schemeClr val="accent1"/>
+          </a:effectRef>
+          <a:fontRef idx="minor">
+            <a:schemeClr val="lt1"/>
+          </a:fontRef>
+        </p:style>
+        <p:txBody>
+          <a:bodyPr rtlCol="0" anchor="ctr"/>
+          <a:lstStyle/>
+          <a:p>
+            <a:pPr algn="ctr"/>
+            <a:endParaRPr lang="da-DK"/>
+          </a:p>
+        </p:txBody>
+      </p:sp>
+      <p:sp>
+        <p:nvSpPr>
+          <p:cNvPr id="6" name="Rektangel 5">
+            <a:extLst>
+              <a:ext uri="{FF2B5EF4-FFF2-40B4-BE49-F238E27FC236}">
+                <a16:creationId xmlns:a16="http://schemas.microsoft.com/office/drawing/2014/main" id="{E6038930-54E4-9979-01D5-A8E5F4206500}"/>
+              </a:ext>
+            </a:extLst>
+          </p:cNvPr>
+          <p:cNvSpPr/>
+          <p:nvPr/>
+        </p:nvSpPr>
+        <p:spPr>
+          <a:xfrm>
+            <a:off x="4232364" y="2233678"/>
+            <a:ext cx="7419705" cy="1018973"/>
+          </a:xfrm>
+          <a:prstGeom prst="rect">
+            <a:avLst/>
+          </a:prstGeom>
+          <a:noFill/>
+          <a:ln w="76200">
+            <a:solidFill>
+              <a:srgbClr val="FF0000"/>
+            </a:solidFill>
+          </a:ln>
+        </p:spPr>
+        <p:style>
+          <a:lnRef idx="2">
+            <a:schemeClr val="accent1">
+              <a:shade val="15000"/>
+            </a:schemeClr>
+          </a:lnRef>
+          <a:fillRef idx="1">
+            <a:schemeClr val="accent1"/>
+          </a:fillRef>
+          <a:effectRef idx="0">
+            <a:schemeClr val="accent1"/>
+          </a:effectRef>
+          <a:fontRef idx="minor">
+            <a:schemeClr val="lt1"/>
+          </a:fontRef>
+        </p:style>
+        <p:txBody>
+          <a:bodyPr rtlCol="0" anchor="ctr"/>
+          <a:lstStyle/>
+          <a:p>
+            <a:pPr algn="ctr"/>
+            <a:endParaRPr lang="da-DK"/>
+          </a:p>
+        </p:txBody>
+      </p:sp>
+      <p:sp>
+        <p:nvSpPr>
+          <p:cNvPr id="7" name="Rektangel 6">
+            <a:extLst>
+              <a:ext uri="{FF2B5EF4-FFF2-40B4-BE49-F238E27FC236}">
+                <a16:creationId xmlns:a16="http://schemas.microsoft.com/office/drawing/2014/main" id="{F58F7657-7ED8-356B-A915-278A4DB6E73B}"/>
+              </a:ext>
+            </a:extLst>
+          </p:cNvPr>
+          <p:cNvSpPr/>
+          <p:nvPr/>
+        </p:nvSpPr>
+        <p:spPr>
+          <a:xfrm>
+            <a:off x="4232364" y="1506583"/>
+            <a:ext cx="1754779" cy="352697"/>
+          </a:xfrm>
+          <a:prstGeom prst="rect">
+            <a:avLst/>
+          </a:prstGeom>
+          <a:noFill/>
+          <a:ln w="76200">
+            <a:solidFill>
+              <a:srgbClr val="FF0000"/>
+            </a:solidFill>
+          </a:ln>
+        </p:spPr>
+        <p:style>
+          <a:lnRef idx="2">
+            <a:schemeClr val="accent1">
+              <a:shade val="15000"/>
+            </a:schemeClr>
+          </a:lnRef>
+          <a:fillRef idx="1">
+            <a:schemeClr val="accent1"/>
+          </a:fillRef>
+          <a:effectRef idx="0">
+            <a:schemeClr val="accent1"/>
+          </a:effectRef>
+          <a:fontRef idx="minor">
+            <a:schemeClr val="lt1"/>
+          </a:fontRef>
+        </p:style>
+        <p:txBody>
+          <a:bodyPr rtlCol="0" anchor="ctr"/>
+          <a:lstStyle/>
+          <a:p>
+            <a:pPr algn="ctr"/>
+            <a:endParaRPr lang="da-DK"/>
+          </a:p>
+        </p:txBody>
+      </p:sp>
+      <p:sp>
+        <p:nvSpPr>
+          <p:cNvPr id="8" name="Rektangel 7">
+            <a:extLst>
+              <a:ext uri="{FF2B5EF4-FFF2-40B4-BE49-F238E27FC236}">
+                <a16:creationId xmlns:a16="http://schemas.microsoft.com/office/drawing/2014/main" id="{D05B49B4-3A8F-4607-59AD-26C692A201AF}"/>
+              </a:ext>
+            </a:extLst>
+          </p:cNvPr>
+          <p:cNvSpPr/>
+          <p:nvPr/>
+        </p:nvSpPr>
+        <p:spPr>
+          <a:xfrm>
+            <a:off x="8804366" y="1506582"/>
+            <a:ext cx="1049383" cy="352697"/>
+          </a:xfrm>
+          <a:prstGeom prst="rect">
+            <a:avLst/>
+          </a:prstGeom>
+          <a:noFill/>
+          <a:ln w="76200">
+            <a:solidFill>
+              <a:srgbClr val="FF0000"/>
+            </a:solidFill>
+          </a:ln>
+        </p:spPr>
+        <p:style>
+          <a:lnRef idx="2">
+            <a:schemeClr val="accent1">
+              <a:shade val="15000"/>
+            </a:schemeClr>
+          </a:lnRef>
+          <a:fillRef idx="1">
+            <a:schemeClr val="accent1"/>
+          </a:fillRef>
+          <a:effectRef idx="0">
+            <a:schemeClr val="accent1"/>
+          </a:effectRef>
+          <a:fontRef idx="minor">
+            <a:schemeClr val="lt1"/>
+          </a:fontRef>
+        </p:style>
+        <p:txBody>
+          <a:bodyPr rtlCol="0" anchor="ctr"/>
+          <a:lstStyle/>
+          <a:p>
+            <a:pPr algn="ctr"/>
+            <a:endParaRPr lang="da-DK"/>
+          </a:p>
+        </p:txBody>
+      </p:sp>
     </p:spTree>
     <p:extLst>
       <p:ext uri="{BB962C8B-B14F-4D97-AF65-F5344CB8AC3E}">
@@ -7867,10 +9210,10 @@
       </p:grpSpPr>
       <p:pic>
         <p:nvPicPr>
-          <p:cNvPr id="3" name="Billede 2">
-            <a:extLst>
-              <a:ext uri="{FF2B5EF4-FFF2-40B4-BE49-F238E27FC236}">
-                <a16:creationId xmlns:a16="http://schemas.microsoft.com/office/drawing/2014/main" id="{811CB434-B450-C574-C987-D7D306A7072F}"/>
+          <p:cNvPr id="4" name="Billede 3">
+            <a:extLst>
+              <a:ext uri="{FF2B5EF4-FFF2-40B4-BE49-F238E27FC236}">
+                <a16:creationId xmlns:a16="http://schemas.microsoft.com/office/drawing/2014/main" id="{219C08DB-B130-A511-2107-42FACA2555DB}"/>
               </a:ext>
             </a:extLst>
           </p:cNvPr>
@@ -7887,8 +9230,8 @@
         </p:blipFill>
         <p:spPr>
           <a:xfrm>
-            <a:off x="1240970" y="661355"/>
-            <a:ext cx="9952529" cy="5726381"/>
+            <a:off x="1153886" y="458818"/>
+            <a:ext cx="10196604" cy="5940364"/>
           </a:xfrm>
           <a:prstGeom prst="rect">
             <a:avLst/>
@@ -7939,10 +9282,10 @@
       </p:grpSpPr>
       <p:pic>
         <p:nvPicPr>
-          <p:cNvPr id="4" name="Billede 3">
-            <a:extLst>
-              <a:ext uri="{FF2B5EF4-FFF2-40B4-BE49-F238E27FC236}">
-                <a16:creationId xmlns:a16="http://schemas.microsoft.com/office/drawing/2014/main" id="{01F9806C-E87B-B2C3-AB18-06C767BA38F3}"/>
+          <p:cNvPr id="5" name="Billede 4">
+            <a:extLst>
+              <a:ext uri="{FF2B5EF4-FFF2-40B4-BE49-F238E27FC236}">
+                <a16:creationId xmlns:a16="http://schemas.microsoft.com/office/drawing/2014/main" id="{60533BA3-227A-D7F9-BD6F-4B5FCF6895D4}"/>
               </a:ext>
             </a:extLst>
           </p:cNvPr>
@@ -7959,18 +9302,70 @@
         </p:blipFill>
         <p:spPr>
           <a:xfrm>
-            <a:off x="2695575" y="1138237"/>
-            <a:ext cx="6800850" cy="4581525"/>
+            <a:off x="1128577" y="953724"/>
+            <a:ext cx="10344150" cy="4010025"/>
           </a:xfrm>
           <a:prstGeom prst="rect">
             <a:avLst/>
           </a:prstGeom>
         </p:spPr>
       </p:pic>
+      <p:sp>
+        <p:nvSpPr>
+          <p:cNvPr id="6" name="Rektangel 5">
+            <a:extLst>
+              <a:ext uri="{FF2B5EF4-FFF2-40B4-BE49-F238E27FC236}">
+                <a16:creationId xmlns:a16="http://schemas.microsoft.com/office/drawing/2014/main" id="{6B049371-6A7A-A311-57F2-B0E27B5DE67E}"/>
+              </a:ext>
+            </a:extLst>
+          </p:cNvPr>
+          <p:cNvSpPr/>
+          <p:nvPr/>
+        </p:nvSpPr>
+        <p:spPr>
+          <a:xfrm>
+            <a:off x="2704012" y="2921725"/>
+            <a:ext cx="2786742" cy="352697"/>
+          </a:xfrm>
+          <a:prstGeom prst="rect">
+            <a:avLst/>
+          </a:prstGeom>
+          <a:noFill/>
+          <a:ln w="76200">
+            <a:solidFill>
+              <a:srgbClr val="FF0000"/>
+            </a:solidFill>
+          </a:ln>
+        </p:spPr>
+        <p:style>
+          <a:lnRef idx="2">
+            <a:schemeClr val="accent1">
+              <a:shade val="15000"/>
+            </a:schemeClr>
+          </a:lnRef>
+          <a:fillRef idx="1">
+            <a:schemeClr val="accent1"/>
+          </a:fillRef>
+          <a:effectRef idx="0">
+            <a:schemeClr val="accent1"/>
+          </a:effectRef>
+          <a:fontRef idx="minor">
+            <a:schemeClr val="lt1"/>
+          </a:fontRef>
+        </p:style>
+        <p:txBody>
+          <a:bodyPr rtlCol="0" anchor="ctr"/>
+          <a:lstStyle/>
+          <a:p>
+            <a:pPr algn="ctr"/>
+            <a:endParaRPr lang="da-DK"/>
+          </a:p>
+        </p:txBody>
+      </p:sp>
     </p:spTree>
     <p:extLst>
       <p:ext uri="{BB962C8B-B14F-4D97-AF65-F5344CB8AC3E}">
-        <p14:creationId xmlns:p14="http://schemas.microsoft.com/office/powerpoint/2010/main" val="2649145885"/>
+        <p14:creationId xmlns:p14="http://schemas.microsoft.com/office/powerpoint/2010/main" val="1863604601"/>
       </p:ext>
     </p:extLst>
   </p:cSld>
@@ -8011,10 +9406,10 @@
       </p:grpSpPr>
       <p:pic>
         <p:nvPicPr>
-          <p:cNvPr id="11" name="Billede 10">
-            <a:extLst>
-              <a:ext uri="{FF2B5EF4-FFF2-40B4-BE49-F238E27FC236}">
-                <a16:creationId xmlns:a16="http://schemas.microsoft.com/office/drawing/2014/main" id="{BAD76300-C426-E3CC-39A7-BC3AD44AE3C7}"/>
+          <p:cNvPr id="5" name="Billede 4">
+            <a:extLst>
+              <a:ext uri="{FF2B5EF4-FFF2-40B4-BE49-F238E27FC236}">
+                <a16:creationId xmlns:a16="http://schemas.microsoft.com/office/drawing/2014/main" id="{3BF1E498-7CE7-849F-4DFD-F061974D5B7A}"/>
               </a:ext>
             </a:extLst>
           </p:cNvPr>
@@ -8031,180 +9426,18 @@
         </p:blipFill>
         <p:spPr>
           <a:xfrm>
-            <a:off x="315327" y="1402012"/>
-            <a:ext cx="6122355" cy="3522616"/>
+            <a:off x="1404942" y="426720"/>
+            <a:ext cx="4603654" cy="5612674"/>
           </a:xfrm>
           <a:prstGeom prst="rect">
             <a:avLst/>
           </a:prstGeom>
         </p:spPr>
       </p:pic>
-      <p:pic>
-        <p:nvPicPr>
-          <p:cNvPr id="4" name="Billede 3">
-            <a:extLst>
-              <a:ext uri="{FF2B5EF4-FFF2-40B4-BE49-F238E27FC236}">
-                <a16:creationId xmlns:a16="http://schemas.microsoft.com/office/drawing/2014/main" id="{01F9806C-E87B-B2C3-AB18-06C767BA38F3}"/>
-              </a:ext>
-            </a:extLst>
-          </p:cNvPr>
-          <p:cNvPicPr>
-            <a:picLocks noChangeAspect="1"/>
-          </p:cNvPicPr>
-          <p:nvPr/>
-        </p:nvPicPr>
-        <p:blipFill>
-          <a:blip r:embed="rId3"/>
-          <a:stretch>
-            <a:fillRect/>
-          </a:stretch>
-        </p:blipFill>
-        <p:spPr>
-          <a:xfrm>
-            <a:off x="7002236" y="1652587"/>
-            <a:ext cx="4485088" cy="3021467"/>
-          </a:xfrm>
-          <a:prstGeom prst="rect">
-            <a:avLst/>
-          </a:prstGeom>
-        </p:spPr>
-      </p:pic>
-      <p:cxnSp>
-        <p:nvCxnSpPr>
-          <p:cNvPr id="5" name="Lige pilforbindelse 4">
-            <a:extLst>
-              <a:ext uri="{FF2B5EF4-FFF2-40B4-BE49-F238E27FC236}">
-                <a16:creationId xmlns:a16="http://schemas.microsoft.com/office/drawing/2014/main" id="{8AD9B0DF-2E31-15B1-8292-BACF5D34339F}"/>
-              </a:ext>
-            </a:extLst>
-          </p:cNvPr>
-          <p:cNvCxnSpPr>
-            <a:cxnSpLocks/>
-          </p:cNvCxnSpPr>
-          <p:nvPr/>
-        </p:nvCxnSpPr>
-        <p:spPr>
-          <a:xfrm flipV="1">
-            <a:off x="4036423" y="3021874"/>
-            <a:ext cx="4519748" cy="796835"/>
-          </a:xfrm>
-          <a:prstGeom prst="straightConnector1">
-            <a:avLst/>
-          </a:prstGeom>
-          <a:ln w="38100">
-            <a:solidFill>
-              <a:srgbClr val="00B050"/>
-            </a:solidFill>
-            <a:tailEnd type="triangle" w="lg" len="lg"/>
-          </a:ln>
-        </p:spPr>
-        <p:style>
-          <a:lnRef idx="1">
-            <a:schemeClr val="accent1"/>
-          </a:lnRef>
-          <a:fillRef idx="0">
-            <a:schemeClr val="accent1"/>
-          </a:fillRef>
-          <a:effectRef idx="0">
-            <a:schemeClr val="accent1"/>
-          </a:effectRef>
-          <a:fontRef idx="minor">
-            <a:schemeClr val="tx1"/>
-          </a:fontRef>
-        </p:style>
-      </p:cxnSp>
-      <p:cxnSp>
-        <p:nvCxnSpPr>
-          <p:cNvPr id="8" name="Lige pilforbindelse 7">
-            <a:extLst>
-              <a:ext uri="{FF2B5EF4-FFF2-40B4-BE49-F238E27FC236}">
-                <a16:creationId xmlns:a16="http://schemas.microsoft.com/office/drawing/2014/main" id="{4831A7D3-581D-5E31-8B39-FDC9BE31DC29}"/>
-              </a:ext>
-            </a:extLst>
-          </p:cNvPr>
-          <p:cNvCxnSpPr>
-            <a:cxnSpLocks/>
-          </p:cNvCxnSpPr>
-          <p:nvPr/>
-        </p:nvCxnSpPr>
-        <p:spPr>
-          <a:xfrm flipV="1">
-            <a:off x="3875314" y="3470366"/>
-            <a:ext cx="4837612" cy="796834"/>
-          </a:xfrm>
-          <a:prstGeom prst="straightConnector1">
-            <a:avLst/>
-          </a:prstGeom>
-          <a:ln w="38100">
-            <a:solidFill>
-              <a:srgbClr val="00B050"/>
-            </a:solidFill>
-            <a:tailEnd type="triangle" w="lg" len="lg"/>
-          </a:ln>
-        </p:spPr>
-        <p:style>
-          <a:lnRef idx="1">
-            <a:schemeClr val="accent1"/>
-          </a:lnRef>
-          <a:fillRef idx="0">
-            <a:schemeClr val="accent1"/>
-          </a:fillRef>
-          <a:effectRef idx="0">
-            <a:schemeClr val="accent1"/>
-          </a:effectRef>
-          <a:fontRef idx="minor">
-            <a:schemeClr val="tx1"/>
-          </a:fontRef>
-        </p:style>
-      </p:cxnSp>
-      <p:cxnSp>
-        <p:nvCxnSpPr>
-          <p:cNvPr id="14" name="Lige pilforbindelse 13">
-            <a:extLst>
-              <a:ext uri="{FF2B5EF4-FFF2-40B4-BE49-F238E27FC236}">
-                <a16:creationId xmlns:a16="http://schemas.microsoft.com/office/drawing/2014/main" id="{4539EDE1-F915-6195-4F0D-154BDEB7D0DD}"/>
-              </a:ext>
-            </a:extLst>
-          </p:cNvPr>
-          <p:cNvCxnSpPr>
-            <a:cxnSpLocks/>
-          </p:cNvCxnSpPr>
-          <p:nvPr/>
-        </p:nvCxnSpPr>
-        <p:spPr>
-          <a:xfrm flipV="1">
-            <a:off x="4066903" y="3718797"/>
-            <a:ext cx="4646023" cy="779180"/>
-          </a:xfrm>
-          <a:prstGeom prst="straightConnector1">
-            <a:avLst/>
-          </a:prstGeom>
-          <a:ln w="38100">
-            <a:solidFill>
-              <a:srgbClr val="00B050"/>
-            </a:solidFill>
-            <a:tailEnd type="triangle" w="lg" len="lg"/>
-          </a:ln>
-        </p:spPr>
-        <p:style>
-          <a:lnRef idx="1">
-            <a:schemeClr val="accent1"/>
-          </a:lnRef>
-          <a:fillRef idx="0">
-            <a:schemeClr val="accent1"/>
-          </a:fillRef>
-          <a:effectRef idx="0">
-            <a:schemeClr val="accent1"/>
-          </a:effectRef>
-          <a:fontRef idx="minor">
-            <a:schemeClr val="tx1"/>
-          </a:fontRef>
-        </p:style>
-      </p:cxnSp>
     </p:spTree>
     <p:extLst>
       <p:ext uri="{BB962C8B-B14F-4D97-AF65-F5344CB8AC3E}">
-        <p14:creationId xmlns:p14="http://schemas.microsoft.com/office/powerpoint/2010/main" val="77784217"/>
+        <p14:creationId xmlns:p14="http://schemas.microsoft.com/office/powerpoint/2010/main" val="2869277956"/>
       </p:ext>
     </p:extLst>
   </p:cSld>
@@ -8248,7 +9481,7 @@
           <p:cNvPr id="3" name="Billede 2">
             <a:extLst>
               <a:ext uri="{FF2B5EF4-FFF2-40B4-BE49-F238E27FC236}">
-                <a16:creationId xmlns:a16="http://schemas.microsoft.com/office/drawing/2014/main" id="{2660D774-14A6-13E2-6232-162CFF1A4954}"/>
+                <a16:creationId xmlns:a16="http://schemas.microsoft.com/office/drawing/2014/main" id="{1D0C0A8C-79FC-77EA-1563-D2D986FE0840}"/>
               </a:ext>
             </a:extLst>
           </p:cNvPr>
@@ -8265,18 +9498,336 @@
         </p:blipFill>
         <p:spPr>
           <a:xfrm>
-            <a:off x="2757487" y="1047750"/>
-            <a:ext cx="6677025" cy="4762500"/>
+            <a:off x="7747227" y="557347"/>
+            <a:ext cx="4257220" cy="5190309"/>
           </a:xfrm>
           <a:prstGeom prst="rect">
             <a:avLst/>
           </a:prstGeom>
         </p:spPr>
       </p:pic>
+      <p:pic>
+        <p:nvPicPr>
+          <p:cNvPr id="4" name="Billede 3">
+            <a:extLst>
+              <a:ext uri="{FF2B5EF4-FFF2-40B4-BE49-F238E27FC236}">
+                <a16:creationId xmlns:a16="http://schemas.microsoft.com/office/drawing/2014/main" id="{1BE9E2CA-EA92-047D-D2E2-F6A9B3729017}"/>
+              </a:ext>
+            </a:extLst>
+          </p:cNvPr>
+          <p:cNvPicPr>
+            <a:picLocks noChangeAspect="1"/>
+          </p:cNvPicPr>
+          <p:nvPr/>
+        </p:nvPicPr>
+        <p:blipFill>
+          <a:blip r:embed="rId3"/>
+          <a:stretch>
+            <a:fillRect/>
+          </a:stretch>
+        </p:blipFill>
+        <p:spPr>
+          <a:xfrm>
+            <a:off x="291737" y="1273069"/>
+            <a:ext cx="6978041" cy="4065285"/>
+          </a:xfrm>
+          <a:prstGeom prst="rect">
+            <a:avLst/>
+          </a:prstGeom>
+        </p:spPr>
+      </p:pic>
+      <p:cxnSp>
+        <p:nvCxnSpPr>
+          <p:cNvPr id="6" name="Lige pilforbindelse 5">
+            <a:extLst>
+              <a:ext uri="{FF2B5EF4-FFF2-40B4-BE49-F238E27FC236}">
+                <a16:creationId xmlns:a16="http://schemas.microsoft.com/office/drawing/2014/main" id="{A7770950-6768-C2E8-005B-3EB79568C4E3}"/>
+              </a:ext>
+            </a:extLst>
+          </p:cNvPr>
+          <p:cNvCxnSpPr>
+            <a:cxnSpLocks/>
+          </p:cNvCxnSpPr>
+          <p:nvPr/>
+        </p:nvCxnSpPr>
+        <p:spPr>
+          <a:xfrm flipV="1">
+            <a:off x="4440420" y="3296194"/>
+            <a:ext cx="4842917" cy="770709"/>
+          </a:xfrm>
+          <a:prstGeom prst="straightConnector1">
+            <a:avLst/>
+          </a:prstGeom>
+          <a:ln w="38100">
+            <a:solidFill>
+              <a:srgbClr val="00B050"/>
+            </a:solidFill>
+            <a:tailEnd type="triangle" w="lg" len="lg"/>
+          </a:ln>
+        </p:spPr>
+        <p:style>
+          <a:lnRef idx="1">
+            <a:schemeClr val="accent1"/>
+          </a:lnRef>
+          <a:fillRef idx="0">
+            <a:schemeClr val="accent1"/>
+          </a:fillRef>
+          <a:effectRef idx="0">
+            <a:schemeClr val="accent1"/>
+          </a:effectRef>
+          <a:fontRef idx="minor">
+            <a:schemeClr val="tx1"/>
+          </a:fontRef>
+        </p:style>
+      </p:cxnSp>
+      <p:cxnSp>
+        <p:nvCxnSpPr>
+          <p:cNvPr id="9" name="Lige pilforbindelse 8">
+            <a:extLst>
+              <a:ext uri="{FF2B5EF4-FFF2-40B4-BE49-F238E27FC236}">
+                <a16:creationId xmlns:a16="http://schemas.microsoft.com/office/drawing/2014/main" id="{2DC72BAC-D19B-9710-8B94-82FBE96FE980}"/>
+              </a:ext>
+            </a:extLst>
+          </p:cNvPr>
+          <p:cNvCxnSpPr>
+            <a:cxnSpLocks/>
+          </p:cNvCxnSpPr>
+          <p:nvPr/>
+        </p:nvCxnSpPr>
+        <p:spPr>
+          <a:xfrm flipV="1">
+            <a:off x="4306389" y="3766457"/>
+            <a:ext cx="4976948" cy="818606"/>
+          </a:xfrm>
+          <a:prstGeom prst="straightConnector1">
+            <a:avLst/>
+          </a:prstGeom>
+          <a:ln w="38100">
+            <a:solidFill>
+              <a:srgbClr val="00B050"/>
+            </a:solidFill>
+            <a:tailEnd type="triangle" w="lg" len="lg"/>
+          </a:ln>
+        </p:spPr>
+        <p:style>
+          <a:lnRef idx="1">
+            <a:schemeClr val="accent1"/>
+          </a:lnRef>
+          <a:fillRef idx="0">
+            <a:schemeClr val="accent1"/>
+          </a:fillRef>
+          <a:effectRef idx="0">
+            <a:schemeClr val="accent1"/>
+          </a:effectRef>
+          <a:fontRef idx="minor">
+            <a:schemeClr val="tx1"/>
+          </a:fontRef>
+        </p:style>
+      </p:cxnSp>
+      <p:cxnSp>
+        <p:nvCxnSpPr>
+          <p:cNvPr id="14" name="Lige pilforbindelse 13">
+            <a:extLst>
+              <a:ext uri="{FF2B5EF4-FFF2-40B4-BE49-F238E27FC236}">
+                <a16:creationId xmlns:a16="http://schemas.microsoft.com/office/drawing/2014/main" id="{9344CC1F-1C21-C721-9B5B-4B422A0408AA}"/>
+              </a:ext>
+            </a:extLst>
+          </p:cNvPr>
+          <p:cNvCxnSpPr>
+            <a:cxnSpLocks/>
+          </p:cNvCxnSpPr>
+          <p:nvPr/>
+        </p:nvCxnSpPr>
+        <p:spPr>
+          <a:xfrm flipV="1">
+            <a:off x="4563292" y="4034246"/>
+            <a:ext cx="4720045" cy="818606"/>
+          </a:xfrm>
+          <a:prstGeom prst="straightConnector1">
+            <a:avLst/>
+          </a:prstGeom>
+          <a:ln w="38100">
+            <a:solidFill>
+              <a:srgbClr val="00B050"/>
+            </a:solidFill>
+            <a:tailEnd type="triangle" w="lg" len="lg"/>
+          </a:ln>
+        </p:spPr>
+        <p:style>
+          <a:lnRef idx="1">
+            <a:schemeClr val="accent1"/>
+          </a:lnRef>
+          <a:fillRef idx="0">
+            <a:schemeClr val="accent1"/>
+          </a:fillRef>
+          <a:effectRef idx="0">
+            <a:schemeClr val="accent1"/>
+          </a:effectRef>
+          <a:fontRef idx="minor">
+            <a:schemeClr val="tx1"/>
+          </a:fontRef>
+        </p:style>
+      </p:cxnSp>
+      <p:sp>
+        <p:nvSpPr>
+          <p:cNvPr id="16" name="Rektangel 15">
+            <a:extLst>
+              <a:ext uri="{FF2B5EF4-FFF2-40B4-BE49-F238E27FC236}">
+                <a16:creationId xmlns:a16="http://schemas.microsoft.com/office/drawing/2014/main" id="{E820D03E-AABB-6CF1-1714-E9B1488CA53F}"/>
+              </a:ext>
+            </a:extLst>
+          </p:cNvPr>
+          <p:cNvSpPr/>
+          <p:nvPr/>
+        </p:nvSpPr>
+        <p:spPr>
+          <a:xfrm>
+            <a:off x="9283337" y="4852852"/>
+            <a:ext cx="2516778" cy="267789"/>
+          </a:xfrm>
+          <a:prstGeom prst="rect">
+            <a:avLst/>
+          </a:prstGeom>
+          <a:noFill/>
+          <a:ln w="76200">
+            <a:solidFill>
+              <a:srgbClr val="FF0000"/>
+            </a:solidFill>
+          </a:ln>
+        </p:spPr>
+        <p:style>
+          <a:lnRef idx="2">
+            <a:schemeClr val="accent1">
+              <a:shade val="15000"/>
+            </a:schemeClr>
+          </a:lnRef>
+          <a:fillRef idx="1">
+            <a:schemeClr val="accent1"/>
+          </a:fillRef>
+          <a:effectRef idx="0">
+            <a:schemeClr val="accent1"/>
+          </a:effectRef>
+          <a:fontRef idx="minor">
+            <a:schemeClr val="lt1"/>
+          </a:fontRef>
+        </p:style>
+        <p:txBody>
+          <a:bodyPr rtlCol="0" anchor="ctr"/>
+          <a:lstStyle/>
+          <a:p>
+            <a:pPr algn="ctr"/>
+            <a:endParaRPr lang="da-DK"/>
+          </a:p>
+        </p:txBody>
+      </p:sp>
+      <p:sp>
+        <p:nvSpPr>
+          <p:cNvPr id="17" name="Rektangel 16">
+            <a:extLst>
+              <a:ext uri="{FF2B5EF4-FFF2-40B4-BE49-F238E27FC236}">
+                <a16:creationId xmlns:a16="http://schemas.microsoft.com/office/drawing/2014/main" id="{A042E598-A7D6-AB42-42C8-6BED313E9B54}"/>
+              </a:ext>
+            </a:extLst>
+          </p:cNvPr>
+          <p:cNvSpPr/>
+          <p:nvPr/>
+        </p:nvSpPr>
+        <p:spPr>
+          <a:xfrm>
+            <a:off x="9283337" y="4130037"/>
+            <a:ext cx="1219200" cy="267789"/>
+          </a:xfrm>
+          <a:prstGeom prst="rect">
+            <a:avLst/>
+          </a:prstGeom>
+          <a:noFill/>
+          <a:ln w="76200">
+            <a:solidFill>
+              <a:srgbClr val="FF0000"/>
+            </a:solidFill>
+          </a:ln>
+        </p:spPr>
+        <p:style>
+          <a:lnRef idx="2">
+            <a:schemeClr val="accent1">
+              <a:shade val="15000"/>
+            </a:schemeClr>
+          </a:lnRef>
+          <a:fillRef idx="1">
+            <a:schemeClr val="accent1"/>
+          </a:fillRef>
+          <a:effectRef idx="0">
+            <a:schemeClr val="accent1"/>
+          </a:effectRef>
+          <a:fontRef idx="minor">
+            <a:schemeClr val="lt1"/>
+          </a:fontRef>
+        </p:style>
+        <p:txBody>
+          <a:bodyPr rtlCol="0" anchor="ctr"/>
+          <a:lstStyle/>
+          <a:p>
+            <a:pPr algn="ctr"/>
+            <a:endParaRPr lang="da-DK"/>
+          </a:p>
+        </p:txBody>
+      </p:sp>
+      <p:sp>
+        <p:nvSpPr>
+          <p:cNvPr id="18" name="Rektangel 17">
+            <a:extLst>
+              <a:ext uri="{FF2B5EF4-FFF2-40B4-BE49-F238E27FC236}">
+                <a16:creationId xmlns:a16="http://schemas.microsoft.com/office/drawing/2014/main" id="{9067F0A6-0F2B-15BB-A5C2-73584851AFDF}"/>
+              </a:ext>
+            </a:extLst>
+          </p:cNvPr>
+          <p:cNvSpPr/>
+          <p:nvPr/>
+        </p:nvSpPr>
+        <p:spPr>
+          <a:xfrm>
+            <a:off x="9266236" y="3405050"/>
+            <a:ext cx="1486127" cy="267789"/>
+          </a:xfrm>
+          <a:prstGeom prst="rect">
+            <a:avLst/>
+          </a:prstGeom>
+          <a:noFill/>
+          <a:ln w="76200">
+            <a:solidFill>
+              <a:srgbClr val="FF0000"/>
+            </a:solidFill>
+          </a:ln>
+        </p:spPr>
+        <p:style>
+          <a:lnRef idx="2">
+            <a:schemeClr val="accent1">
+              <a:shade val="15000"/>
+            </a:schemeClr>
+          </a:lnRef>
+          <a:fillRef idx="1">
+            <a:schemeClr val="accent1"/>
+          </a:fillRef>
+          <a:effectRef idx="0">
+            <a:schemeClr val="accent1"/>
+          </a:effectRef>
+          <a:fontRef idx="minor">
+            <a:schemeClr val="lt1"/>
+          </a:fontRef>
+        </p:style>
+        <p:txBody>
+          <a:bodyPr rtlCol="0" anchor="ctr"/>
+          <a:lstStyle/>
+          <a:p>
+            <a:pPr algn="ctr"/>
+            <a:endParaRPr lang="da-DK"/>
+          </a:p>
+        </p:txBody>
+      </p:sp>
     </p:spTree>
     <p:extLst>
       <p:ext uri="{BB962C8B-B14F-4D97-AF65-F5344CB8AC3E}">
-        <p14:creationId xmlns:p14="http://schemas.microsoft.com/office/powerpoint/2010/main" val="1098808722"/>
+        <p14:creationId xmlns:p14="http://schemas.microsoft.com/office/powerpoint/2010/main" val="2210778754"/>
       </p:ext>
     </p:extLst>
   </p:cSld>
